--- a/doc/place_compare_data_analysis.pptx
+++ b/doc/place_compare_data_analysis.pptx
@@ -5,7 +5,7 @@
     <p:sldMasterId id="2147483649" r:id="rId1"/>
   </p:sldMasterIdLst>
   <p:notesMasterIdLst>
-    <p:notesMasterId r:id="rId18"/>
+    <p:notesMasterId r:id="rId20"/>
   </p:notesMasterIdLst>
   <p:sldIdLst>
     <p:sldId id="256" r:id="rId2"/>
@@ -14,16 +14,18 @@
     <p:sldId id="270" r:id="rId5"/>
     <p:sldId id="273" r:id="rId6"/>
     <p:sldId id="274" r:id="rId7"/>
-    <p:sldId id="272" r:id="rId8"/>
-    <p:sldId id="261" r:id="rId9"/>
-    <p:sldId id="262" r:id="rId10"/>
-    <p:sldId id="263" r:id="rId11"/>
-    <p:sldId id="264" r:id="rId12"/>
-    <p:sldId id="265" r:id="rId13"/>
-    <p:sldId id="266" r:id="rId14"/>
-    <p:sldId id="267" r:id="rId15"/>
-    <p:sldId id="268" r:id="rId16"/>
-    <p:sldId id="269" r:id="rId17"/>
+    <p:sldId id="276" r:id="rId8"/>
+    <p:sldId id="275" r:id="rId9"/>
+    <p:sldId id="272" r:id="rId10"/>
+    <p:sldId id="261" r:id="rId11"/>
+    <p:sldId id="262" r:id="rId12"/>
+    <p:sldId id="263" r:id="rId13"/>
+    <p:sldId id="264" r:id="rId14"/>
+    <p:sldId id="265" r:id="rId15"/>
+    <p:sldId id="266" r:id="rId16"/>
+    <p:sldId id="267" r:id="rId17"/>
+    <p:sldId id="268" r:id="rId18"/>
+    <p:sldId id="269" r:id="rId19"/>
   </p:sldIdLst>
   <p:sldSz cx="9144000" cy="6858000" type="screen4x3"/>
   <p:notesSz cx="6858000" cy="9144000"/>
@@ -999,7 +1001,7 @@
           <a:p>
             <a:fld id="{50DE83F9-11A8-4478-86C6-86814407240D}" type="datetimeFigureOut">
               <a:rPr lang="ko-KR" altLang="en-US" smtClean="0"/>
-              <a:t>2020-04-07</a:t>
+              <a:t>2020-04-12</a:t>
             </a:fld>
             <a:endParaRPr lang="ko-KR" altLang="en-US"/>
           </a:p>
@@ -1402,6 +1404,90 @@
     <p:extLst>
       <p:ext uri="{BB962C8B-B14F-4D97-AF65-F5344CB8AC3E}">
         <p14:creationId xmlns:p14="http://schemas.microsoft.com/office/powerpoint/2010/main" val="2549527517"/>
+      </p:ext>
+    </p:extLst>
+  </p:cSld>
+  <p:clrMapOvr>
+    <a:masterClrMapping/>
+  </p:clrMapOvr>
+</p:notes>
+</file>
+
+<file path=ppt/notesSlides/notesSlide2.xml><?xml version="1.0" encoding="utf-8"?>
+<p:notes xmlns:a="http://schemas.openxmlformats.org/drawingml/2006/main" xmlns:r="http://schemas.openxmlformats.org/officeDocument/2006/relationships" xmlns:p="http://schemas.openxmlformats.org/presentationml/2006/main">
+  <p:cSld>
+    <p:spTree>
+      <p:nvGrpSpPr>
+        <p:cNvPr id="1" name=""/>
+        <p:cNvGrpSpPr/>
+        <p:nvPr/>
+      </p:nvGrpSpPr>
+      <p:grpSpPr>
+        <a:xfrm>
+          <a:off x="0" y="0"/>
+          <a:ext cx="0" cy="0"/>
+          <a:chOff x="0" y="0"/>
+          <a:chExt cx="0" cy="0"/>
+        </a:xfrm>
+      </p:grpSpPr>
+      <p:sp>
+        <p:nvSpPr>
+          <p:cNvPr id="2" name="슬라이드 이미지 개체 틀 1"/>
+          <p:cNvSpPr>
+            <a:spLocks noGrp="1" noRot="1" noChangeAspect="1"/>
+          </p:cNvSpPr>
+          <p:nvPr>
+            <p:ph type="sldImg"/>
+          </p:nvPr>
+        </p:nvSpPr>
+        <p:spPr/>
+      </p:sp>
+      <p:sp>
+        <p:nvSpPr>
+          <p:cNvPr id="3" name="슬라이드 노트 개체 틀 2"/>
+          <p:cNvSpPr>
+            <a:spLocks noGrp="1"/>
+          </p:cNvSpPr>
+          <p:nvPr>
+            <p:ph type="body" idx="1"/>
+          </p:nvPr>
+        </p:nvSpPr>
+        <p:spPr/>
+        <p:txBody>
+          <a:bodyPr/>
+          <a:lstStyle/>
+          <a:p>
+            <a:endParaRPr lang="ko-KR" altLang="en-US" dirty="0"/>
+          </a:p>
+        </p:txBody>
+      </p:sp>
+      <p:sp>
+        <p:nvSpPr>
+          <p:cNvPr id="4" name="슬라이드 번호 개체 틀 3"/>
+          <p:cNvSpPr>
+            <a:spLocks noGrp="1"/>
+          </p:cNvSpPr>
+          <p:nvPr>
+            <p:ph type="sldNum" sz="quarter" idx="5"/>
+          </p:nvPr>
+        </p:nvSpPr>
+        <p:spPr/>
+        <p:txBody>
+          <a:bodyPr/>
+          <a:lstStyle/>
+          <a:p>
+            <a:fld id="{EA56B005-BA51-45E5-AADD-37C3FEDB3359}" type="slidenum">
+              <a:rPr lang="ko-KR" altLang="en-US" smtClean="0"/>
+              <a:t>7</a:t>
+            </a:fld>
+            <a:endParaRPr lang="ko-KR" altLang="en-US"/>
+          </a:p>
+        </p:txBody>
+      </p:sp>
+    </p:spTree>
+    <p:extLst>
+      <p:ext uri="{BB962C8B-B14F-4D97-AF65-F5344CB8AC3E}">
+        <p14:creationId xmlns:p14="http://schemas.microsoft.com/office/powerpoint/2010/main" val="548328389"/>
       </p:ext>
     </p:extLst>
   </p:cSld>
@@ -1663,7 +1749,7 @@
           <a:p>
             <a:fld id="{FB30EDBD-1C2D-4C1E-B459-B60219FAB484}" type="datetimeFigureOut">
               <a:rPr lang="en-US" altLang="ko-KR"/>
-              <a:t>4/6/2020</a:t>
+              <a:t>4/12/2020</a:t>
             </a:fld>
             <a:endParaRPr/>
           </a:p>
@@ -2179,7 +2265,7 @@
           <a:p>
             <a:fld id="{FB30EDBD-1C2D-4C1E-B459-B60219FAB484}" type="datetimeFigureOut">
               <a:rPr lang="en-US" altLang="ko-KR"/>
-              <a:t>4/6/2020</a:t>
+              <a:t>4/12/2020</a:t>
             </a:fld>
             <a:endParaRPr/>
           </a:p>
@@ -2508,7 +2594,7 @@
           <a:p>
             <a:fld id="{FB30EDBD-1C2D-4C1E-B459-B60219FAB484}" type="datetimeFigureOut">
               <a:rPr lang="en-US" altLang="ko-KR"/>
-              <a:t>4/6/2020</a:t>
+              <a:t>4/12/2020</a:t>
             </a:fld>
             <a:endParaRPr/>
           </a:p>
@@ -2936,7 +3022,7 @@
                 <a:latin typeface="나눔고딕"/>
                 <a:ea typeface="나눔고딕"/>
               </a:rPr>
-              <a:t>4/6/2020</a:t>
+              <a:t>4/12/2020</a:t>
             </a:fld>
             <a:endParaRPr sz="1200">
               <a:solidFill>
@@ -3422,7 +3508,7 @@
                 <a:latin typeface="나눔고딕"/>
                 <a:ea typeface="나눔고딕"/>
               </a:rPr>
-              <a:t>4/6/2020</a:t>
+              <a:t>4/12/2020</a:t>
             </a:fld>
             <a:endParaRPr sz="1200">
               <a:solidFill>
@@ -3791,7 +3877,7 @@
                 <a:latin typeface="나눔고딕"/>
                 <a:ea typeface="나눔고딕"/>
               </a:rPr>
-              <a:t>4/6/2020</a:t>
+              <a:t>4/12/2020</a:t>
             </a:fld>
             <a:endParaRPr sz="1200">
               <a:solidFill>
@@ -4689,6 +4775,3901 @@
       </p:grpSpPr>
       <p:sp>
         <p:nvSpPr>
+          <p:cNvPr id="3" name="slide6_shape1"/>
+          <p:cNvSpPr/>
+          <p:nvPr/>
+        </p:nvSpPr>
+        <p:spPr>
+          <a:xfrm>
+            <a:off x="259796" y="1631110"/>
+            <a:ext cx="1883330" cy="1235916"/>
+          </a:xfrm>
+          <a:prstGeom prst="rect">
+            <a:avLst/>
+          </a:prstGeom>
+        </p:spPr>
+        <p:txBody>
+          <a:bodyPr lIns="91440" tIns="45720" rIns="91440" bIns="45720"/>
+          <a:lstStyle>
+            <a:lvl1pPr marL="342900" indent="-342900" algn="l" defTabSz="914400" latinLnBrk="1">
+              <a:spcBef>
+                <a:spcPct val="20000"/>
+              </a:spcBef>
+              <a:buFont typeface="Arial" pitchFamily="2" charset="2"/>
+              <a:buChar char="•"/>
+              <a:defRPr sz="3200" kern="1200">
+                <a:solidFill>
+                  <a:schemeClr val="tx1"/>
+                </a:solidFill>
+                <a:latin typeface="+mn-lt"/>
+                <a:ea typeface="+mn-ea"/>
+                <a:cs typeface="+mn-cs"/>
+              </a:defRPr>
+            </a:lvl1pPr>
+            <a:lvl2pPr marL="742950" indent="-285750" algn="l" defTabSz="914400" latinLnBrk="1">
+              <a:spcBef>
+                <a:spcPct val="20000"/>
+              </a:spcBef>
+              <a:buFont typeface="Arial" pitchFamily="2" charset="2"/>
+              <a:buChar char="–"/>
+              <a:defRPr sz="2800" kern="1200">
+                <a:solidFill>
+                  <a:schemeClr val="tx1"/>
+                </a:solidFill>
+                <a:latin typeface="+mn-lt"/>
+                <a:ea typeface="+mn-ea"/>
+                <a:cs typeface="+mn-cs"/>
+              </a:defRPr>
+            </a:lvl2pPr>
+            <a:lvl3pPr marL="1143000" indent="-228600" algn="l" defTabSz="914400" latinLnBrk="1">
+              <a:spcBef>
+                <a:spcPct val="20000"/>
+              </a:spcBef>
+              <a:buFont typeface="Arial" pitchFamily="2" charset="2"/>
+              <a:buChar char="•"/>
+              <a:defRPr sz="2400" kern="1200">
+                <a:solidFill>
+                  <a:schemeClr val="tx1"/>
+                </a:solidFill>
+                <a:latin typeface="+mn-lt"/>
+                <a:ea typeface="+mn-ea"/>
+                <a:cs typeface="+mn-cs"/>
+              </a:defRPr>
+            </a:lvl3pPr>
+            <a:lvl4pPr marL="1600200" indent="-228600" algn="l" defTabSz="914400" latinLnBrk="1">
+              <a:spcBef>
+                <a:spcPct val="20000"/>
+              </a:spcBef>
+              <a:buFont typeface="Arial" pitchFamily="2" charset="2"/>
+              <a:buChar char="–"/>
+              <a:defRPr sz="2000" kern="1200">
+                <a:solidFill>
+                  <a:schemeClr val="tx1"/>
+                </a:solidFill>
+                <a:latin typeface="+mn-lt"/>
+                <a:ea typeface="+mn-ea"/>
+                <a:cs typeface="+mn-cs"/>
+              </a:defRPr>
+            </a:lvl4pPr>
+            <a:lvl5pPr marL="2057400" indent="-228600" algn="l" defTabSz="914400" latinLnBrk="1">
+              <a:spcBef>
+                <a:spcPct val="20000"/>
+              </a:spcBef>
+              <a:buFont typeface="Arial" pitchFamily="2" charset="2"/>
+              <a:buChar char="»"/>
+              <a:defRPr sz="2000" kern="1200">
+                <a:solidFill>
+                  <a:schemeClr val="tx1"/>
+                </a:solidFill>
+                <a:latin typeface="+mn-lt"/>
+                <a:ea typeface="+mn-ea"/>
+                <a:cs typeface="+mn-cs"/>
+              </a:defRPr>
+            </a:lvl5pPr>
+            <a:lvl6pPr marL="2514600" indent="-228600" algn="l" defTabSz="914400" latinLnBrk="1">
+              <a:spcBef>
+                <a:spcPct val="20000"/>
+              </a:spcBef>
+              <a:buFont typeface="Arial" pitchFamily="2" charset="2"/>
+              <a:buChar char="•"/>
+              <a:defRPr sz="2000" kern="1200">
+                <a:solidFill>
+                  <a:schemeClr val="tx1"/>
+                </a:solidFill>
+                <a:latin typeface="+mn-lt"/>
+                <a:ea typeface="+mn-ea"/>
+                <a:cs typeface="+mn-cs"/>
+              </a:defRPr>
+            </a:lvl6pPr>
+            <a:lvl7pPr marL="2971800" indent="-228600" algn="l" defTabSz="914400" latinLnBrk="1">
+              <a:spcBef>
+                <a:spcPct val="20000"/>
+              </a:spcBef>
+              <a:buFont typeface="Arial" pitchFamily="2" charset="2"/>
+              <a:buChar char="•"/>
+              <a:defRPr sz="2000" kern="1200">
+                <a:solidFill>
+                  <a:schemeClr val="tx1"/>
+                </a:solidFill>
+                <a:latin typeface="+mn-lt"/>
+                <a:ea typeface="+mn-ea"/>
+                <a:cs typeface="+mn-cs"/>
+              </a:defRPr>
+            </a:lvl7pPr>
+            <a:lvl8pPr marL="3429000" indent="-228600" algn="l" defTabSz="914400" latinLnBrk="1">
+              <a:spcBef>
+                <a:spcPct val="20000"/>
+              </a:spcBef>
+              <a:buFont typeface="Arial" pitchFamily="2" charset="2"/>
+              <a:buChar char="•"/>
+              <a:defRPr sz="2000" kern="1200">
+                <a:solidFill>
+                  <a:schemeClr val="tx1"/>
+                </a:solidFill>
+                <a:latin typeface="+mn-lt"/>
+                <a:ea typeface="+mn-ea"/>
+                <a:cs typeface="+mn-cs"/>
+              </a:defRPr>
+            </a:lvl8pPr>
+            <a:lvl9pPr marL="3886200" indent="-228600" algn="l" defTabSz="914400" latinLnBrk="1">
+              <a:spcBef>
+                <a:spcPct val="20000"/>
+              </a:spcBef>
+              <a:buFont typeface="Arial" pitchFamily="2" charset="2"/>
+              <a:buChar char="•"/>
+              <a:defRPr sz="2000" kern="1200">
+                <a:solidFill>
+                  <a:schemeClr val="tx1"/>
+                </a:solidFill>
+                <a:latin typeface="+mn-lt"/>
+                <a:ea typeface="+mn-ea"/>
+                <a:cs typeface="+mn-cs"/>
+              </a:defRPr>
+            </a:lvl9pPr>
+          </a:lstStyle>
+          <a:p>
+            <a:pPr marL="342900" indent="-342900" algn="l" defTabSz="914400" latinLnBrk="1">
+              <a:spcBef>
+                <a:spcPct val="20000"/>
+              </a:spcBef>
+              <a:buNone/>
+            </a:pPr>
+            <a:r>
+              <a:rPr lang="ko-KR" altLang="en-US" sz="1200" b="1" kern="1200">
+                <a:solidFill>
+                  <a:srgbClr val="3D3C3E"/>
+                </a:solidFill>
+                <a:latin typeface="나눔고딕"/>
+                <a:ea typeface="나눔고딕"/>
+                <a:cs typeface="+mn-cs"/>
+              </a:rPr>
+              <a:t>도형</a:t>
+            </a:r>
+            <a:r>
+              <a:rPr lang="en-US" altLang="en-US" sz="1200" b="1" kern="1200">
+                <a:solidFill>
+                  <a:srgbClr val="3D3C3E"/>
+                </a:solidFill>
+                <a:latin typeface="나눔고딕"/>
+                <a:ea typeface="나눔고딕"/>
+                <a:cs typeface="+mn-cs"/>
+              </a:rPr>
+              <a:t> </a:t>
+            </a:r>
+            <a:r>
+              <a:rPr lang="ko-KR" altLang="en-US" sz="1200" b="1" kern="1200">
+                <a:solidFill>
+                  <a:srgbClr val="3D3C3E"/>
+                </a:solidFill>
+                <a:latin typeface="나눔고딕"/>
+                <a:ea typeface="나눔고딕"/>
+                <a:cs typeface="+mn-cs"/>
+              </a:rPr>
+              <a:t>예시</a:t>
+            </a:r>
+            <a:endParaRPr sz="1200" b="1" kern="1200">
+              <a:solidFill>
+                <a:srgbClr val="3D3C3E"/>
+              </a:solidFill>
+              <a:latin typeface="나눔고딕"/>
+              <a:ea typeface="나눔고딕"/>
+              <a:cs typeface="+mn-cs"/>
+            </a:endParaRPr>
+          </a:p>
+        </p:txBody>
+      </p:sp>
+      <p:grpSp>
+        <p:nvGrpSpPr>
+          <p:cNvPr id="4" name="slide6_group1"/>
+          <p:cNvGrpSpPr>
+            <a:grpSpLocks/>
+          </p:cNvGrpSpPr>
+          <p:nvPr/>
+        </p:nvGrpSpPr>
+        <p:grpSpPr>
+          <a:xfrm>
+            <a:off x="5612717" y="4015800"/>
+            <a:ext cx="481957" cy="419223"/>
+            <a:chOff x="5612717" y="4015800"/>
+            <a:chExt cx="481957" cy="419223"/>
+          </a:xfrm>
+        </p:grpSpPr>
+        <p:cxnSp>
+          <p:nvCxnSpPr>
+            <p:cNvPr id="5" name="slide6_shape2"/>
+            <p:cNvCxnSpPr/>
+            <p:nvPr/>
+          </p:nvCxnSpPr>
+          <p:spPr>
+            <a:xfrm>
+              <a:off x="5885435" y="4015800"/>
+              <a:ext cx="209238" cy="209238"/>
+            </a:xfrm>
+            <a:prstGeom prst="line">
+              <a:avLst/>
+            </a:prstGeom>
+            <a:ln w="28575" cap="sq">
+              <a:solidFill>
+                <a:schemeClr val="tx2">
+                  <a:lumMod val="90000"/>
+                  <a:lumOff val="10000"/>
+                </a:schemeClr>
+              </a:solidFill>
+              <a:prstDash val="solid"/>
+              <a:headEnd type="none"/>
+              <a:tailEnd type="none"/>
+            </a:ln>
+          </p:spPr>
+          <p:style>
+            <a:lnRef idx="1">
+              <a:schemeClr val="accent1"/>
+            </a:lnRef>
+            <a:fillRef idx="0">
+              <a:schemeClr val="accent1"/>
+            </a:fillRef>
+            <a:effectRef idx="0">
+              <a:schemeClr val="accent1"/>
+            </a:effectRef>
+            <a:fontRef idx="minor">
+              <a:schemeClr val="tx1"/>
+            </a:fontRef>
+          </p:style>
+        </p:cxnSp>
+        <p:cxnSp>
+          <p:nvCxnSpPr>
+            <p:cNvPr id="6" name="slide6_shape3"/>
+            <p:cNvCxnSpPr/>
+            <p:nvPr/>
+          </p:nvCxnSpPr>
+          <p:spPr>
+            <a:xfrm flipH="1">
+              <a:off x="5885839" y="4226779"/>
+              <a:ext cx="208244" cy="208243"/>
+            </a:xfrm>
+            <a:prstGeom prst="line">
+              <a:avLst/>
+            </a:prstGeom>
+            <a:ln w="28575" cap="sq">
+              <a:solidFill>
+                <a:schemeClr val="tx2">
+                  <a:lumMod val="90000"/>
+                  <a:lumOff val="10000"/>
+                </a:schemeClr>
+              </a:solidFill>
+              <a:prstDash val="solid"/>
+              <a:headEnd type="none"/>
+              <a:tailEnd type="none"/>
+            </a:ln>
+          </p:spPr>
+          <p:style>
+            <a:lnRef idx="1">
+              <a:schemeClr val="accent1"/>
+            </a:lnRef>
+            <a:fillRef idx="0">
+              <a:schemeClr val="accent1"/>
+            </a:fillRef>
+            <a:effectRef idx="0">
+              <a:schemeClr val="accent1"/>
+            </a:effectRef>
+            <a:fontRef idx="minor">
+              <a:schemeClr val="tx1"/>
+            </a:fontRef>
+          </p:style>
+        </p:cxnSp>
+        <p:cxnSp>
+          <p:nvCxnSpPr>
+            <p:cNvPr id="7" name="slide6_shape4"/>
+            <p:cNvCxnSpPr/>
+            <p:nvPr/>
+          </p:nvCxnSpPr>
+          <p:spPr>
+            <a:xfrm rot="10800000">
+              <a:off x="5612716" y="4225849"/>
+              <a:ext cx="478079" cy="0"/>
+            </a:xfrm>
+            <a:prstGeom prst="line">
+              <a:avLst/>
+            </a:prstGeom>
+            <a:ln w="28575" cap="flat">
+              <a:solidFill>
+                <a:schemeClr val="tx2">
+                  <a:lumMod val="90000"/>
+                  <a:lumOff val="10000"/>
+                </a:schemeClr>
+              </a:solidFill>
+              <a:prstDash val="solid"/>
+              <a:headEnd type="none"/>
+              <a:tailEnd type="none"/>
+            </a:ln>
+          </p:spPr>
+          <p:style>
+            <a:lnRef idx="1">
+              <a:schemeClr val="accent1"/>
+            </a:lnRef>
+            <a:fillRef idx="0">
+              <a:schemeClr val="accent1"/>
+            </a:fillRef>
+            <a:effectRef idx="0">
+              <a:schemeClr val="accent1"/>
+            </a:effectRef>
+            <a:fontRef idx="minor">
+              <a:schemeClr val="tx1"/>
+            </a:fontRef>
+          </p:style>
+        </p:cxnSp>
+      </p:grpSp>
+      <p:grpSp>
+        <p:nvGrpSpPr>
+          <p:cNvPr id="8" name="slide6_group2"/>
+          <p:cNvGrpSpPr>
+            <a:grpSpLocks/>
+          </p:cNvGrpSpPr>
+          <p:nvPr/>
+        </p:nvGrpSpPr>
+        <p:grpSpPr>
+          <a:xfrm>
+            <a:off x="3026742" y="4056164"/>
+            <a:ext cx="338494" cy="338494"/>
+            <a:chOff x="3026742" y="4056164"/>
+            <a:chExt cx="338494" cy="338494"/>
+          </a:xfrm>
+        </p:grpSpPr>
+        <p:cxnSp>
+          <p:nvCxnSpPr>
+            <p:cNvPr id="9" name="slide6_shape5"/>
+            <p:cNvCxnSpPr/>
+            <p:nvPr/>
+          </p:nvCxnSpPr>
+          <p:spPr>
+            <a:xfrm flipH="1">
+              <a:off x="3026742" y="4225411"/>
+              <a:ext cx="338494" cy="0"/>
+            </a:xfrm>
+            <a:prstGeom prst="line">
+              <a:avLst/>
+            </a:prstGeom>
+            <a:ln w="28575" cap="flat">
+              <a:solidFill>
+                <a:schemeClr val="tx2">
+                  <a:lumMod val="90000"/>
+                  <a:lumOff val="10000"/>
+                </a:schemeClr>
+              </a:solidFill>
+              <a:prstDash val="solid"/>
+              <a:headEnd type="none"/>
+              <a:tailEnd type="none"/>
+            </a:ln>
+          </p:spPr>
+          <p:style>
+            <a:lnRef idx="1">
+              <a:schemeClr val="accent1"/>
+            </a:lnRef>
+            <a:fillRef idx="0">
+              <a:schemeClr val="accent1"/>
+            </a:fillRef>
+            <a:effectRef idx="0">
+              <a:schemeClr val="accent1"/>
+            </a:effectRef>
+            <a:fontRef idx="minor">
+              <a:schemeClr val="tx1"/>
+            </a:fontRef>
+          </p:style>
+        </p:cxnSp>
+        <p:cxnSp>
+          <p:nvCxnSpPr>
+            <p:cNvPr id="10" name="slide6_shape6"/>
+            <p:cNvCxnSpPr/>
+            <p:nvPr/>
+          </p:nvCxnSpPr>
+          <p:spPr>
+            <a:xfrm rot="5400000" flipH="1">
+              <a:off x="3026742" y="4225411"/>
+              <a:ext cx="338494" cy="0"/>
+            </a:xfrm>
+            <a:prstGeom prst="line">
+              <a:avLst/>
+            </a:prstGeom>
+            <a:ln w="28575" cap="flat">
+              <a:solidFill>
+                <a:schemeClr val="tx2">
+                  <a:lumMod val="90000"/>
+                  <a:lumOff val="10000"/>
+                </a:schemeClr>
+              </a:solidFill>
+              <a:prstDash val="solid"/>
+              <a:headEnd type="none"/>
+              <a:tailEnd type="none"/>
+            </a:ln>
+          </p:spPr>
+          <p:style>
+            <a:lnRef idx="1">
+              <a:schemeClr val="accent1"/>
+            </a:lnRef>
+            <a:fillRef idx="0">
+              <a:schemeClr val="accent1"/>
+            </a:fillRef>
+            <a:effectRef idx="0">
+              <a:schemeClr val="accent1"/>
+            </a:effectRef>
+            <a:fontRef idx="minor">
+              <a:schemeClr val="tx1"/>
+            </a:fontRef>
+          </p:style>
+        </p:cxnSp>
+      </p:grpSp>
+      <p:sp>
+        <p:nvSpPr>
+          <p:cNvPr id="11" name="slide6_shape7"/>
+          <p:cNvSpPr/>
+          <p:nvPr/>
+        </p:nvSpPr>
+        <p:spPr>
+          <a:xfrm>
+            <a:off x="263455" y="195231"/>
+            <a:ext cx="1584176" cy="215444"/>
+          </a:xfrm>
+          <a:prstGeom prst="rect">
+            <a:avLst/>
+          </a:prstGeom>
+          <a:noFill/>
+        </p:spPr>
+        <p:txBody>
+          <a:bodyPr wrap="square">
+            <a:spAutoFit/>
+          </a:bodyPr>
+          <a:lstStyle/>
+          <a:p>
+            <a:pPr marL="0" algn="l" defTabSz="914400" latinLnBrk="1"/>
+            <a:r>
+              <a:rPr lang="en-US" altLang="ko-KR" sz="800" kern="1200" spc="-30">
+                <a:solidFill>
+                  <a:schemeClr val="tx1">
+                    <a:lumMod val="95000"/>
+                    <a:lumOff val="5000"/>
+                  </a:schemeClr>
+                </a:solidFill>
+                <a:latin typeface="나눔고딕"/>
+                <a:ea typeface="나눔고딕"/>
+                <a:cs typeface="+mn-cs"/>
+              </a:rPr>
+              <a:t>2.1 </a:t>
+            </a:r>
+            <a:r>
+              <a:rPr lang="ko-KR" altLang="en-US" sz="800" kern="1200" spc="-30">
+                <a:solidFill>
+                  <a:schemeClr val="tx1">
+                    <a:lumMod val="95000"/>
+                    <a:lumOff val="5000"/>
+                  </a:schemeClr>
+                </a:solidFill>
+                <a:latin typeface="나눔고딕"/>
+                <a:ea typeface="나눔고딕"/>
+                <a:cs typeface="+mn-cs"/>
+              </a:rPr>
+              <a:t>도형</a:t>
+            </a:r>
+            <a:endParaRPr sz="800" kern="1200" spc="-30">
+              <a:solidFill>
+                <a:schemeClr val="tx1">
+                  <a:lumMod val="95000"/>
+                  <a:lumOff val="5000"/>
+                </a:schemeClr>
+              </a:solidFill>
+              <a:latin typeface="나눔고딕"/>
+              <a:ea typeface="나눔고딕"/>
+              <a:cs typeface="+mn-cs"/>
+            </a:endParaRPr>
+          </a:p>
+        </p:txBody>
+      </p:sp>
+      <p:cxnSp>
+        <p:nvCxnSpPr>
+          <p:cNvPr id="12" name="slide6_shape8"/>
+          <p:cNvCxnSpPr/>
+          <p:nvPr/>
+        </p:nvCxnSpPr>
+        <p:spPr>
+          <a:xfrm>
+            <a:off x="364803" y="547859"/>
+            <a:ext cx="8406000" cy="0"/>
+          </a:xfrm>
+          <a:prstGeom prst="line">
+            <a:avLst/>
+          </a:prstGeom>
+          <a:ln w="3175" cap="flat">
+            <a:solidFill>
+              <a:schemeClr val="accent4">
+                <a:lumMod val="50000"/>
+              </a:schemeClr>
+            </a:solidFill>
+            <a:prstDash val="solid"/>
+            <a:headEnd type="none"/>
+            <a:tailEnd type="none"/>
+          </a:ln>
+        </p:spPr>
+        <p:style>
+          <a:lnRef idx="1">
+            <a:schemeClr val="accent1"/>
+          </a:lnRef>
+          <a:fillRef idx="0">
+            <a:schemeClr val="accent1"/>
+          </a:fillRef>
+          <a:effectRef idx="0">
+            <a:schemeClr val="accent1"/>
+          </a:effectRef>
+          <a:fontRef idx="minor">
+            <a:schemeClr val="tx1"/>
+          </a:fontRef>
+        </p:style>
+      </p:cxnSp>
+      <p:sp>
+        <p:nvSpPr>
+          <p:cNvPr id="13" name="slide6_shape9"/>
+          <p:cNvSpPr/>
+          <p:nvPr/>
+        </p:nvSpPr>
+        <p:spPr>
+          <a:xfrm>
+            <a:off x="3471850" y="3208285"/>
+            <a:ext cx="2034253" cy="2034253"/>
+          </a:xfrm>
+          <a:prstGeom prst="ellipse">
+            <a:avLst/>
+          </a:prstGeom>
+          <a:gradFill>
+            <a:gsLst>
+              <a:gs pos="0">
+                <a:schemeClr val="bg1">
+                  <a:lumMod val="50000"/>
+                </a:schemeClr>
+              </a:gs>
+              <a:gs pos="80000">
+                <a:schemeClr val="bg1">
+                  <a:lumMod val="65000"/>
+                </a:schemeClr>
+              </a:gs>
+            </a:gsLst>
+            <a:lin ang="16200000" scaled="1"/>
+            <a:tileRect/>
+          </a:gradFill>
+          <a:ln w="9525" cap="flat">
+            <a:noFill/>
+            <a:prstDash val="solid"/>
+          </a:ln>
+        </p:spPr>
+        <p:style>
+          <a:lnRef idx="1">
+            <a:schemeClr val="accent3"/>
+          </a:lnRef>
+          <a:fillRef idx="3">
+            <a:schemeClr val="accent3"/>
+          </a:fillRef>
+          <a:effectRef idx="2">
+            <a:schemeClr val="accent3"/>
+          </a:effectRef>
+          <a:fontRef idx="minor">
+            <a:schemeClr val="lt1"/>
+          </a:fontRef>
+        </p:style>
+        <p:txBody>
+          <a:bodyPr anchor="ctr"/>
+          <a:lstStyle/>
+          <a:p>
+            <a:pPr marL="0" algn="ctr" defTabSz="914400" latinLnBrk="1"/>
+            <a:r>
+              <a:rPr lang="ko-KR" altLang="en-US" sz="1800" b="1" kern="1200">
+                <a:solidFill>
+                  <a:schemeClr val="bg1"/>
+                </a:solidFill>
+                <a:latin typeface="나눔고딕"/>
+                <a:ea typeface="나눔고딕"/>
+                <a:cs typeface="+mn-cs"/>
+              </a:rPr>
+              <a:t>기존고객</a:t>
+            </a:r>
+            <a:endParaRPr sz="1800" b="1" kern="1200">
+              <a:solidFill>
+                <a:schemeClr val="bg1"/>
+              </a:solidFill>
+              <a:latin typeface="나눔고딕"/>
+              <a:ea typeface="나눔고딕"/>
+              <a:cs typeface="+mn-cs"/>
+            </a:endParaRPr>
+          </a:p>
+          <a:p>
+            <a:pPr marL="0" algn="ctr" defTabSz="914400" latinLnBrk="1"/>
+            <a:r>
+              <a:rPr lang="ko-KR" altLang="en-US" sz="1700" b="1" kern="1200">
+                <a:solidFill>
+                  <a:schemeClr val="bg1"/>
+                </a:solidFill>
+                <a:latin typeface="나눔고딕"/>
+                <a:ea typeface="나눔고딕"/>
+                <a:cs typeface="+mn-cs"/>
+              </a:rPr>
+              <a:t>로열티강화</a:t>
+            </a:r>
+          </a:p>
+        </p:txBody>
+      </p:sp>
+      <p:sp>
+        <p:nvSpPr>
+          <p:cNvPr id="14" name="slide6_shape10"/>
+          <p:cNvSpPr/>
+          <p:nvPr/>
+        </p:nvSpPr>
+        <p:spPr>
+          <a:xfrm>
+            <a:off x="885875" y="3208285"/>
+            <a:ext cx="2034253" cy="2034253"/>
+          </a:xfrm>
+          <a:prstGeom prst="ellipse">
+            <a:avLst/>
+          </a:prstGeom>
+          <a:gradFill>
+            <a:gsLst>
+              <a:gs pos="0">
+                <a:schemeClr val="bg1">
+                  <a:lumMod val="50000"/>
+                </a:schemeClr>
+              </a:gs>
+              <a:gs pos="80000">
+                <a:schemeClr val="bg1">
+                  <a:lumMod val="65000"/>
+                </a:schemeClr>
+              </a:gs>
+            </a:gsLst>
+            <a:lin ang="16200000" scaled="1"/>
+            <a:tileRect/>
+          </a:gradFill>
+          <a:ln w="9525" cap="flat">
+            <a:noFill/>
+            <a:prstDash val="solid"/>
+          </a:ln>
+        </p:spPr>
+        <p:style>
+          <a:lnRef idx="1">
+            <a:schemeClr val="accent3"/>
+          </a:lnRef>
+          <a:fillRef idx="3">
+            <a:schemeClr val="accent3"/>
+          </a:fillRef>
+          <a:effectRef idx="2">
+            <a:schemeClr val="accent3"/>
+          </a:effectRef>
+          <a:fontRef idx="minor">
+            <a:schemeClr val="lt1"/>
+          </a:fontRef>
+        </p:style>
+        <p:txBody>
+          <a:bodyPr anchor="ctr"/>
+          <a:lstStyle/>
+          <a:p>
+            <a:pPr marL="0" algn="ctr" defTabSz="914400" latinLnBrk="1"/>
+            <a:r>
+              <a:rPr lang="ko-KR" altLang="en-US" sz="1800" b="1" kern="1200" spc="-50">
+                <a:solidFill>
+                  <a:schemeClr val="lt1"/>
+                </a:solidFill>
+                <a:latin typeface="나눔고딕"/>
+                <a:ea typeface="나눔고딕"/>
+                <a:cs typeface="+mn-cs"/>
+              </a:rPr>
+              <a:t>신규고객</a:t>
+            </a:r>
+            <a:r>
+              <a:rPr lang="en-US" altLang="en-US" sz="1800" b="1" kern="1200" spc="-50">
+                <a:solidFill>
+                  <a:schemeClr val="lt1"/>
+                </a:solidFill>
+                <a:latin typeface="나눔고딕"/>
+                <a:ea typeface="나눔고딕"/>
+                <a:cs typeface="+mn-cs"/>
+              </a:rPr>
+              <a:t> </a:t>
+            </a:r>
+            <a:endParaRPr sz="1800" b="1" kern="1200" spc="-50">
+              <a:solidFill>
+                <a:schemeClr val="tx1"/>
+              </a:solidFill>
+              <a:latin typeface="나눔고딕"/>
+              <a:ea typeface="나눔고딕"/>
+              <a:cs typeface="+mn-cs"/>
+            </a:endParaRPr>
+          </a:p>
+          <a:p>
+            <a:pPr marL="0" algn="ctr" defTabSz="914400" latinLnBrk="1"/>
+            <a:r>
+              <a:rPr lang="ko-KR" altLang="en-US" sz="1800" b="1" kern="1200" spc="-50">
+                <a:solidFill>
+                  <a:schemeClr val="lt1"/>
+                </a:solidFill>
+                <a:latin typeface="나눔고딕"/>
+                <a:ea typeface="나눔고딕"/>
+                <a:cs typeface="+mn-cs"/>
+              </a:rPr>
+              <a:t>유치</a:t>
+            </a:r>
+          </a:p>
+        </p:txBody>
+      </p:sp>
+      <p:sp>
+        <p:nvSpPr>
+          <p:cNvPr id="15" name="slide6_shape11"/>
+          <p:cNvSpPr/>
+          <p:nvPr/>
+        </p:nvSpPr>
+        <p:spPr>
+          <a:xfrm>
+            <a:off x="6220339" y="3208285"/>
+            <a:ext cx="2034253" cy="2034253"/>
+          </a:xfrm>
+          <a:prstGeom prst="ellipse">
+            <a:avLst/>
+          </a:prstGeom>
+          <a:gradFill rotWithShape="1">
+            <a:gsLst>
+              <a:gs pos="0">
+                <a:schemeClr val="accent4">
+                  <a:shade val="51000"/>
+                  <a:satMod val="130000"/>
+                </a:schemeClr>
+              </a:gs>
+              <a:gs pos="80000">
+                <a:schemeClr val="accent4">
+                  <a:shade val="93000"/>
+                  <a:satMod val="130000"/>
+                </a:schemeClr>
+              </a:gs>
+              <a:gs pos="100000">
+                <a:schemeClr val="accent4">
+                  <a:shade val="94000"/>
+                  <a:satMod val="135000"/>
+                </a:schemeClr>
+              </a:gs>
+            </a:gsLst>
+            <a:lin ang="16200000" scaled="1"/>
+            <a:tileRect/>
+          </a:gradFill>
+          <a:ln w="9525" cap="flat">
+            <a:solidFill>
+              <a:schemeClr val="accent4">
+                <a:shade val="95000"/>
+                <a:satMod val="105000"/>
+              </a:schemeClr>
+            </a:solidFill>
+            <a:prstDash val="solid"/>
+          </a:ln>
+        </p:spPr>
+        <p:style>
+          <a:lnRef idx="1">
+            <a:schemeClr val="accent4"/>
+          </a:lnRef>
+          <a:fillRef idx="3">
+            <a:schemeClr val="accent4"/>
+          </a:fillRef>
+          <a:effectRef idx="2">
+            <a:schemeClr val="accent4"/>
+          </a:effectRef>
+          <a:fontRef idx="minor">
+            <a:schemeClr val="lt1"/>
+          </a:fontRef>
+        </p:style>
+        <p:txBody>
+          <a:bodyPr anchor="ctr"/>
+          <a:lstStyle/>
+          <a:p>
+            <a:pPr marL="0" algn="ctr" defTabSz="914400" latinLnBrk="1"/>
+            <a:r>
+              <a:rPr lang="ko-KR" altLang="en-US" sz="1800" b="1" kern="1200" spc="-120">
+                <a:solidFill>
+                  <a:schemeClr val="bg1"/>
+                </a:solidFill>
+                <a:latin typeface="나눔고딕"/>
+                <a:ea typeface="나눔고딕"/>
+                <a:cs typeface="+mn-cs"/>
+              </a:rPr>
+              <a:t>시장점유율</a:t>
+            </a:r>
+            <a:endParaRPr sz="1800" b="1" kern="1200" spc="-120">
+              <a:solidFill>
+                <a:schemeClr val="bg1"/>
+              </a:solidFill>
+              <a:latin typeface="나눔고딕"/>
+              <a:ea typeface="나눔고딕"/>
+              <a:cs typeface="+mn-cs"/>
+            </a:endParaRPr>
+          </a:p>
+          <a:p>
+            <a:pPr marL="0" algn="ctr" defTabSz="914400" latinLnBrk="1"/>
+            <a:r>
+              <a:rPr lang="en-US" altLang="ko-KR" sz="1800" b="1" kern="1200" spc="-120">
+                <a:solidFill>
+                  <a:schemeClr val="bg1"/>
+                </a:solidFill>
+                <a:latin typeface="나눔고딕"/>
+                <a:ea typeface="나눔고딕"/>
+                <a:cs typeface="+mn-cs"/>
+              </a:rPr>
+              <a:t>40% </a:t>
+            </a:r>
+            <a:r>
+              <a:rPr lang="ko-KR" altLang="en-US" sz="1800" b="1" kern="1200" spc="-120">
+                <a:solidFill>
+                  <a:schemeClr val="bg1"/>
+                </a:solidFill>
+                <a:latin typeface="나눔고딕"/>
+                <a:ea typeface="나눔고딕"/>
+                <a:cs typeface="+mn-cs"/>
+              </a:rPr>
+              <a:t>달성</a:t>
+            </a:r>
+          </a:p>
+        </p:txBody>
+      </p:sp>
+      <p:sp>
+        <p:nvSpPr>
+          <p:cNvPr id="17" name="slide6_shape12"/>
+          <p:cNvSpPr/>
+          <p:nvPr/>
+        </p:nvSpPr>
+        <p:spPr>
+          <a:xfrm>
+            <a:off x="2303749" y="1631109"/>
+            <a:ext cx="6687852" cy="1275443"/>
+          </a:xfrm>
+          <a:prstGeom prst="rect">
+            <a:avLst/>
+          </a:prstGeom>
+        </p:spPr>
+        <p:txBody>
+          <a:bodyPr lIns="91440" tIns="45720" rIns="91440" bIns="45720"/>
+          <a:lstStyle>
+            <a:lvl1pPr marL="342900" indent="-342900" algn="l" defTabSz="914400" latinLnBrk="1">
+              <a:spcBef>
+                <a:spcPct val="20000"/>
+              </a:spcBef>
+              <a:buFont typeface="Arial" pitchFamily="2" charset="2"/>
+              <a:buChar char="•"/>
+              <a:defRPr sz="3200" kern="1200">
+                <a:solidFill>
+                  <a:schemeClr val="tx1"/>
+                </a:solidFill>
+                <a:latin typeface="+mn-lt"/>
+                <a:ea typeface="+mn-ea"/>
+                <a:cs typeface="+mn-cs"/>
+              </a:defRPr>
+            </a:lvl1pPr>
+            <a:lvl2pPr marL="742950" indent="-285750" algn="l" defTabSz="914400" latinLnBrk="1">
+              <a:spcBef>
+                <a:spcPct val="20000"/>
+              </a:spcBef>
+              <a:buFont typeface="Arial" pitchFamily="2" charset="2"/>
+              <a:buChar char="–"/>
+              <a:defRPr sz="2800" kern="1200">
+                <a:solidFill>
+                  <a:schemeClr val="tx1"/>
+                </a:solidFill>
+                <a:latin typeface="+mn-lt"/>
+                <a:ea typeface="+mn-ea"/>
+                <a:cs typeface="+mn-cs"/>
+              </a:defRPr>
+            </a:lvl2pPr>
+            <a:lvl3pPr marL="1143000" indent="-228600" algn="l" defTabSz="914400" latinLnBrk="1">
+              <a:spcBef>
+                <a:spcPct val="20000"/>
+              </a:spcBef>
+              <a:buFont typeface="Arial" pitchFamily="2" charset="2"/>
+              <a:buChar char="•"/>
+              <a:defRPr sz="2400" kern="1200">
+                <a:solidFill>
+                  <a:schemeClr val="tx1"/>
+                </a:solidFill>
+                <a:latin typeface="+mn-lt"/>
+                <a:ea typeface="+mn-ea"/>
+                <a:cs typeface="+mn-cs"/>
+              </a:defRPr>
+            </a:lvl3pPr>
+            <a:lvl4pPr marL="1600200" indent="-228600" algn="l" defTabSz="914400" latinLnBrk="1">
+              <a:spcBef>
+                <a:spcPct val="20000"/>
+              </a:spcBef>
+              <a:buFont typeface="Arial" pitchFamily="2" charset="2"/>
+              <a:buChar char="–"/>
+              <a:defRPr sz="2000" kern="1200">
+                <a:solidFill>
+                  <a:schemeClr val="tx1"/>
+                </a:solidFill>
+                <a:latin typeface="+mn-lt"/>
+                <a:ea typeface="+mn-ea"/>
+                <a:cs typeface="+mn-cs"/>
+              </a:defRPr>
+            </a:lvl4pPr>
+            <a:lvl5pPr marL="2057400" indent="-228600" algn="l" defTabSz="914400" latinLnBrk="1">
+              <a:spcBef>
+                <a:spcPct val="20000"/>
+              </a:spcBef>
+              <a:buFont typeface="Arial" pitchFamily="2" charset="2"/>
+              <a:buChar char="»"/>
+              <a:defRPr sz="2000" kern="1200">
+                <a:solidFill>
+                  <a:schemeClr val="tx1"/>
+                </a:solidFill>
+                <a:latin typeface="+mn-lt"/>
+                <a:ea typeface="+mn-ea"/>
+                <a:cs typeface="+mn-cs"/>
+              </a:defRPr>
+            </a:lvl5pPr>
+            <a:lvl6pPr marL="2514600" indent="-228600" algn="l" defTabSz="914400" latinLnBrk="1">
+              <a:spcBef>
+                <a:spcPct val="20000"/>
+              </a:spcBef>
+              <a:buFont typeface="Arial" pitchFamily="2" charset="2"/>
+              <a:buChar char="•"/>
+              <a:defRPr sz="2000" kern="1200">
+                <a:solidFill>
+                  <a:schemeClr val="tx1"/>
+                </a:solidFill>
+                <a:latin typeface="+mn-lt"/>
+                <a:ea typeface="+mn-ea"/>
+                <a:cs typeface="+mn-cs"/>
+              </a:defRPr>
+            </a:lvl6pPr>
+            <a:lvl7pPr marL="2971800" indent="-228600" algn="l" defTabSz="914400" latinLnBrk="1">
+              <a:spcBef>
+                <a:spcPct val="20000"/>
+              </a:spcBef>
+              <a:buFont typeface="Arial" pitchFamily="2" charset="2"/>
+              <a:buChar char="•"/>
+              <a:defRPr sz="2000" kern="1200">
+                <a:solidFill>
+                  <a:schemeClr val="tx1"/>
+                </a:solidFill>
+                <a:latin typeface="+mn-lt"/>
+                <a:ea typeface="+mn-ea"/>
+                <a:cs typeface="+mn-cs"/>
+              </a:defRPr>
+            </a:lvl7pPr>
+            <a:lvl8pPr marL="3429000" indent="-228600" algn="l" defTabSz="914400" latinLnBrk="1">
+              <a:spcBef>
+                <a:spcPct val="20000"/>
+              </a:spcBef>
+              <a:buFont typeface="Arial" pitchFamily="2" charset="2"/>
+              <a:buChar char="•"/>
+              <a:defRPr sz="2000" kern="1200">
+                <a:solidFill>
+                  <a:schemeClr val="tx1"/>
+                </a:solidFill>
+                <a:latin typeface="+mn-lt"/>
+                <a:ea typeface="+mn-ea"/>
+                <a:cs typeface="+mn-cs"/>
+              </a:defRPr>
+            </a:lvl8pPr>
+            <a:lvl9pPr marL="3886200" indent="-228600" algn="l" defTabSz="914400" latinLnBrk="1">
+              <a:spcBef>
+                <a:spcPct val="20000"/>
+              </a:spcBef>
+              <a:buFont typeface="Arial" pitchFamily="2" charset="2"/>
+              <a:buChar char="•"/>
+              <a:defRPr sz="2000" kern="1200">
+                <a:solidFill>
+                  <a:schemeClr val="tx1"/>
+                </a:solidFill>
+                <a:latin typeface="+mn-lt"/>
+                <a:ea typeface="+mn-ea"/>
+                <a:cs typeface="+mn-cs"/>
+              </a:defRPr>
+            </a:lvl9pPr>
+          </a:lstStyle>
+          <a:p>
+            <a:pPr marL="342900" indent="-342900" algn="l" defTabSz="914400" latinLnBrk="1">
+              <a:spcBef>
+                <a:spcPct val="20000"/>
+              </a:spcBef>
+              <a:buNone/>
+            </a:pPr>
+            <a:r>
+              <a:rPr lang="ko-KR" altLang="en-US" sz="1200" kern="1200">
+                <a:solidFill>
+                  <a:srgbClr val="3D3C3E"/>
+                </a:solidFill>
+                <a:latin typeface="나눔고딕"/>
+                <a:ea typeface="나눔고딕"/>
+                <a:cs typeface="+mn-cs"/>
+              </a:rPr>
+              <a:t>도형</a:t>
+            </a:r>
+            <a:r>
+              <a:rPr lang="en-US" altLang="en-US" sz="1200" kern="1200">
+                <a:solidFill>
+                  <a:srgbClr val="3D3C3E"/>
+                </a:solidFill>
+                <a:latin typeface="나눔고딕"/>
+                <a:ea typeface="나눔고딕"/>
+                <a:cs typeface="+mn-cs"/>
+              </a:rPr>
+              <a:t> </a:t>
+            </a:r>
+            <a:r>
+              <a:rPr lang="ko-KR" altLang="en-US" sz="1200" kern="1200">
+                <a:solidFill>
+                  <a:srgbClr val="3D3C3E"/>
+                </a:solidFill>
+                <a:latin typeface="나눔고딕"/>
+                <a:ea typeface="나눔고딕"/>
+                <a:cs typeface="+mn-cs"/>
+              </a:rPr>
+              <a:t>안에</a:t>
+            </a:r>
+            <a:r>
+              <a:rPr lang="en-US" altLang="en-US" sz="1200" kern="1200">
+                <a:solidFill>
+                  <a:srgbClr val="3D3C3E"/>
+                </a:solidFill>
+                <a:latin typeface="나눔고딕"/>
+                <a:ea typeface="나눔고딕"/>
+                <a:cs typeface="+mn-cs"/>
+              </a:rPr>
+              <a:t> </a:t>
+            </a:r>
+            <a:r>
+              <a:rPr lang="ko-KR" altLang="en-US" sz="1200" kern="1200">
+                <a:solidFill>
+                  <a:srgbClr val="3D3C3E"/>
+                </a:solidFill>
+                <a:latin typeface="나눔고딕"/>
+                <a:ea typeface="나눔고딕"/>
+                <a:cs typeface="+mn-cs"/>
+              </a:rPr>
+              <a:t>내용을</a:t>
+            </a:r>
+            <a:r>
+              <a:rPr lang="en-US" altLang="en-US" sz="1200" kern="1200">
+                <a:solidFill>
+                  <a:srgbClr val="3D3C3E"/>
+                </a:solidFill>
+                <a:latin typeface="나눔고딕"/>
+                <a:ea typeface="나눔고딕"/>
+                <a:cs typeface="+mn-cs"/>
+              </a:rPr>
+              <a:t> </a:t>
+            </a:r>
+            <a:r>
+              <a:rPr lang="ko-KR" altLang="en-US" sz="1200" kern="1200">
+                <a:solidFill>
+                  <a:srgbClr val="3D3C3E"/>
+                </a:solidFill>
+                <a:latin typeface="나눔고딕"/>
+                <a:ea typeface="나눔고딕"/>
+                <a:cs typeface="+mn-cs"/>
+              </a:rPr>
+              <a:t>넣을</a:t>
+            </a:r>
+            <a:r>
+              <a:rPr lang="en-US" altLang="en-US" sz="1200" kern="1200">
+                <a:solidFill>
+                  <a:srgbClr val="3D3C3E"/>
+                </a:solidFill>
+                <a:latin typeface="나눔고딕"/>
+                <a:ea typeface="나눔고딕"/>
+                <a:cs typeface="+mn-cs"/>
+              </a:rPr>
+              <a:t> </a:t>
+            </a:r>
+            <a:r>
+              <a:rPr lang="ko-KR" altLang="en-US" sz="1200" kern="1200">
+                <a:solidFill>
+                  <a:srgbClr val="3D3C3E"/>
+                </a:solidFill>
+                <a:latin typeface="나눔고딕"/>
+                <a:ea typeface="나눔고딕"/>
+                <a:cs typeface="+mn-cs"/>
+              </a:rPr>
+              <a:t>경우</a:t>
+            </a:r>
+            <a:r>
+              <a:rPr lang="en-US" altLang="ko-KR" sz="1200" kern="1200">
+                <a:solidFill>
+                  <a:srgbClr val="3D3C3E"/>
+                </a:solidFill>
+                <a:latin typeface="나눔고딕"/>
+                <a:ea typeface="나눔고딕"/>
+                <a:cs typeface="+mn-cs"/>
+              </a:rPr>
+              <a:t>, </a:t>
+            </a:r>
+          </a:p>
+          <a:p>
+            <a:pPr marL="342900" indent="-342900" algn="l" defTabSz="914400" latinLnBrk="1">
+              <a:spcBef>
+                <a:spcPct val="20000"/>
+              </a:spcBef>
+              <a:buNone/>
+            </a:pPr>
+            <a:r>
+              <a:rPr lang="ko-KR" altLang="en-US" sz="1200" kern="1200">
+                <a:solidFill>
+                  <a:srgbClr val="3D3C3E"/>
+                </a:solidFill>
+                <a:latin typeface="나눔고딕"/>
+                <a:ea typeface="나눔고딕"/>
+                <a:cs typeface="+mn-cs"/>
+              </a:rPr>
+              <a:t>상하좌우</a:t>
+            </a:r>
+            <a:r>
+              <a:rPr lang="en-US" altLang="en-US" sz="1200" kern="1200">
+                <a:solidFill>
+                  <a:srgbClr val="3D3C3E"/>
+                </a:solidFill>
+                <a:latin typeface="나눔고딕"/>
+                <a:ea typeface="나눔고딕"/>
+                <a:cs typeface="+mn-cs"/>
+              </a:rPr>
+              <a:t> </a:t>
+            </a:r>
+            <a:r>
+              <a:rPr lang="ko-KR" altLang="en-US" sz="1200" kern="1200">
+                <a:solidFill>
+                  <a:srgbClr val="0070C0"/>
+                </a:solidFill>
+                <a:latin typeface="나눔고딕"/>
+                <a:ea typeface="나눔고딕"/>
+                <a:cs typeface="+mn-cs"/>
+              </a:rPr>
+              <a:t>중앙정렬</a:t>
+            </a:r>
+            <a:r>
+              <a:rPr lang="ko-KR" altLang="en-US" sz="1200" kern="1200">
+                <a:solidFill>
+                  <a:srgbClr val="3D3C3E"/>
+                </a:solidFill>
+                <a:latin typeface="나눔고딕"/>
+                <a:ea typeface="나눔고딕"/>
+                <a:cs typeface="+mn-cs"/>
+              </a:rPr>
+              <a:t>을</a:t>
+            </a:r>
+            <a:r>
+              <a:rPr lang="en-US" altLang="en-US" sz="1200" kern="1200">
+                <a:solidFill>
+                  <a:srgbClr val="3D3C3E"/>
+                </a:solidFill>
+                <a:latin typeface="나눔고딕"/>
+                <a:ea typeface="나눔고딕"/>
+                <a:cs typeface="+mn-cs"/>
+              </a:rPr>
+              <a:t> </a:t>
+            </a:r>
+            <a:r>
+              <a:rPr lang="ko-KR" altLang="en-US" sz="1200" kern="1200">
+                <a:solidFill>
+                  <a:srgbClr val="3D3C3E"/>
+                </a:solidFill>
+                <a:latin typeface="나눔고딕"/>
+                <a:ea typeface="나눔고딕"/>
+                <a:cs typeface="+mn-cs"/>
+              </a:rPr>
+              <a:t>권장합니다</a:t>
+            </a:r>
+            <a:r>
+              <a:rPr lang="en-US" altLang="ko-KR" sz="1200" kern="1200">
+                <a:solidFill>
+                  <a:srgbClr val="3D3C3E"/>
+                </a:solidFill>
+                <a:latin typeface="나눔고딕"/>
+                <a:ea typeface="나눔고딕"/>
+                <a:cs typeface="+mn-cs"/>
+              </a:rPr>
+              <a:t>.</a:t>
+            </a:r>
+            <a:endParaRPr sz="1200" kern="1200">
+              <a:solidFill>
+                <a:srgbClr val="3D3C3E"/>
+              </a:solidFill>
+              <a:latin typeface="나눔고딕"/>
+              <a:ea typeface="나눔고딕"/>
+              <a:cs typeface="+mn-cs"/>
+            </a:endParaRPr>
+          </a:p>
+        </p:txBody>
+      </p:sp>
+      <p:sp>
+        <p:nvSpPr>
+          <p:cNvPr id="18" name="slide6_shape13"/>
+          <p:cNvSpPr/>
+          <p:nvPr/>
+        </p:nvSpPr>
+        <p:spPr>
+          <a:xfrm>
+            <a:off x="7277411" y="195231"/>
+            <a:ext cx="1584176" cy="215444"/>
+          </a:xfrm>
+          <a:prstGeom prst="rect">
+            <a:avLst/>
+          </a:prstGeom>
+          <a:noFill/>
+        </p:spPr>
+        <p:txBody>
+          <a:bodyPr wrap="square">
+            <a:spAutoFit/>
+          </a:bodyPr>
+          <a:lstStyle/>
+          <a:p>
+            <a:pPr marL="0" algn="r" defTabSz="914400" latinLnBrk="1"/>
+            <a:fld id="{4BEDD84E-25D4-4983-8AA1-2863C96F08D9}" type="slidenum">
+              <a:rPr lang="en-US" sz="800" kern="1200" spc="-30">
+                <a:solidFill>
+                  <a:schemeClr val="tx1">
+                    <a:lumMod val="95000"/>
+                    <a:lumOff val="5000"/>
+                  </a:schemeClr>
+                </a:solidFill>
+                <a:latin typeface="나눔고딕"/>
+                <a:ea typeface="나눔고딕"/>
+                <a:cs typeface="+mn-cs"/>
+              </a:rPr>
+              <a:t>10</a:t>
+            </a:fld>
+            <a:r>
+              <a:rPr lang="en-US" altLang="ko-KR" sz="800" kern="1200" spc="-30">
+                <a:solidFill>
+                  <a:schemeClr val="tx1">
+                    <a:lumMod val="95000"/>
+                    <a:lumOff val="5000"/>
+                  </a:schemeClr>
+                </a:solidFill>
+                <a:latin typeface="나눔고딕"/>
+                <a:ea typeface="나눔고딕"/>
+                <a:cs typeface="+mn-cs"/>
+              </a:rPr>
+              <a:t> / 14</a:t>
+            </a:r>
+            <a:endParaRPr sz="800" kern="1200" spc="-30">
+              <a:solidFill>
+                <a:schemeClr val="tx1">
+                  <a:lumMod val="95000"/>
+                  <a:lumOff val="5000"/>
+                </a:schemeClr>
+              </a:solidFill>
+              <a:latin typeface="나눔고딕"/>
+              <a:ea typeface="나눔고딕"/>
+              <a:cs typeface="+mn-cs"/>
+            </a:endParaRPr>
+          </a:p>
+        </p:txBody>
+      </p:sp>
+      <p:sp>
+        <p:nvSpPr>
+          <p:cNvPr id="19" name="slide6_shape14"/>
+          <p:cNvSpPr>
+            <a:spLocks noGrp="1"/>
+          </p:cNvSpPr>
+          <p:nvPr>
+            <p:ph type="title"/>
+          </p:nvPr>
+        </p:nvSpPr>
+        <p:spPr>
+          <a:xfrm>
+            <a:off x="247649" y="552449"/>
+            <a:ext cx="8486775" cy="855663"/>
+          </a:xfrm>
+          <a:prstGeom prst="rect">
+            <a:avLst/>
+          </a:prstGeom>
+        </p:spPr>
+        <p:txBody>
+          <a:bodyPr lIns="91440" tIns="45720" rIns="91440" bIns="45720" anchor="ctr"/>
+          <a:lstStyle>
+            <a:lvl1pPr>
+              <a:defRPr>
+                <a:latin typeface="나눔고딕"/>
+                <a:ea typeface="나눔고딕"/>
+              </a:defRPr>
+            </a:lvl1pPr>
+          </a:lstStyle>
+          <a:p>
+            <a:pPr algn="l" defTabSz="914400" latinLnBrk="1">
+              <a:spcBef>
+                <a:spcPct val="0"/>
+              </a:spcBef>
+              <a:buNone/>
+            </a:pPr>
+            <a:r>
+              <a:rPr lang="ko-KR" altLang="en-US" sz="4000" b="1" kern="1200" spc="-150">
+                <a:solidFill>
+                  <a:srgbClr val="1D314E"/>
+                </a:solidFill>
+                <a:latin typeface="나눔고딕"/>
+                <a:ea typeface="나눔고딕"/>
+                <a:cs typeface="+mj-cs"/>
+              </a:rPr>
+              <a:t>도형</a:t>
+            </a:r>
+            <a:endParaRPr sz="4000" b="1" kern="1200" spc="-150">
+              <a:solidFill>
+                <a:srgbClr val="1D314E"/>
+              </a:solidFill>
+              <a:latin typeface="나눔고딕"/>
+              <a:ea typeface="나눔고딕"/>
+              <a:cs typeface="+mj-cs"/>
+            </a:endParaRPr>
+          </a:p>
+        </p:txBody>
+      </p:sp>
+    </p:spTree>
+  </p:cSld>
+  <p:clrMapOvr>
+    <a:masterClrMapping/>
+  </p:clrMapOvr>
+</p:sld>
+</file>
+
+<file path=ppt/slides/slide11.xml><?xml version="1.0" encoding="utf-8"?>
+<p:sld xmlns:a="http://schemas.openxmlformats.org/drawingml/2006/main" xmlns:r="http://schemas.openxmlformats.org/officeDocument/2006/relationships" xmlns:p="http://schemas.openxmlformats.org/presentationml/2006/main">
+  <p:cSld>
+    <p:spTree>
+      <p:nvGrpSpPr>
+        <p:cNvPr id="1" name=""/>
+        <p:cNvGrpSpPr/>
+        <p:nvPr/>
+      </p:nvGrpSpPr>
+      <p:grpSpPr>
+        <a:xfrm>
+          <a:off x="0" y="0"/>
+          <a:ext cx="0" cy="0"/>
+          <a:chOff x="0" y="0"/>
+          <a:chExt cx="0" cy="0"/>
+        </a:xfrm>
+      </p:grpSpPr>
+      <p:sp>
+        <p:nvSpPr>
+          <p:cNvPr id="3" name="slide7_shape1"/>
+          <p:cNvSpPr/>
+          <p:nvPr/>
+        </p:nvSpPr>
+        <p:spPr>
+          <a:xfrm>
+            <a:off x="263455" y="188690"/>
+            <a:ext cx="1584176" cy="215444"/>
+          </a:xfrm>
+          <a:prstGeom prst="rect">
+            <a:avLst/>
+          </a:prstGeom>
+          <a:noFill/>
+        </p:spPr>
+        <p:txBody>
+          <a:bodyPr wrap="square">
+            <a:spAutoFit/>
+          </a:bodyPr>
+          <a:lstStyle/>
+          <a:p>
+            <a:pPr marL="0" algn="l" defTabSz="914400" latinLnBrk="1"/>
+            <a:r>
+              <a:rPr lang="en-US" altLang="ko-KR" sz="800" kern="1200" spc="-30">
+                <a:solidFill>
+                  <a:schemeClr val="tx1">
+                    <a:lumMod val="95000"/>
+                    <a:lumOff val="5000"/>
+                  </a:schemeClr>
+                </a:solidFill>
+                <a:latin typeface="나눔고딕"/>
+                <a:ea typeface="나눔고딕"/>
+                <a:cs typeface="+mn-cs"/>
+              </a:rPr>
+              <a:t>2.2 </a:t>
+            </a:r>
+            <a:r>
+              <a:rPr lang="ko-KR" altLang="en-US" sz="800" kern="1200" spc="-30">
+                <a:solidFill>
+                  <a:schemeClr val="tx1">
+                    <a:lumMod val="95000"/>
+                    <a:lumOff val="5000"/>
+                  </a:schemeClr>
+                </a:solidFill>
+                <a:latin typeface="나눔고딕"/>
+                <a:ea typeface="나눔고딕"/>
+                <a:cs typeface="+mn-cs"/>
+              </a:rPr>
+              <a:t>도형</a:t>
+            </a:r>
+            <a:endParaRPr sz="800" kern="1200" spc="-30">
+              <a:solidFill>
+                <a:schemeClr val="tx1">
+                  <a:lumMod val="95000"/>
+                  <a:lumOff val="5000"/>
+                </a:schemeClr>
+              </a:solidFill>
+              <a:latin typeface="나눔고딕"/>
+              <a:ea typeface="나눔고딕"/>
+              <a:cs typeface="+mn-cs"/>
+            </a:endParaRPr>
+          </a:p>
+        </p:txBody>
+      </p:sp>
+      <p:cxnSp>
+        <p:nvCxnSpPr>
+          <p:cNvPr id="4" name="slide7_shape2"/>
+          <p:cNvCxnSpPr/>
+          <p:nvPr/>
+        </p:nvCxnSpPr>
+        <p:spPr>
+          <a:xfrm>
+            <a:off x="364803" y="547859"/>
+            <a:ext cx="8406000" cy="0"/>
+          </a:xfrm>
+          <a:prstGeom prst="line">
+            <a:avLst/>
+          </a:prstGeom>
+          <a:ln w="3175" cap="flat">
+            <a:solidFill>
+              <a:schemeClr val="accent4">
+                <a:lumMod val="50000"/>
+              </a:schemeClr>
+            </a:solidFill>
+            <a:prstDash val="solid"/>
+            <a:headEnd type="none"/>
+            <a:tailEnd type="none"/>
+          </a:ln>
+        </p:spPr>
+        <p:style>
+          <a:lnRef idx="1">
+            <a:schemeClr val="accent1"/>
+          </a:lnRef>
+          <a:fillRef idx="0">
+            <a:schemeClr val="accent1"/>
+          </a:fillRef>
+          <a:effectRef idx="0">
+            <a:schemeClr val="accent1"/>
+          </a:effectRef>
+          <a:fontRef idx="minor">
+            <a:schemeClr val="tx1"/>
+          </a:fontRef>
+        </p:style>
+      </p:cxnSp>
+      <p:sp>
+        <p:nvSpPr>
+          <p:cNvPr id="5" name="slide7_shape3"/>
+          <p:cNvSpPr/>
+          <p:nvPr/>
+        </p:nvSpPr>
+        <p:spPr>
+          <a:xfrm>
+            <a:off x="259796" y="1631109"/>
+            <a:ext cx="2035729" cy="864441"/>
+          </a:xfrm>
+          <a:prstGeom prst="rect">
+            <a:avLst/>
+          </a:prstGeom>
+        </p:spPr>
+        <p:txBody>
+          <a:bodyPr lIns="91440" tIns="45720" rIns="91440" bIns="45720"/>
+          <a:lstStyle>
+            <a:lvl1pPr marL="342900" indent="-342900" algn="l" defTabSz="914400" latinLnBrk="1">
+              <a:spcBef>
+                <a:spcPct val="20000"/>
+              </a:spcBef>
+              <a:buFont typeface="Arial" pitchFamily="2" charset="2"/>
+              <a:buChar char="•"/>
+              <a:defRPr sz="3200" kern="1200">
+                <a:solidFill>
+                  <a:schemeClr val="tx1"/>
+                </a:solidFill>
+                <a:latin typeface="+mn-lt"/>
+                <a:ea typeface="+mn-ea"/>
+                <a:cs typeface="+mn-cs"/>
+              </a:defRPr>
+            </a:lvl1pPr>
+            <a:lvl2pPr marL="742950" indent="-285750" algn="l" defTabSz="914400" latinLnBrk="1">
+              <a:spcBef>
+                <a:spcPct val="20000"/>
+              </a:spcBef>
+              <a:buFont typeface="Arial" pitchFamily="2" charset="2"/>
+              <a:buChar char="–"/>
+              <a:defRPr sz="2800" kern="1200">
+                <a:solidFill>
+                  <a:schemeClr val="tx1"/>
+                </a:solidFill>
+                <a:latin typeface="+mn-lt"/>
+                <a:ea typeface="+mn-ea"/>
+                <a:cs typeface="+mn-cs"/>
+              </a:defRPr>
+            </a:lvl2pPr>
+            <a:lvl3pPr marL="1143000" indent="-228600" algn="l" defTabSz="914400" latinLnBrk="1">
+              <a:spcBef>
+                <a:spcPct val="20000"/>
+              </a:spcBef>
+              <a:buFont typeface="Arial" pitchFamily="2" charset="2"/>
+              <a:buChar char="•"/>
+              <a:defRPr sz="2400" kern="1200">
+                <a:solidFill>
+                  <a:schemeClr val="tx1"/>
+                </a:solidFill>
+                <a:latin typeface="+mn-lt"/>
+                <a:ea typeface="+mn-ea"/>
+                <a:cs typeface="+mn-cs"/>
+              </a:defRPr>
+            </a:lvl3pPr>
+            <a:lvl4pPr marL="1600200" indent="-228600" algn="l" defTabSz="914400" latinLnBrk="1">
+              <a:spcBef>
+                <a:spcPct val="20000"/>
+              </a:spcBef>
+              <a:buFont typeface="Arial" pitchFamily="2" charset="2"/>
+              <a:buChar char="–"/>
+              <a:defRPr sz="2000" kern="1200">
+                <a:solidFill>
+                  <a:schemeClr val="tx1"/>
+                </a:solidFill>
+                <a:latin typeface="+mn-lt"/>
+                <a:ea typeface="+mn-ea"/>
+                <a:cs typeface="+mn-cs"/>
+              </a:defRPr>
+            </a:lvl4pPr>
+            <a:lvl5pPr marL="2057400" indent="-228600" algn="l" defTabSz="914400" latinLnBrk="1">
+              <a:spcBef>
+                <a:spcPct val="20000"/>
+              </a:spcBef>
+              <a:buFont typeface="Arial" pitchFamily="2" charset="2"/>
+              <a:buChar char="»"/>
+              <a:defRPr sz="2000" kern="1200">
+                <a:solidFill>
+                  <a:schemeClr val="tx1"/>
+                </a:solidFill>
+                <a:latin typeface="+mn-lt"/>
+                <a:ea typeface="+mn-ea"/>
+                <a:cs typeface="+mn-cs"/>
+              </a:defRPr>
+            </a:lvl5pPr>
+            <a:lvl6pPr marL="2514600" indent="-228600" algn="l" defTabSz="914400" latinLnBrk="1">
+              <a:spcBef>
+                <a:spcPct val="20000"/>
+              </a:spcBef>
+              <a:buFont typeface="Arial" pitchFamily="2" charset="2"/>
+              <a:buChar char="•"/>
+              <a:defRPr sz="2000" kern="1200">
+                <a:solidFill>
+                  <a:schemeClr val="tx1"/>
+                </a:solidFill>
+                <a:latin typeface="+mn-lt"/>
+                <a:ea typeface="+mn-ea"/>
+                <a:cs typeface="+mn-cs"/>
+              </a:defRPr>
+            </a:lvl6pPr>
+            <a:lvl7pPr marL="2971800" indent="-228600" algn="l" defTabSz="914400" latinLnBrk="1">
+              <a:spcBef>
+                <a:spcPct val="20000"/>
+              </a:spcBef>
+              <a:buFont typeface="Arial" pitchFamily="2" charset="2"/>
+              <a:buChar char="•"/>
+              <a:defRPr sz="2000" kern="1200">
+                <a:solidFill>
+                  <a:schemeClr val="tx1"/>
+                </a:solidFill>
+                <a:latin typeface="+mn-lt"/>
+                <a:ea typeface="+mn-ea"/>
+                <a:cs typeface="+mn-cs"/>
+              </a:defRPr>
+            </a:lvl7pPr>
+            <a:lvl8pPr marL="3429000" indent="-228600" algn="l" defTabSz="914400" latinLnBrk="1">
+              <a:spcBef>
+                <a:spcPct val="20000"/>
+              </a:spcBef>
+              <a:buFont typeface="Arial" pitchFamily="2" charset="2"/>
+              <a:buChar char="•"/>
+              <a:defRPr sz="2000" kern="1200">
+                <a:solidFill>
+                  <a:schemeClr val="tx1"/>
+                </a:solidFill>
+                <a:latin typeface="+mn-lt"/>
+                <a:ea typeface="+mn-ea"/>
+                <a:cs typeface="+mn-cs"/>
+              </a:defRPr>
+            </a:lvl8pPr>
+            <a:lvl9pPr marL="3886200" indent="-228600" algn="l" defTabSz="914400" latinLnBrk="1">
+              <a:spcBef>
+                <a:spcPct val="20000"/>
+              </a:spcBef>
+              <a:buFont typeface="Arial" pitchFamily="2" charset="2"/>
+              <a:buChar char="•"/>
+              <a:defRPr sz="2000" kern="1200">
+                <a:solidFill>
+                  <a:schemeClr val="tx1"/>
+                </a:solidFill>
+                <a:latin typeface="+mn-lt"/>
+                <a:ea typeface="+mn-ea"/>
+                <a:cs typeface="+mn-cs"/>
+              </a:defRPr>
+            </a:lvl9pPr>
+          </a:lstStyle>
+          <a:p>
+            <a:pPr marL="342900" indent="-342900" algn="l" defTabSz="914400" latinLnBrk="1">
+              <a:spcBef>
+                <a:spcPct val="20000"/>
+              </a:spcBef>
+              <a:buNone/>
+            </a:pPr>
+            <a:r>
+              <a:rPr lang="ko-KR" altLang="en-US" sz="1200" b="1" kern="1200">
+                <a:solidFill>
+                  <a:srgbClr val="3D3C3E"/>
+                </a:solidFill>
+                <a:latin typeface="나눔고딕"/>
+                <a:ea typeface="나눔고딕"/>
+                <a:cs typeface="+mn-cs"/>
+              </a:rPr>
+              <a:t>도형</a:t>
+            </a:r>
+            <a:r>
+              <a:rPr lang="en-US" altLang="en-US" sz="1200" b="1" kern="1200">
+                <a:solidFill>
+                  <a:srgbClr val="3D3C3E"/>
+                </a:solidFill>
+                <a:latin typeface="나눔고딕"/>
+                <a:ea typeface="나눔고딕"/>
+                <a:cs typeface="+mn-cs"/>
+              </a:rPr>
+              <a:t> </a:t>
+            </a:r>
+            <a:r>
+              <a:rPr lang="ko-KR" altLang="en-US" sz="1200" b="1" kern="1200">
+                <a:solidFill>
+                  <a:srgbClr val="3D3C3E"/>
+                </a:solidFill>
+                <a:latin typeface="나눔고딕"/>
+                <a:ea typeface="나눔고딕"/>
+                <a:cs typeface="+mn-cs"/>
+              </a:rPr>
+              <a:t>예시</a:t>
+            </a:r>
+            <a:endParaRPr sz="1200" b="1" kern="1200">
+              <a:solidFill>
+                <a:srgbClr val="3D3C3E"/>
+              </a:solidFill>
+              <a:latin typeface="나눔고딕"/>
+              <a:ea typeface="나눔고딕"/>
+              <a:cs typeface="+mn-cs"/>
+            </a:endParaRPr>
+          </a:p>
+        </p:txBody>
+      </p:sp>
+      <p:sp>
+        <p:nvSpPr>
+          <p:cNvPr id="6" name="slide7_shape4"/>
+          <p:cNvSpPr/>
+          <p:nvPr/>
+        </p:nvSpPr>
+        <p:spPr>
+          <a:xfrm>
+            <a:off x="400050" y="3019426"/>
+            <a:ext cx="1467296" cy="1361400"/>
+          </a:xfrm>
+          <a:prstGeom prst="rect">
+            <a:avLst/>
+          </a:prstGeom>
+          <a:gradFill rotWithShape="1">
+            <a:gsLst>
+              <a:gs pos="0">
+                <a:schemeClr val="accent4">
+                  <a:shade val="51000"/>
+                  <a:satMod val="130000"/>
+                </a:schemeClr>
+              </a:gs>
+              <a:gs pos="80000">
+                <a:schemeClr val="accent4">
+                  <a:shade val="93000"/>
+                  <a:satMod val="130000"/>
+                </a:schemeClr>
+              </a:gs>
+              <a:gs pos="100000">
+                <a:schemeClr val="accent4">
+                  <a:shade val="94000"/>
+                  <a:satMod val="135000"/>
+                </a:schemeClr>
+              </a:gs>
+            </a:gsLst>
+            <a:lin ang="16200000" scaled="1"/>
+            <a:tileRect/>
+          </a:gradFill>
+          <a:ln w="9525" cap="flat">
+            <a:solidFill>
+              <a:schemeClr val="accent4">
+                <a:shade val="95000"/>
+                <a:satMod val="105000"/>
+              </a:schemeClr>
+            </a:solidFill>
+            <a:prstDash val="solid"/>
+          </a:ln>
+        </p:spPr>
+        <p:style>
+          <a:lnRef idx="1">
+            <a:schemeClr val="accent4"/>
+          </a:lnRef>
+          <a:fillRef idx="3">
+            <a:schemeClr val="accent4"/>
+          </a:fillRef>
+          <a:effectRef idx="2">
+            <a:schemeClr val="accent4"/>
+          </a:effectRef>
+          <a:fontRef idx="minor">
+            <a:schemeClr val="lt1"/>
+          </a:fontRef>
+        </p:style>
+        <p:txBody>
+          <a:bodyPr anchor="ctr"/>
+          <a:lstStyle/>
+          <a:p>
+            <a:pPr marL="0" algn="ctr" defTabSz="914400" latinLnBrk="1"/>
+            <a:r>
+              <a:rPr lang="ko-KR" altLang="en-US" sz="1400" b="1" kern="1200" spc="-50">
+                <a:solidFill>
+                  <a:schemeClr val="lt1"/>
+                </a:solidFill>
+                <a:latin typeface="나눔고딕"/>
+                <a:ea typeface="나눔고딕"/>
+                <a:cs typeface="+mn-cs"/>
+              </a:rPr>
+              <a:t>신규고객</a:t>
+            </a:r>
+            <a:r>
+              <a:rPr lang="en-US" altLang="en-US" sz="1400" b="1" kern="1200" spc="-50">
+                <a:solidFill>
+                  <a:schemeClr val="lt1"/>
+                </a:solidFill>
+                <a:latin typeface="나눔고딕"/>
+                <a:ea typeface="나눔고딕"/>
+                <a:cs typeface="+mn-cs"/>
+              </a:rPr>
+              <a:t> </a:t>
+            </a:r>
+            <a:r>
+              <a:rPr lang="ko-KR" altLang="en-US" sz="1400" b="1" kern="1200" spc="-50">
+                <a:solidFill>
+                  <a:schemeClr val="lt1"/>
+                </a:solidFill>
+                <a:latin typeface="나눔고딕"/>
+                <a:ea typeface="나눔고딕"/>
+                <a:cs typeface="+mn-cs"/>
+              </a:rPr>
+              <a:t>유치</a:t>
+            </a:r>
+          </a:p>
+        </p:txBody>
+      </p:sp>
+      <p:sp>
+        <p:nvSpPr>
+          <p:cNvPr id="7" name="slide7_shape5"/>
+          <p:cNvSpPr/>
+          <p:nvPr/>
+        </p:nvSpPr>
+        <p:spPr>
+          <a:xfrm>
+            <a:off x="1924050" y="3019426"/>
+            <a:ext cx="2613855" cy="1361400"/>
+          </a:xfrm>
+          <a:prstGeom prst="rect">
+            <a:avLst/>
+          </a:prstGeom>
+          <a:gradFill>
+            <a:gsLst>
+              <a:gs pos="0">
+                <a:schemeClr val="bg1">
+                  <a:lumMod val="85000"/>
+                </a:schemeClr>
+              </a:gs>
+              <a:gs pos="80000">
+                <a:schemeClr val="tx2">
+                  <a:lumMod val="10000"/>
+                  <a:lumOff val="90000"/>
+                </a:schemeClr>
+              </a:gs>
+            </a:gsLst>
+            <a:lin ang="16200000" scaled="1"/>
+            <a:tileRect/>
+          </a:gradFill>
+          <a:ln w="9525" cap="flat">
+            <a:noFill/>
+            <a:prstDash val="solid"/>
+          </a:ln>
+        </p:spPr>
+        <p:style>
+          <a:lnRef idx="1">
+            <a:schemeClr val="accent5"/>
+          </a:lnRef>
+          <a:fillRef idx="3">
+            <a:schemeClr val="accent5"/>
+          </a:fillRef>
+          <a:effectRef idx="2">
+            <a:schemeClr val="accent5"/>
+          </a:effectRef>
+          <a:fontRef idx="minor">
+            <a:schemeClr val="lt1"/>
+          </a:fontRef>
+        </p:style>
+        <p:txBody>
+          <a:bodyPr anchor="ctr"/>
+          <a:lstStyle/>
+          <a:p>
+            <a:pPr marL="542925" lvl="0" indent="-276225" algn="l" defTabSz="914400" latinLnBrk="1">
+              <a:lnSpc>
+                <a:spcPct val="150000"/>
+              </a:lnSpc>
+              <a:buFont typeface="Wingdings" pitchFamily="2" charset="2"/>
+              <a:buChar char="§"/>
+            </a:pPr>
+            <a:r>
+              <a:rPr lang="ko-KR" altLang="en-US" sz="1200" b="1" kern="1200" spc="-50">
+                <a:solidFill>
+                  <a:schemeClr val="tx2">
+                    <a:lumMod val="90000"/>
+                    <a:lumOff val="10000"/>
+                  </a:schemeClr>
+                </a:solidFill>
+                <a:latin typeface="나눔고딕"/>
+                <a:ea typeface="나눔고딕"/>
+                <a:cs typeface="+mn-cs"/>
+              </a:rPr>
+              <a:t>매장디스플레이</a:t>
+            </a:r>
+            <a:r>
+              <a:rPr lang="en-US" altLang="en-US" sz="1200" b="1" kern="1200" spc="-50">
+                <a:solidFill>
+                  <a:schemeClr val="tx2">
+                    <a:lumMod val="90000"/>
+                    <a:lumOff val="10000"/>
+                  </a:schemeClr>
+                </a:solidFill>
+                <a:latin typeface="나눔고딕"/>
+                <a:ea typeface="나눔고딕"/>
+                <a:cs typeface="+mn-cs"/>
+              </a:rPr>
+              <a:t> </a:t>
+            </a:r>
+            <a:r>
+              <a:rPr lang="ko-KR" altLang="en-US" sz="1200" b="1" kern="1200" spc="-50">
+                <a:solidFill>
+                  <a:schemeClr val="tx2">
+                    <a:lumMod val="90000"/>
+                    <a:lumOff val="10000"/>
+                  </a:schemeClr>
+                </a:solidFill>
+                <a:latin typeface="나눔고딕"/>
+                <a:ea typeface="나눔고딕"/>
+                <a:cs typeface="+mn-cs"/>
+              </a:rPr>
+              <a:t>강화</a:t>
+            </a:r>
+          </a:p>
+          <a:p>
+            <a:pPr marL="542925" lvl="0" indent="-276225" algn="l" defTabSz="914400" latinLnBrk="1">
+              <a:lnSpc>
+                <a:spcPct val="150000"/>
+              </a:lnSpc>
+              <a:buFont typeface="Wingdings" pitchFamily="2" charset="2"/>
+              <a:buChar char="§"/>
+              <a:tabLst>
+                <a:tab pos="1162050" algn="l"/>
+              </a:tabLst>
+            </a:pPr>
+            <a:r>
+              <a:rPr lang="ko-KR" altLang="en-US" sz="1200" b="1" kern="1200" spc="-50">
+                <a:solidFill>
+                  <a:schemeClr val="tx2">
+                    <a:lumMod val="90000"/>
+                    <a:lumOff val="10000"/>
+                  </a:schemeClr>
+                </a:solidFill>
+                <a:latin typeface="나눔고딕"/>
+                <a:ea typeface="나눔고딕"/>
+                <a:cs typeface="+mn-cs"/>
+              </a:rPr>
+              <a:t>할인쿠폰</a:t>
+            </a:r>
+            <a:r>
+              <a:rPr lang="en-US" altLang="en-US" sz="1200" b="1" kern="1200" spc="-50">
+                <a:solidFill>
+                  <a:schemeClr val="tx2">
+                    <a:lumMod val="90000"/>
+                    <a:lumOff val="10000"/>
+                  </a:schemeClr>
+                </a:solidFill>
+                <a:latin typeface="나눔고딕"/>
+                <a:ea typeface="나눔고딕"/>
+                <a:cs typeface="+mn-cs"/>
+              </a:rPr>
+              <a:t> </a:t>
+            </a:r>
+            <a:r>
+              <a:rPr lang="ko-KR" altLang="en-US" sz="1200" b="1" kern="1200" spc="-50">
+                <a:solidFill>
+                  <a:schemeClr val="tx2">
+                    <a:lumMod val="90000"/>
+                    <a:lumOff val="10000"/>
+                  </a:schemeClr>
+                </a:solidFill>
+                <a:latin typeface="나눔고딕"/>
+                <a:ea typeface="나눔고딕"/>
+                <a:cs typeface="+mn-cs"/>
+              </a:rPr>
+              <a:t>발급</a:t>
+            </a:r>
+            <a:r>
+              <a:rPr lang="en-US" altLang="en-US" sz="1200" b="1" kern="1200" spc="-50">
+                <a:solidFill>
+                  <a:schemeClr val="tx2">
+                    <a:lumMod val="90000"/>
+                    <a:lumOff val="10000"/>
+                  </a:schemeClr>
+                </a:solidFill>
+                <a:latin typeface="나눔고딕"/>
+                <a:ea typeface="나눔고딕"/>
+                <a:cs typeface="+mn-cs"/>
+              </a:rPr>
+              <a:t> </a:t>
+            </a:r>
+          </a:p>
+          <a:p>
+            <a:pPr marL="542925" lvl="0" indent="-276225" algn="l" defTabSz="914400" latinLnBrk="1">
+              <a:lnSpc>
+                <a:spcPct val="150000"/>
+              </a:lnSpc>
+              <a:buFont typeface="Wingdings" pitchFamily="2" charset="2"/>
+              <a:buChar char="§"/>
+              <a:tabLst>
+                <a:tab pos="1162050" algn="l"/>
+              </a:tabLst>
+            </a:pPr>
+            <a:r>
+              <a:rPr lang="ko-KR" altLang="en-US" sz="1200" b="1" kern="1200" spc="-50">
+                <a:solidFill>
+                  <a:schemeClr val="tx2">
+                    <a:lumMod val="90000"/>
+                    <a:lumOff val="10000"/>
+                  </a:schemeClr>
+                </a:solidFill>
+                <a:latin typeface="나눔고딕"/>
+                <a:ea typeface="나눔고딕"/>
+                <a:cs typeface="+mn-cs"/>
+              </a:rPr>
+              <a:t>매장</a:t>
+            </a:r>
+            <a:r>
+              <a:rPr lang="en-US" altLang="en-US" sz="1200" b="1" kern="1200" spc="-50">
+                <a:solidFill>
+                  <a:schemeClr val="tx2">
+                    <a:lumMod val="90000"/>
+                    <a:lumOff val="10000"/>
+                  </a:schemeClr>
+                </a:solidFill>
+                <a:latin typeface="나눔고딕"/>
+                <a:ea typeface="나눔고딕"/>
+                <a:cs typeface="+mn-cs"/>
+              </a:rPr>
+              <a:t> </a:t>
+            </a:r>
+            <a:r>
+              <a:rPr lang="ko-KR" altLang="en-US" sz="1200" b="1" kern="1200" spc="-50">
+                <a:solidFill>
+                  <a:schemeClr val="tx2">
+                    <a:lumMod val="90000"/>
+                    <a:lumOff val="10000"/>
+                  </a:schemeClr>
+                </a:solidFill>
+                <a:latin typeface="나눔고딕"/>
+                <a:ea typeface="나눔고딕"/>
+                <a:cs typeface="+mn-cs"/>
+              </a:rPr>
+              <a:t>디스플레이</a:t>
+            </a:r>
+            <a:r>
+              <a:rPr lang="en-US" altLang="en-US" sz="1200" b="1" kern="1200" spc="-50">
+                <a:solidFill>
+                  <a:schemeClr val="tx2">
+                    <a:lumMod val="90000"/>
+                    <a:lumOff val="10000"/>
+                  </a:schemeClr>
+                </a:solidFill>
+                <a:latin typeface="나눔고딕"/>
+                <a:ea typeface="나눔고딕"/>
+                <a:cs typeface="+mn-cs"/>
+              </a:rPr>
+              <a:t> </a:t>
+            </a:r>
+            <a:r>
+              <a:rPr lang="ko-KR" altLang="en-US" sz="1200" b="1" kern="1200" spc="-50">
+                <a:solidFill>
+                  <a:schemeClr val="tx2">
+                    <a:lumMod val="90000"/>
+                    <a:lumOff val="10000"/>
+                  </a:schemeClr>
+                </a:solidFill>
+                <a:latin typeface="나눔고딕"/>
+                <a:ea typeface="나눔고딕"/>
+                <a:cs typeface="+mn-cs"/>
+              </a:rPr>
+              <a:t>강화</a:t>
+            </a:r>
+            <a:r>
+              <a:rPr lang="en-US" altLang="en-US" sz="1200" b="1" kern="1200" spc="-50">
+                <a:solidFill>
+                  <a:schemeClr val="tx2">
+                    <a:lumMod val="90000"/>
+                    <a:lumOff val="10000"/>
+                  </a:schemeClr>
+                </a:solidFill>
+                <a:latin typeface="나눔고딕"/>
+                <a:ea typeface="나눔고딕"/>
+                <a:cs typeface="+mn-cs"/>
+              </a:rPr>
+              <a:t> </a:t>
+            </a:r>
+            <a:r>
+              <a:rPr lang="ko-KR" altLang="en-US" sz="1200" b="1" kern="1200" spc="-50">
+                <a:solidFill>
+                  <a:schemeClr val="tx2">
+                    <a:lumMod val="90000"/>
+                    <a:lumOff val="10000"/>
+                  </a:schemeClr>
+                </a:solidFill>
+                <a:latin typeface="나눔고딕"/>
+                <a:ea typeface="나눔고딕"/>
+                <a:cs typeface="+mn-cs"/>
+              </a:rPr>
+              <a:t>등</a:t>
+            </a:r>
+            <a:r>
+              <a:rPr lang="en-US" altLang="en-US" sz="1200" b="1" kern="1200" spc="-50">
+                <a:solidFill>
+                  <a:schemeClr val="tx2">
+                    <a:lumMod val="90000"/>
+                    <a:lumOff val="10000"/>
+                  </a:schemeClr>
+                </a:solidFill>
+                <a:latin typeface="나눔고딕"/>
+                <a:ea typeface="나눔고딕"/>
+                <a:cs typeface="+mn-cs"/>
+              </a:rPr>
+              <a:t>   </a:t>
+            </a:r>
+          </a:p>
+        </p:txBody>
+      </p:sp>
+      <p:sp>
+        <p:nvSpPr>
+          <p:cNvPr id="8" name="slide7_shape6"/>
+          <p:cNvSpPr/>
+          <p:nvPr/>
+        </p:nvSpPr>
+        <p:spPr>
+          <a:xfrm>
+            <a:off x="400050" y="4458376"/>
+            <a:ext cx="1467296" cy="1361400"/>
+          </a:xfrm>
+          <a:prstGeom prst="rect">
+            <a:avLst/>
+          </a:prstGeom>
+          <a:gradFill rotWithShape="1">
+            <a:gsLst>
+              <a:gs pos="0">
+                <a:schemeClr val="accent4">
+                  <a:shade val="51000"/>
+                  <a:satMod val="130000"/>
+                </a:schemeClr>
+              </a:gs>
+              <a:gs pos="80000">
+                <a:schemeClr val="accent4">
+                  <a:shade val="93000"/>
+                  <a:satMod val="130000"/>
+                </a:schemeClr>
+              </a:gs>
+              <a:gs pos="100000">
+                <a:schemeClr val="accent4">
+                  <a:shade val="94000"/>
+                  <a:satMod val="135000"/>
+                </a:schemeClr>
+              </a:gs>
+            </a:gsLst>
+            <a:lin ang="16200000" scaled="1"/>
+            <a:tileRect/>
+          </a:gradFill>
+          <a:ln w="9525" cap="flat">
+            <a:solidFill>
+              <a:schemeClr val="accent4">
+                <a:shade val="95000"/>
+                <a:satMod val="105000"/>
+              </a:schemeClr>
+            </a:solidFill>
+            <a:prstDash val="solid"/>
+          </a:ln>
+        </p:spPr>
+        <p:style>
+          <a:lnRef idx="1">
+            <a:schemeClr val="accent4"/>
+          </a:lnRef>
+          <a:fillRef idx="3">
+            <a:schemeClr val="accent4"/>
+          </a:fillRef>
+          <a:effectRef idx="2">
+            <a:schemeClr val="accent4"/>
+          </a:effectRef>
+          <a:fontRef idx="minor">
+            <a:schemeClr val="lt1"/>
+          </a:fontRef>
+        </p:style>
+        <p:txBody>
+          <a:bodyPr anchor="ctr"/>
+          <a:lstStyle/>
+          <a:p>
+            <a:pPr marL="0" lvl="0" algn="ctr" defTabSz="914400" latinLnBrk="1"/>
+            <a:r>
+              <a:rPr lang="ko-KR" altLang="en-US" sz="1400" b="1" kern="1200" spc="-50">
+                <a:solidFill>
+                  <a:schemeClr val="bg1"/>
+                </a:solidFill>
+                <a:latin typeface="나눔고딕"/>
+                <a:ea typeface="나눔고딕"/>
+                <a:cs typeface="+mn-cs"/>
+              </a:rPr>
+              <a:t>기존고객</a:t>
+            </a:r>
+            <a:endParaRPr sz="1400" b="1" kern="1200" spc="-50">
+              <a:solidFill>
+                <a:schemeClr val="bg1"/>
+              </a:solidFill>
+              <a:latin typeface="나눔고딕"/>
+              <a:ea typeface="나눔고딕"/>
+              <a:cs typeface="+mn-cs"/>
+            </a:endParaRPr>
+          </a:p>
+          <a:p>
+            <a:pPr marL="0" lvl="0" algn="ctr" defTabSz="914400" latinLnBrk="1"/>
+            <a:r>
+              <a:rPr lang="ko-KR" altLang="en-US" sz="1400" b="1" kern="1200" spc="-50">
+                <a:solidFill>
+                  <a:schemeClr val="bg1"/>
+                </a:solidFill>
+                <a:latin typeface="나눔고딕"/>
+                <a:ea typeface="나눔고딕"/>
+                <a:cs typeface="+mn-cs"/>
+              </a:rPr>
+              <a:t>로열티강화</a:t>
+            </a:r>
+            <a:endParaRPr sz="1400" b="1" kern="1200" spc="-50">
+              <a:solidFill>
+                <a:schemeClr val="bg1"/>
+              </a:solidFill>
+              <a:latin typeface="나눔고딕"/>
+              <a:ea typeface="나눔고딕"/>
+              <a:cs typeface="+mn-cs"/>
+            </a:endParaRPr>
+          </a:p>
+        </p:txBody>
+      </p:sp>
+      <p:sp>
+        <p:nvSpPr>
+          <p:cNvPr id="9" name="slide7_shape7"/>
+          <p:cNvSpPr/>
+          <p:nvPr/>
+        </p:nvSpPr>
+        <p:spPr>
+          <a:xfrm>
+            <a:off x="1924050" y="4458376"/>
+            <a:ext cx="2613855" cy="1361400"/>
+          </a:xfrm>
+          <a:prstGeom prst="rect">
+            <a:avLst/>
+          </a:prstGeom>
+          <a:gradFill>
+            <a:gsLst>
+              <a:gs pos="0">
+                <a:schemeClr val="bg1">
+                  <a:lumMod val="85000"/>
+                </a:schemeClr>
+              </a:gs>
+              <a:gs pos="80000">
+                <a:schemeClr val="tx2">
+                  <a:lumMod val="10000"/>
+                  <a:lumOff val="90000"/>
+                </a:schemeClr>
+              </a:gs>
+            </a:gsLst>
+            <a:lin ang="16200000" scaled="1"/>
+            <a:tileRect/>
+          </a:gradFill>
+          <a:ln w="9525" cap="flat">
+            <a:noFill/>
+            <a:prstDash val="solid"/>
+          </a:ln>
+        </p:spPr>
+        <p:style>
+          <a:lnRef idx="1">
+            <a:schemeClr val="accent5"/>
+          </a:lnRef>
+          <a:fillRef idx="3">
+            <a:schemeClr val="accent5"/>
+          </a:fillRef>
+          <a:effectRef idx="2">
+            <a:schemeClr val="accent5"/>
+          </a:effectRef>
+          <a:fontRef idx="minor">
+            <a:schemeClr val="lt1"/>
+          </a:fontRef>
+        </p:style>
+        <p:txBody>
+          <a:bodyPr anchor="ctr"/>
+          <a:lstStyle/>
+          <a:p>
+            <a:pPr marL="542925" lvl="0" indent="-276225" algn="l" defTabSz="914400" latinLnBrk="1">
+              <a:lnSpc>
+                <a:spcPct val="150000"/>
+              </a:lnSpc>
+              <a:buFont typeface="Wingdings" pitchFamily="2" charset="2"/>
+              <a:buChar char="§"/>
+            </a:pPr>
+            <a:r>
+              <a:rPr lang="ko-KR" altLang="en-US" sz="1200" b="1" kern="1200" spc="-50">
+                <a:solidFill>
+                  <a:schemeClr val="tx2">
+                    <a:lumMod val="90000"/>
+                    <a:lumOff val="10000"/>
+                  </a:schemeClr>
+                </a:solidFill>
+                <a:latin typeface="나눔고딕"/>
+                <a:ea typeface="나눔고딕"/>
+                <a:cs typeface="+mn-cs"/>
+              </a:rPr>
+              <a:t>쿠폰</a:t>
+            </a:r>
+            <a:r>
+              <a:rPr lang="en-US" altLang="en-US" sz="1200" b="1" kern="1200" spc="-50">
+                <a:solidFill>
+                  <a:schemeClr val="tx2">
+                    <a:lumMod val="90000"/>
+                    <a:lumOff val="10000"/>
+                  </a:schemeClr>
+                </a:solidFill>
+                <a:latin typeface="나눔고딕"/>
+                <a:ea typeface="나눔고딕"/>
+                <a:cs typeface="+mn-cs"/>
+              </a:rPr>
+              <a:t> </a:t>
+            </a:r>
+            <a:r>
+              <a:rPr lang="ko-KR" altLang="en-US" sz="1200" b="1" kern="1200" spc="-50">
+                <a:solidFill>
+                  <a:schemeClr val="tx2">
+                    <a:lumMod val="90000"/>
+                    <a:lumOff val="10000"/>
+                  </a:schemeClr>
+                </a:solidFill>
+                <a:latin typeface="나눔고딕"/>
+                <a:ea typeface="나눔고딕"/>
+                <a:cs typeface="+mn-cs"/>
+              </a:rPr>
+              <a:t>북</a:t>
+            </a:r>
+            <a:r>
+              <a:rPr lang="en-US" altLang="en-US" sz="1200" b="1" kern="1200" spc="-50">
+                <a:solidFill>
+                  <a:schemeClr val="tx2">
+                    <a:lumMod val="90000"/>
+                    <a:lumOff val="10000"/>
+                  </a:schemeClr>
+                </a:solidFill>
+                <a:latin typeface="나눔고딕"/>
+                <a:ea typeface="나눔고딕"/>
+                <a:cs typeface="+mn-cs"/>
+              </a:rPr>
+              <a:t> </a:t>
+            </a:r>
+            <a:r>
+              <a:rPr lang="ko-KR" altLang="en-US" sz="1200" b="1" kern="1200" spc="-50">
+                <a:solidFill>
+                  <a:schemeClr val="tx2">
+                    <a:lumMod val="90000"/>
+                    <a:lumOff val="10000"/>
+                  </a:schemeClr>
+                </a:solidFill>
+                <a:latin typeface="나눔고딕"/>
+                <a:ea typeface="나눔고딕"/>
+                <a:cs typeface="+mn-cs"/>
+              </a:rPr>
+              <a:t>발송</a:t>
+            </a:r>
+            <a:r>
+              <a:rPr lang="en-US" altLang="en-US" sz="1200" b="1" kern="1200" spc="-50">
+                <a:solidFill>
+                  <a:schemeClr val="tx2">
+                    <a:lumMod val="90000"/>
+                    <a:lumOff val="10000"/>
+                  </a:schemeClr>
+                </a:solidFill>
+                <a:latin typeface="나눔고딕"/>
+                <a:ea typeface="나눔고딕"/>
+                <a:cs typeface="+mn-cs"/>
+              </a:rPr>
+              <a:t> </a:t>
+            </a:r>
+          </a:p>
+          <a:p>
+            <a:pPr marL="542925" lvl="0" indent="-276225" algn="l" defTabSz="914400" latinLnBrk="1">
+              <a:lnSpc>
+                <a:spcPct val="150000"/>
+              </a:lnSpc>
+              <a:buFont typeface="Wingdings" pitchFamily="2" charset="2"/>
+              <a:buChar char="§"/>
+            </a:pPr>
+            <a:r>
+              <a:rPr lang="ko-KR" altLang="en-US" sz="1200" b="1" kern="1200" spc="-50">
+                <a:solidFill>
+                  <a:schemeClr val="tx2">
+                    <a:lumMod val="90000"/>
+                    <a:lumOff val="10000"/>
+                  </a:schemeClr>
+                </a:solidFill>
+                <a:latin typeface="나눔고딕"/>
+                <a:ea typeface="나눔고딕"/>
+                <a:cs typeface="+mn-cs"/>
+              </a:rPr>
+              <a:t>분기별</a:t>
+            </a:r>
+            <a:r>
+              <a:rPr lang="en-US" altLang="en-US" sz="1200" b="1" kern="1200" spc="-50">
+                <a:solidFill>
+                  <a:schemeClr val="tx2">
+                    <a:lumMod val="90000"/>
+                    <a:lumOff val="10000"/>
+                  </a:schemeClr>
+                </a:solidFill>
+                <a:latin typeface="나눔고딕"/>
+                <a:ea typeface="나눔고딕"/>
+                <a:cs typeface="+mn-cs"/>
+              </a:rPr>
+              <a:t> </a:t>
+            </a:r>
+            <a:r>
+              <a:rPr lang="ko-KR" altLang="en-US" sz="1200" b="1" kern="1200" spc="-50">
+                <a:solidFill>
+                  <a:schemeClr val="tx2">
+                    <a:lumMod val="90000"/>
+                    <a:lumOff val="10000"/>
+                  </a:schemeClr>
+                </a:solidFill>
+                <a:latin typeface="나눔고딕"/>
+                <a:ea typeface="나눔고딕"/>
+                <a:cs typeface="+mn-cs"/>
+              </a:rPr>
+              <a:t>초청행사</a:t>
+            </a:r>
+            <a:r>
+              <a:rPr lang="en-US" altLang="en-US" sz="1200" b="1" kern="1200" spc="-50">
+                <a:solidFill>
+                  <a:schemeClr val="tx2">
+                    <a:lumMod val="90000"/>
+                    <a:lumOff val="10000"/>
+                  </a:schemeClr>
+                </a:solidFill>
+                <a:latin typeface="나눔고딕"/>
+                <a:ea typeface="나눔고딕"/>
+                <a:cs typeface="+mn-cs"/>
+              </a:rPr>
+              <a:t> </a:t>
+            </a:r>
+            <a:r>
+              <a:rPr lang="ko-KR" altLang="en-US" sz="1200" b="1" kern="1200" spc="-50">
+                <a:solidFill>
+                  <a:schemeClr val="tx2">
+                    <a:lumMod val="90000"/>
+                    <a:lumOff val="10000"/>
+                  </a:schemeClr>
+                </a:solidFill>
+                <a:latin typeface="나눔고딕"/>
+                <a:ea typeface="나눔고딕"/>
+                <a:cs typeface="+mn-cs"/>
+              </a:rPr>
+              <a:t>진행</a:t>
+            </a:r>
+          </a:p>
+          <a:p>
+            <a:pPr marL="542925" lvl="0" indent="-276225" algn="l" defTabSz="914400" latinLnBrk="1">
+              <a:lnSpc>
+                <a:spcPct val="150000"/>
+              </a:lnSpc>
+              <a:buFont typeface="Wingdings" pitchFamily="2" charset="2"/>
+              <a:buChar char="§"/>
+            </a:pPr>
+            <a:r>
+              <a:rPr lang="ko-KR" altLang="en-US" sz="1200" b="1" kern="1200" spc="-50">
+                <a:solidFill>
+                  <a:schemeClr val="tx2">
+                    <a:lumMod val="90000"/>
+                    <a:lumOff val="10000"/>
+                  </a:schemeClr>
+                </a:solidFill>
+                <a:latin typeface="나눔고딕"/>
+                <a:ea typeface="나눔고딕"/>
+                <a:cs typeface="+mn-cs"/>
+              </a:rPr>
+              <a:t>쿠폰</a:t>
+            </a:r>
+            <a:r>
+              <a:rPr lang="en-US" altLang="en-US" sz="1200" b="1" kern="1200" spc="-50">
+                <a:solidFill>
+                  <a:schemeClr val="tx2">
+                    <a:lumMod val="90000"/>
+                    <a:lumOff val="10000"/>
+                  </a:schemeClr>
+                </a:solidFill>
+                <a:latin typeface="나눔고딕"/>
+                <a:ea typeface="나눔고딕"/>
+                <a:cs typeface="+mn-cs"/>
+              </a:rPr>
+              <a:t> </a:t>
+            </a:r>
+            <a:r>
+              <a:rPr lang="ko-KR" altLang="en-US" sz="1200" b="1" kern="1200" spc="-50">
+                <a:solidFill>
+                  <a:schemeClr val="tx2">
+                    <a:lumMod val="90000"/>
+                    <a:lumOff val="10000"/>
+                  </a:schemeClr>
+                </a:solidFill>
+                <a:latin typeface="나눔고딕"/>
+                <a:ea typeface="나눔고딕"/>
+                <a:cs typeface="+mn-cs"/>
+              </a:rPr>
+              <a:t>북</a:t>
+            </a:r>
+            <a:r>
+              <a:rPr lang="en-US" altLang="en-US" sz="1200" b="1" kern="1200" spc="-50">
+                <a:solidFill>
+                  <a:schemeClr val="tx2">
+                    <a:lumMod val="90000"/>
+                    <a:lumOff val="10000"/>
+                  </a:schemeClr>
+                </a:solidFill>
+                <a:latin typeface="나눔고딕"/>
+                <a:ea typeface="나눔고딕"/>
+                <a:cs typeface="+mn-cs"/>
+              </a:rPr>
+              <a:t> </a:t>
+            </a:r>
+            <a:r>
+              <a:rPr lang="ko-KR" altLang="en-US" sz="1200" b="1" kern="1200" spc="-50">
+                <a:solidFill>
+                  <a:schemeClr val="tx2">
+                    <a:lumMod val="90000"/>
+                    <a:lumOff val="10000"/>
+                  </a:schemeClr>
+                </a:solidFill>
+                <a:latin typeface="나눔고딕"/>
+                <a:ea typeface="나눔고딕"/>
+                <a:cs typeface="+mn-cs"/>
+              </a:rPr>
+              <a:t>매장</a:t>
+            </a:r>
+            <a:r>
+              <a:rPr lang="en-US" altLang="en-US" sz="1200" b="1" kern="1200" spc="-50">
+                <a:solidFill>
+                  <a:schemeClr val="tx2">
+                    <a:lumMod val="90000"/>
+                    <a:lumOff val="10000"/>
+                  </a:schemeClr>
+                </a:solidFill>
+                <a:latin typeface="나눔고딕"/>
+                <a:ea typeface="나눔고딕"/>
+                <a:cs typeface="+mn-cs"/>
+              </a:rPr>
+              <a:t> </a:t>
+            </a:r>
+            <a:r>
+              <a:rPr lang="ko-KR" altLang="en-US" sz="1200" b="1" kern="1200" spc="-50">
+                <a:solidFill>
+                  <a:schemeClr val="tx2">
+                    <a:lumMod val="90000"/>
+                    <a:lumOff val="10000"/>
+                  </a:schemeClr>
+                </a:solidFill>
+                <a:latin typeface="나눔고딕"/>
+                <a:ea typeface="나눔고딕"/>
+                <a:cs typeface="+mn-cs"/>
+              </a:rPr>
+              <a:t>내</a:t>
+            </a:r>
+            <a:r>
+              <a:rPr lang="en-US" altLang="en-US" sz="1200" b="1" kern="1200" spc="-50">
+                <a:solidFill>
+                  <a:schemeClr val="tx2">
+                    <a:lumMod val="90000"/>
+                    <a:lumOff val="10000"/>
+                  </a:schemeClr>
+                </a:solidFill>
+                <a:latin typeface="나눔고딕"/>
+                <a:ea typeface="나눔고딕"/>
+                <a:cs typeface="+mn-cs"/>
+              </a:rPr>
+              <a:t> </a:t>
+            </a:r>
+            <a:r>
+              <a:rPr lang="ko-KR" altLang="en-US" sz="1200" b="1" kern="1200" spc="-50">
+                <a:solidFill>
+                  <a:schemeClr val="tx2">
+                    <a:lumMod val="90000"/>
+                    <a:lumOff val="10000"/>
+                  </a:schemeClr>
+                </a:solidFill>
+                <a:latin typeface="나눔고딕"/>
+                <a:ea typeface="나눔고딕"/>
+                <a:cs typeface="+mn-cs"/>
+              </a:rPr>
+              <a:t>배치</a:t>
+            </a:r>
+          </a:p>
+        </p:txBody>
+      </p:sp>
+      <p:sp>
+        <p:nvSpPr>
+          <p:cNvPr id="10" name="slide7_shape8"/>
+          <p:cNvSpPr/>
+          <p:nvPr/>
+        </p:nvSpPr>
+        <p:spPr>
+          <a:xfrm>
+            <a:off x="4587045" y="3019426"/>
+            <a:ext cx="1467296" cy="1361400"/>
+          </a:xfrm>
+          <a:prstGeom prst="rect">
+            <a:avLst/>
+          </a:prstGeom>
+          <a:gradFill rotWithShape="1">
+            <a:gsLst>
+              <a:gs pos="0">
+                <a:schemeClr val="accent4">
+                  <a:shade val="51000"/>
+                  <a:satMod val="130000"/>
+                </a:schemeClr>
+              </a:gs>
+              <a:gs pos="80000">
+                <a:schemeClr val="accent4">
+                  <a:shade val="93000"/>
+                  <a:satMod val="130000"/>
+                </a:schemeClr>
+              </a:gs>
+              <a:gs pos="100000">
+                <a:schemeClr val="accent4">
+                  <a:shade val="94000"/>
+                  <a:satMod val="135000"/>
+                </a:schemeClr>
+              </a:gs>
+            </a:gsLst>
+            <a:lin ang="16200000" scaled="1"/>
+            <a:tileRect/>
+          </a:gradFill>
+          <a:ln w="9525" cap="flat">
+            <a:solidFill>
+              <a:schemeClr val="accent4">
+                <a:shade val="95000"/>
+                <a:satMod val="105000"/>
+              </a:schemeClr>
+            </a:solidFill>
+            <a:prstDash val="solid"/>
+          </a:ln>
+        </p:spPr>
+        <p:style>
+          <a:lnRef idx="1">
+            <a:schemeClr val="accent4"/>
+          </a:lnRef>
+          <a:fillRef idx="3">
+            <a:schemeClr val="accent4"/>
+          </a:fillRef>
+          <a:effectRef idx="2">
+            <a:schemeClr val="accent4"/>
+          </a:effectRef>
+          <a:fontRef idx="minor">
+            <a:schemeClr val="lt1"/>
+          </a:fontRef>
+        </p:style>
+        <p:txBody>
+          <a:bodyPr anchor="ctr"/>
+          <a:lstStyle/>
+          <a:p>
+            <a:pPr marL="0" algn="ctr" defTabSz="914400" latinLnBrk="1"/>
+            <a:r>
+              <a:rPr lang="ko-KR" altLang="en-US" sz="1400" b="1" kern="1200" spc="-50">
+                <a:solidFill>
+                  <a:schemeClr val="lt1"/>
+                </a:solidFill>
+                <a:latin typeface="나눔고딕"/>
+                <a:ea typeface="나눔고딕"/>
+                <a:cs typeface="+mn-cs"/>
+              </a:rPr>
+              <a:t>신규고객</a:t>
+            </a:r>
+            <a:r>
+              <a:rPr lang="en-US" altLang="en-US" sz="1400" b="1" kern="1200" spc="-50">
+                <a:solidFill>
+                  <a:schemeClr val="lt1"/>
+                </a:solidFill>
+                <a:latin typeface="나눔고딕"/>
+                <a:ea typeface="나눔고딕"/>
+                <a:cs typeface="+mn-cs"/>
+              </a:rPr>
+              <a:t> </a:t>
+            </a:r>
+            <a:r>
+              <a:rPr lang="ko-KR" altLang="en-US" sz="1400" b="1" kern="1200" spc="-50">
+                <a:solidFill>
+                  <a:schemeClr val="lt1"/>
+                </a:solidFill>
+                <a:latin typeface="나눔고딕"/>
+                <a:ea typeface="나눔고딕"/>
+                <a:cs typeface="+mn-cs"/>
+              </a:rPr>
+              <a:t>유치</a:t>
+            </a:r>
+          </a:p>
+        </p:txBody>
+      </p:sp>
+      <p:sp>
+        <p:nvSpPr>
+          <p:cNvPr id="11" name="slide7_shape9"/>
+          <p:cNvSpPr/>
+          <p:nvPr/>
+        </p:nvSpPr>
+        <p:spPr>
+          <a:xfrm>
+            <a:off x="6111045" y="3019426"/>
+            <a:ext cx="2613855" cy="1361400"/>
+          </a:xfrm>
+          <a:prstGeom prst="rect">
+            <a:avLst/>
+          </a:prstGeom>
+          <a:gradFill>
+            <a:gsLst>
+              <a:gs pos="0">
+                <a:schemeClr val="bg1">
+                  <a:lumMod val="85000"/>
+                </a:schemeClr>
+              </a:gs>
+              <a:gs pos="80000">
+                <a:schemeClr val="tx2">
+                  <a:lumMod val="10000"/>
+                  <a:lumOff val="90000"/>
+                </a:schemeClr>
+              </a:gs>
+            </a:gsLst>
+            <a:lin ang="16200000" scaled="1"/>
+            <a:tileRect/>
+          </a:gradFill>
+          <a:ln w="9525" cap="flat">
+            <a:noFill/>
+            <a:prstDash val="solid"/>
+          </a:ln>
+        </p:spPr>
+        <p:style>
+          <a:lnRef idx="1">
+            <a:schemeClr val="accent5"/>
+          </a:lnRef>
+          <a:fillRef idx="3">
+            <a:schemeClr val="accent5"/>
+          </a:fillRef>
+          <a:effectRef idx="2">
+            <a:schemeClr val="accent5"/>
+          </a:effectRef>
+          <a:fontRef idx="minor">
+            <a:schemeClr val="lt1"/>
+          </a:fontRef>
+        </p:style>
+        <p:txBody>
+          <a:bodyPr anchor="ctr"/>
+          <a:lstStyle/>
+          <a:p>
+            <a:pPr marL="542925" lvl="0" indent="-276225" algn="l" defTabSz="914400" latinLnBrk="1">
+              <a:lnSpc>
+                <a:spcPct val="150000"/>
+              </a:lnSpc>
+              <a:buFont typeface="Wingdings" pitchFamily="2" charset="2"/>
+              <a:buChar char="§"/>
+            </a:pPr>
+            <a:r>
+              <a:rPr lang="ko-KR" altLang="en-US" sz="1200" b="1" kern="1200" spc="-50">
+                <a:solidFill>
+                  <a:schemeClr val="tx2">
+                    <a:lumMod val="90000"/>
+                    <a:lumOff val="10000"/>
+                  </a:schemeClr>
+                </a:solidFill>
+                <a:latin typeface="나눔고딕"/>
+                <a:ea typeface="나눔고딕"/>
+                <a:cs typeface="+mn-cs"/>
+              </a:rPr>
+              <a:t>매장디스플레이</a:t>
+            </a:r>
+            <a:r>
+              <a:rPr lang="en-US" altLang="en-US" sz="1200" b="1" kern="1200" spc="-50">
+                <a:solidFill>
+                  <a:schemeClr val="tx2">
+                    <a:lumMod val="90000"/>
+                    <a:lumOff val="10000"/>
+                  </a:schemeClr>
+                </a:solidFill>
+                <a:latin typeface="나눔고딕"/>
+                <a:ea typeface="나눔고딕"/>
+                <a:cs typeface="+mn-cs"/>
+              </a:rPr>
+              <a:t> </a:t>
+            </a:r>
+            <a:r>
+              <a:rPr lang="ko-KR" altLang="en-US" sz="1200" b="1" kern="1200" spc="-50">
+                <a:solidFill>
+                  <a:schemeClr val="tx2">
+                    <a:lumMod val="90000"/>
+                    <a:lumOff val="10000"/>
+                  </a:schemeClr>
+                </a:solidFill>
+                <a:latin typeface="나눔고딕"/>
+                <a:ea typeface="나눔고딕"/>
+                <a:cs typeface="+mn-cs"/>
+              </a:rPr>
+              <a:t>강화</a:t>
+            </a:r>
+          </a:p>
+          <a:p>
+            <a:pPr marL="542925" lvl="0" indent="-276225" algn="l" defTabSz="914400" latinLnBrk="1">
+              <a:lnSpc>
+                <a:spcPct val="150000"/>
+              </a:lnSpc>
+              <a:buFont typeface="Wingdings" pitchFamily="2" charset="2"/>
+              <a:buChar char="§"/>
+              <a:tabLst>
+                <a:tab pos="1162050" algn="l"/>
+              </a:tabLst>
+            </a:pPr>
+            <a:r>
+              <a:rPr lang="ko-KR" altLang="en-US" sz="1200" b="1" kern="1200" spc="-50">
+                <a:solidFill>
+                  <a:schemeClr val="tx2">
+                    <a:lumMod val="90000"/>
+                    <a:lumOff val="10000"/>
+                  </a:schemeClr>
+                </a:solidFill>
+                <a:latin typeface="나눔고딕"/>
+                <a:ea typeface="나눔고딕"/>
+                <a:cs typeface="+mn-cs"/>
+              </a:rPr>
+              <a:t>할인쿠폰</a:t>
+            </a:r>
+            <a:r>
+              <a:rPr lang="en-US" altLang="en-US" sz="1200" b="1" kern="1200" spc="-50">
+                <a:solidFill>
+                  <a:schemeClr val="tx2">
+                    <a:lumMod val="90000"/>
+                    <a:lumOff val="10000"/>
+                  </a:schemeClr>
+                </a:solidFill>
+                <a:latin typeface="나눔고딕"/>
+                <a:ea typeface="나눔고딕"/>
+                <a:cs typeface="+mn-cs"/>
+              </a:rPr>
+              <a:t> </a:t>
+            </a:r>
+            <a:r>
+              <a:rPr lang="ko-KR" altLang="en-US" sz="1200" b="1" kern="1200" spc="-50">
+                <a:solidFill>
+                  <a:schemeClr val="tx2">
+                    <a:lumMod val="90000"/>
+                    <a:lumOff val="10000"/>
+                  </a:schemeClr>
+                </a:solidFill>
+                <a:latin typeface="나눔고딕"/>
+                <a:ea typeface="나눔고딕"/>
+                <a:cs typeface="+mn-cs"/>
+              </a:rPr>
+              <a:t>발급</a:t>
+            </a:r>
+            <a:r>
+              <a:rPr lang="en-US" altLang="en-US" sz="1200" b="1" kern="1200" spc="-50">
+                <a:solidFill>
+                  <a:schemeClr val="tx2">
+                    <a:lumMod val="90000"/>
+                    <a:lumOff val="10000"/>
+                  </a:schemeClr>
+                </a:solidFill>
+                <a:latin typeface="나눔고딕"/>
+                <a:ea typeface="나눔고딕"/>
+                <a:cs typeface="+mn-cs"/>
+              </a:rPr>
+              <a:t> </a:t>
+            </a:r>
+          </a:p>
+          <a:p>
+            <a:pPr marL="542925" lvl="0" indent="-276225" algn="l" defTabSz="914400" latinLnBrk="1">
+              <a:lnSpc>
+                <a:spcPct val="150000"/>
+              </a:lnSpc>
+              <a:buFont typeface="Wingdings" pitchFamily="2" charset="2"/>
+              <a:buChar char="§"/>
+              <a:tabLst>
+                <a:tab pos="1162050" algn="l"/>
+              </a:tabLst>
+            </a:pPr>
+            <a:r>
+              <a:rPr lang="ko-KR" altLang="en-US" sz="1200" b="1" kern="1200" spc="-50">
+                <a:solidFill>
+                  <a:schemeClr val="tx2">
+                    <a:lumMod val="90000"/>
+                    <a:lumOff val="10000"/>
+                  </a:schemeClr>
+                </a:solidFill>
+                <a:latin typeface="나눔고딕"/>
+                <a:ea typeface="나눔고딕"/>
+                <a:cs typeface="+mn-cs"/>
+              </a:rPr>
+              <a:t>매장</a:t>
+            </a:r>
+            <a:r>
+              <a:rPr lang="en-US" altLang="en-US" sz="1200" b="1" kern="1200" spc="-50">
+                <a:solidFill>
+                  <a:schemeClr val="tx2">
+                    <a:lumMod val="90000"/>
+                    <a:lumOff val="10000"/>
+                  </a:schemeClr>
+                </a:solidFill>
+                <a:latin typeface="나눔고딕"/>
+                <a:ea typeface="나눔고딕"/>
+                <a:cs typeface="+mn-cs"/>
+              </a:rPr>
+              <a:t> </a:t>
+            </a:r>
+            <a:r>
+              <a:rPr lang="ko-KR" altLang="en-US" sz="1200" b="1" kern="1200" spc="-50">
+                <a:solidFill>
+                  <a:schemeClr val="tx2">
+                    <a:lumMod val="90000"/>
+                    <a:lumOff val="10000"/>
+                  </a:schemeClr>
+                </a:solidFill>
+                <a:latin typeface="나눔고딕"/>
+                <a:ea typeface="나눔고딕"/>
+                <a:cs typeface="+mn-cs"/>
+              </a:rPr>
+              <a:t>디스플레이</a:t>
+            </a:r>
+            <a:r>
+              <a:rPr lang="en-US" altLang="en-US" sz="1200" b="1" kern="1200" spc="-50">
+                <a:solidFill>
+                  <a:schemeClr val="tx2">
+                    <a:lumMod val="90000"/>
+                    <a:lumOff val="10000"/>
+                  </a:schemeClr>
+                </a:solidFill>
+                <a:latin typeface="나눔고딕"/>
+                <a:ea typeface="나눔고딕"/>
+                <a:cs typeface="+mn-cs"/>
+              </a:rPr>
+              <a:t> </a:t>
+            </a:r>
+            <a:r>
+              <a:rPr lang="ko-KR" altLang="en-US" sz="1200" b="1" kern="1200" spc="-50">
+                <a:solidFill>
+                  <a:schemeClr val="tx2">
+                    <a:lumMod val="90000"/>
+                    <a:lumOff val="10000"/>
+                  </a:schemeClr>
+                </a:solidFill>
+                <a:latin typeface="나눔고딕"/>
+                <a:ea typeface="나눔고딕"/>
+                <a:cs typeface="+mn-cs"/>
+              </a:rPr>
+              <a:t>강화</a:t>
+            </a:r>
+            <a:r>
+              <a:rPr lang="en-US" altLang="en-US" sz="1200" b="1" kern="1200" spc="-50">
+                <a:solidFill>
+                  <a:schemeClr val="tx2">
+                    <a:lumMod val="90000"/>
+                    <a:lumOff val="10000"/>
+                  </a:schemeClr>
+                </a:solidFill>
+                <a:latin typeface="나눔고딕"/>
+                <a:ea typeface="나눔고딕"/>
+                <a:cs typeface="+mn-cs"/>
+              </a:rPr>
+              <a:t> </a:t>
+            </a:r>
+            <a:r>
+              <a:rPr lang="ko-KR" altLang="en-US" sz="1200" b="1" kern="1200" spc="-50">
+                <a:solidFill>
+                  <a:schemeClr val="tx2">
+                    <a:lumMod val="90000"/>
+                    <a:lumOff val="10000"/>
+                  </a:schemeClr>
+                </a:solidFill>
+                <a:latin typeface="나눔고딕"/>
+                <a:ea typeface="나눔고딕"/>
+                <a:cs typeface="+mn-cs"/>
+              </a:rPr>
+              <a:t>등</a:t>
+            </a:r>
+            <a:r>
+              <a:rPr lang="en-US" altLang="en-US" sz="1200" b="1" kern="1200" spc="-50">
+                <a:solidFill>
+                  <a:schemeClr val="tx2">
+                    <a:lumMod val="90000"/>
+                    <a:lumOff val="10000"/>
+                  </a:schemeClr>
+                </a:solidFill>
+                <a:latin typeface="나눔고딕"/>
+                <a:ea typeface="나눔고딕"/>
+                <a:cs typeface="+mn-cs"/>
+              </a:rPr>
+              <a:t>   </a:t>
+            </a:r>
+          </a:p>
+        </p:txBody>
+      </p:sp>
+      <p:sp>
+        <p:nvSpPr>
+          <p:cNvPr id="12" name="slide7_shape10"/>
+          <p:cNvSpPr/>
+          <p:nvPr/>
+        </p:nvSpPr>
+        <p:spPr>
+          <a:xfrm>
+            <a:off x="4587045" y="4458376"/>
+            <a:ext cx="1467296" cy="1361400"/>
+          </a:xfrm>
+          <a:prstGeom prst="rect">
+            <a:avLst/>
+          </a:prstGeom>
+          <a:gradFill rotWithShape="1">
+            <a:gsLst>
+              <a:gs pos="0">
+                <a:schemeClr val="accent4">
+                  <a:shade val="51000"/>
+                  <a:satMod val="130000"/>
+                </a:schemeClr>
+              </a:gs>
+              <a:gs pos="80000">
+                <a:schemeClr val="accent4">
+                  <a:shade val="93000"/>
+                  <a:satMod val="130000"/>
+                </a:schemeClr>
+              </a:gs>
+              <a:gs pos="100000">
+                <a:schemeClr val="accent4">
+                  <a:shade val="94000"/>
+                  <a:satMod val="135000"/>
+                </a:schemeClr>
+              </a:gs>
+            </a:gsLst>
+            <a:lin ang="16200000" scaled="1"/>
+            <a:tileRect/>
+          </a:gradFill>
+          <a:ln w="9525" cap="flat">
+            <a:solidFill>
+              <a:schemeClr val="accent4">
+                <a:shade val="95000"/>
+                <a:satMod val="105000"/>
+              </a:schemeClr>
+            </a:solidFill>
+            <a:prstDash val="solid"/>
+          </a:ln>
+        </p:spPr>
+        <p:style>
+          <a:lnRef idx="1">
+            <a:schemeClr val="accent4"/>
+          </a:lnRef>
+          <a:fillRef idx="3">
+            <a:schemeClr val="accent4"/>
+          </a:fillRef>
+          <a:effectRef idx="2">
+            <a:schemeClr val="accent4"/>
+          </a:effectRef>
+          <a:fontRef idx="minor">
+            <a:schemeClr val="lt1"/>
+          </a:fontRef>
+        </p:style>
+        <p:txBody>
+          <a:bodyPr anchor="ctr"/>
+          <a:lstStyle/>
+          <a:p>
+            <a:pPr marL="0" lvl="0" algn="ctr" defTabSz="914400" latinLnBrk="1"/>
+            <a:r>
+              <a:rPr lang="ko-KR" altLang="en-US" sz="1400" b="1" kern="1200" spc="-50">
+                <a:solidFill>
+                  <a:schemeClr val="bg1"/>
+                </a:solidFill>
+                <a:latin typeface="나눔고딕"/>
+                <a:ea typeface="나눔고딕"/>
+                <a:cs typeface="+mn-cs"/>
+              </a:rPr>
+              <a:t>기존고객</a:t>
+            </a:r>
+            <a:endParaRPr sz="1400" b="1" kern="1200" spc="-50">
+              <a:solidFill>
+                <a:schemeClr val="bg1"/>
+              </a:solidFill>
+              <a:latin typeface="나눔고딕"/>
+              <a:ea typeface="나눔고딕"/>
+              <a:cs typeface="+mn-cs"/>
+            </a:endParaRPr>
+          </a:p>
+          <a:p>
+            <a:pPr marL="0" lvl="0" algn="ctr" defTabSz="914400" latinLnBrk="1"/>
+            <a:r>
+              <a:rPr lang="ko-KR" altLang="en-US" sz="1400" b="1" kern="1200" spc="-50">
+                <a:solidFill>
+                  <a:schemeClr val="bg1"/>
+                </a:solidFill>
+                <a:latin typeface="나눔고딕"/>
+                <a:ea typeface="나눔고딕"/>
+                <a:cs typeface="+mn-cs"/>
+              </a:rPr>
+              <a:t>로열티강화</a:t>
+            </a:r>
+            <a:endParaRPr sz="1400" b="1" kern="1200" spc="-50">
+              <a:solidFill>
+                <a:schemeClr val="bg1"/>
+              </a:solidFill>
+              <a:latin typeface="나눔고딕"/>
+              <a:ea typeface="나눔고딕"/>
+              <a:cs typeface="+mn-cs"/>
+            </a:endParaRPr>
+          </a:p>
+        </p:txBody>
+      </p:sp>
+      <p:sp>
+        <p:nvSpPr>
+          <p:cNvPr id="13" name="slide7_shape11"/>
+          <p:cNvSpPr/>
+          <p:nvPr/>
+        </p:nvSpPr>
+        <p:spPr>
+          <a:xfrm>
+            <a:off x="6111045" y="4458376"/>
+            <a:ext cx="2613855" cy="1361400"/>
+          </a:xfrm>
+          <a:prstGeom prst="rect">
+            <a:avLst/>
+          </a:prstGeom>
+          <a:gradFill>
+            <a:gsLst>
+              <a:gs pos="0">
+                <a:schemeClr val="bg1">
+                  <a:lumMod val="85000"/>
+                </a:schemeClr>
+              </a:gs>
+              <a:gs pos="80000">
+                <a:schemeClr val="tx2">
+                  <a:lumMod val="10000"/>
+                  <a:lumOff val="90000"/>
+                </a:schemeClr>
+              </a:gs>
+            </a:gsLst>
+            <a:lin ang="16200000" scaled="1"/>
+            <a:tileRect/>
+          </a:gradFill>
+          <a:ln w="9525" cap="flat">
+            <a:noFill/>
+            <a:prstDash val="solid"/>
+          </a:ln>
+        </p:spPr>
+        <p:style>
+          <a:lnRef idx="1">
+            <a:schemeClr val="accent5"/>
+          </a:lnRef>
+          <a:fillRef idx="3">
+            <a:schemeClr val="accent5"/>
+          </a:fillRef>
+          <a:effectRef idx="2">
+            <a:schemeClr val="accent5"/>
+          </a:effectRef>
+          <a:fontRef idx="minor">
+            <a:schemeClr val="lt1"/>
+          </a:fontRef>
+        </p:style>
+        <p:txBody>
+          <a:bodyPr anchor="ctr"/>
+          <a:lstStyle/>
+          <a:p>
+            <a:pPr marL="542925" lvl="0" indent="-276225" algn="l" defTabSz="914400" latinLnBrk="1">
+              <a:lnSpc>
+                <a:spcPct val="150000"/>
+              </a:lnSpc>
+              <a:buFont typeface="Wingdings" pitchFamily="2" charset="2"/>
+              <a:buChar char="§"/>
+            </a:pPr>
+            <a:r>
+              <a:rPr lang="ko-KR" altLang="en-US" sz="1200" b="1" kern="1200" spc="-50">
+                <a:solidFill>
+                  <a:schemeClr val="tx2">
+                    <a:lumMod val="90000"/>
+                    <a:lumOff val="10000"/>
+                  </a:schemeClr>
+                </a:solidFill>
+                <a:latin typeface="나눔고딕"/>
+                <a:ea typeface="나눔고딕"/>
+                <a:cs typeface="+mn-cs"/>
+              </a:rPr>
+              <a:t>쿠폰</a:t>
+            </a:r>
+            <a:r>
+              <a:rPr lang="en-US" altLang="en-US" sz="1200" b="1" kern="1200" spc="-50">
+                <a:solidFill>
+                  <a:schemeClr val="tx2">
+                    <a:lumMod val="90000"/>
+                    <a:lumOff val="10000"/>
+                  </a:schemeClr>
+                </a:solidFill>
+                <a:latin typeface="나눔고딕"/>
+                <a:ea typeface="나눔고딕"/>
+                <a:cs typeface="+mn-cs"/>
+              </a:rPr>
+              <a:t> </a:t>
+            </a:r>
+            <a:r>
+              <a:rPr lang="ko-KR" altLang="en-US" sz="1200" b="1" kern="1200" spc="-50">
+                <a:solidFill>
+                  <a:schemeClr val="tx2">
+                    <a:lumMod val="90000"/>
+                    <a:lumOff val="10000"/>
+                  </a:schemeClr>
+                </a:solidFill>
+                <a:latin typeface="나눔고딕"/>
+                <a:ea typeface="나눔고딕"/>
+                <a:cs typeface="+mn-cs"/>
+              </a:rPr>
+              <a:t>북</a:t>
+            </a:r>
+            <a:r>
+              <a:rPr lang="en-US" altLang="en-US" sz="1200" b="1" kern="1200" spc="-50">
+                <a:solidFill>
+                  <a:schemeClr val="tx2">
+                    <a:lumMod val="90000"/>
+                    <a:lumOff val="10000"/>
+                  </a:schemeClr>
+                </a:solidFill>
+                <a:latin typeface="나눔고딕"/>
+                <a:ea typeface="나눔고딕"/>
+                <a:cs typeface="+mn-cs"/>
+              </a:rPr>
+              <a:t> </a:t>
+            </a:r>
+            <a:r>
+              <a:rPr lang="ko-KR" altLang="en-US" sz="1200" b="1" kern="1200" spc="-50">
+                <a:solidFill>
+                  <a:schemeClr val="tx2">
+                    <a:lumMod val="90000"/>
+                    <a:lumOff val="10000"/>
+                  </a:schemeClr>
+                </a:solidFill>
+                <a:latin typeface="나눔고딕"/>
+                <a:ea typeface="나눔고딕"/>
+                <a:cs typeface="+mn-cs"/>
+              </a:rPr>
+              <a:t>발송</a:t>
+            </a:r>
+            <a:r>
+              <a:rPr lang="en-US" altLang="en-US" sz="1200" b="1" kern="1200" spc="-50">
+                <a:solidFill>
+                  <a:schemeClr val="tx2">
+                    <a:lumMod val="90000"/>
+                    <a:lumOff val="10000"/>
+                  </a:schemeClr>
+                </a:solidFill>
+                <a:latin typeface="나눔고딕"/>
+                <a:ea typeface="나눔고딕"/>
+                <a:cs typeface="+mn-cs"/>
+              </a:rPr>
+              <a:t> </a:t>
+            </a:r>
+          </a:p>
+          <a:p>
+            <a:pPr marL="542925" lvl="0" indent="-276225" algn="l" defTabSz="914400" latinLnBrk="1">
+              <a:lnSpc>
+                <a:spcPct val="150000"/>
+              </a:lnSpc>
+              <a:buFont typeface="Wingdings" pitchFamily="2" charset="2"/>
+              <a:buChar char="§"/>
+            </a:pPr>
+            <a:r>
+              <a:rPr lang="ko-KR" altLang="en-US" sz="1200" b="1" kern="1200" spc="-50">
+                <a:solidFill>
+                  <a:schemeClr val="tx2">
+                    <a:lumMod val="90000"/>
+                    <a:lumOff val="10000"/>
+                  </a:schemeClr>
+                </a:solidFill>
+                <a:latin typeface="나눔고딕"/>
+                <a:ea typeface="나눔고딕"/>
+                <a:cs typeface="+mn-cs"/>
+              </a:rPr>
+              <a:t>분기별</a:t>
+            </a:r>
+            <a:r>
+              <a:rPr lang="en-US" altLang="en-US" sz="1200" b="1" kern="1200" spc="-50">
+                <a:solidFill>
+                  <a:schemeClr val="tx2">
+                    <a:lumMod val="90000"/>
+                    <a:lumOff val="10000"/>
+                  </a:schemeClr>
+                </a:solidFill>
+                <a:latin typeface="나눔고딕"/>
+                <a:ea typeface="나눔고딕"/>
+                <a:cs typeface="+mn-cs"/>
+              </a:rPr>
+              <a:t> </a:t>
+            </a:r>
+            <a:r>
+              <a:rPr lang="ko-KR" altLang="en-US" sz="1200" b="1" kern="1200" spc="-50">
+                <a:solidFill>
+                  <a:schemeClr val="tx2">
+                    <a:lumMod val="90000"/>
+                    <a:lumOff val="10000"/>
+                  </a:schemeClr>
+                </a:solidFill>
+                <a:latin typeface="나눔고딕"/>
+                <a:ea typeface="나눔고딕"/>
+                <a:cs typeface="+mn-cs"/>
+              </a:rPr>
+              <a:t>초청행사</a:t>
+            </a:r>
+            <a:r>
+              <a:rPr lang="en-US" altLang="en-US" sz="1200" b="1" kern="1200" spc="-50">
+                <a:solidFill>
+                  <a:schemeClr val="tx2">
+                    <a:lumMod val="90000"/>
+                    <a:lumOff val="10000"/>
+                  </a:schemeClr>
+                </a:solidFill>
+                <a:latin typeface="나눔고딕"/>
+                <a:ea typeface="나눔고딕"/>
+                <a:cs typeface="+mn-cs"/>
+              </a:rPr>
+              <a:t> </a:t>
+            </a:r>
+            <a:r>
+              <a:rPr lang="ko-KR" altLang="en-US" sz="1200" b="1" kern="1200" spc="-50">
+                <a:solidFill>
+                  <a:schemeClr val="tx2">
+                    <a:lumMod val="90000"/>
+                    <a:lumOff val="10000"/>
+                  </a:schemeClr>
+                </a:solidFill>
+                <a:latin typeface="나눔고딕"/>
+                <a:ea typeface="나눔고딕"/>
+                <a:cs typeface="+mn-cs"/>
+              </a:rPr>
+              <a:t>진행</a:t>
+            </a:r>
+          </a:p>
+        </p:txBody>
+      </p:sp>
+      <p:sp>
+        <p:nvSpPr>
+          <p:cNvPr id="15" name="slide7_shape12"/>
+          <p:cNvSpPr/>
+          <p:nvPr/>
+        </p:nvSpPr>
+        <p:spPr>
+          <a:xfrm>
+            <a:off x="2303749" y="1631109"/>
+            <a:ext cx="6687852" cy="1275443"/>
+          </a:xfrm>
+          <a:prstGeom prst="rect">
+            <a:avLst/>
+          </a:prstGeom>
+        </p:spPr>
+        <p:txBody>
+          <a:bodyPr lIns="91440" tIns="45720" rIns="91440" bIns="45720"/>
+          <a:lstStyle>
+            <a:lvl1pPr marL="342900" indent="-342900" algn="l" defTabSz="914400" latinLnBrk="1">
+              <a:spcBef>
+                <a:spcPct val="20000"/>
+              </a:spcBef>
+              <a:buFont typeface="Arial" pitchFamily="2" charset="2"/>
+              <a:buChar char="•"/>
+              <a:defRPr sz="3200" kern="1200">
+                <a:solidFill>
+                  <a:schemeClr val="tx1"/>
+                </a:solidFill>
+                <a:latin typeface="+mn-lt"/>
+                <a:ea typeface="+mn-ea"/>
+                <a:cs typeface="+mn-cs"/>
+              </a:defRPr>
+            </a:lvl1pPr>
+            <a:lvl2pPr marL="742950" indent="-285750" algn="l" defTabSz="914400" latinLnBrk="1">
+              <a:spcBef>
+                <a:spcPct val="20000"/>
+              </a:spcBef>
+              <a:buFont typeface="Arial" pitchFamily="2" charset="2"/>
+              <a:buChar char="–"/>
+              <a:defRPr sz="2800" kern="1200">
+                <a:solidFill>
+                  <a:schemeClr val="tx1"/>
+                </a:solidFill>
+                <a:latin typeface="+mn-lt"/>
+                <a:ea typeface="+mn-ea"/>
+                <a:cs typeface="+mn-cs"/>
+              </a:defRPr>
+            </a:lvl2pPr>
+            <a:lvl3pPr marL="1143000" indent="-228600" algn="l" defTabSz="914400" latinLnBrk="1">
+              <a:spcBef>
+                <a:spcPct val="20000"/>
+              </a:spcBef>
+              <a:buFont typeface="Arial" pitchFamily="2" charset="2"/>
+              <a:buChar char="•"/>
+              <a:defRPr sz="2400" kern="1200">
+                <a:solidFill>
+                  <a:schemeClr val="tx1"/>
+                </a:solidFill>
+                <a:latin typeface="+mn-lt"/>
+                <a:ea typeface="+mn-ea"/>
+                <a:cs typeface="+mn-cs"/>
+              </a:defRPr>
+            </a:lvl3pPr>
+            <a:lvl4pPr marL="1600200" indent="-228600" algn="l" defTabSz="914400" latinLnBrk="1">
+              <a:spcBef>
+                <a:spcPct val="20000"/>
+              </a:spcBef>
+              <a:buFont typeface="Arial" pitchFamily="2" charset="2"/>
+              <a:buChar char="–"/>
+              <a:defRPr sz="2000" kern="1200">
+                <a:solidFill>
+                  <a:schemeClr val="tx1"/>
+                </a:solidFill>
+                <a:latin typeface="+mn-lt"/>
+                <a:ea typeface="+mn-ea"/>
+                <a:cs typeface="+mn-cs"/>
+              </a:defRPr>
+            </a:lvl4pPr>
+            <a:lvl5pPr marL="2057400" indent="-228600" algn="l" defTabSz="914400" latinLnBrk="1">
+              <a:spcBef>
+                <a:spcPct val="20000"/>
+              </a:spcBef>
+              <a:buFont typeface="Arial" pitchFamily="2" charset="2"/>
+              <a:buChar char="»"/>
+              <a:defRPr sz="2000" kern="1200">
+                <a:solidFill>
+                  <a:schemeClr val="tx1"/>
+                </a:solidFill>
+                <a:latin typeface="+mn-lt"/>
+                <a:ea typeface="+mn-ea"/>
+                <a:cs typeface="+mn-cs"/>
+              </a:defRPr>
+            </a:lvl5pPr>
+            <a:lvl6pPr marL="2514600" indent="-228600" algn="l" defTabSz="914400" latinLnBrk="1">
+              <a:spcBef>
+                <a:spcPct val="20000"/>
+              </a:spcBef>
+              <a:buFont typeface="Arial" pitchFamily="2" charset="2"/>
+              <a:buChar char="•"/>
+              <a:defRPr sz="2000" kern="1200">
+                <a:solidFill>
+                  <a:schemeClr val="tx1"/>
+                </a:solidFill>
+                <a:latin typeface="+mn-lt"/>
+                <a:ea typeface="+mn-ea"/>
+                <a:cs typeface="+mn-cs"/>
+              </a:defRPr>
+            </a:lvl6pPr>
+            <a:lvl7pPr marL="2971800" indent="-228600" algn="l" defTabSz="914400" latinLnBrk="1">
+              <a:spcBef>
+                <a:spcPct val="20000"/>
+              </a:spcBef>
+              <a:buFont typeface="Arial" pitchFamily="2" charset="2"/>
+              <a:buChar char="•"/>
+              <a:defRPr sz="2000" kern="1200">
+                <a:solidFill>
+                  <a:schemeClr val="tx1"/>
+                </a:solidFill>
+                <a:latin typeface="+mn-lt"/>
+                <a:ea typeface="+mn-ea"/>
+                <a:cs typeface="+mn-cs"/>
+              </a:defRPr>
+            </a:lvl7pPr>
+            <a:lvl8pPr marL="3429000" indent="-228600" algn="l" defTabSz="914400" latinLnBrk="1">
+              <a:spcBef>
+                <a:spcPct val="20000"/>
+              </a:spcBef>
+              <a:buFont typeface="Arial" pitchFamily="2" charset="2"/>
+              <a:buChar char="•"/>
+              <a:defRPr sz="2000" kern="1200">
+                <a:solidFill>
+                  <a:schemeClr val="tx1"/>
+                </a:solidFill>
+                <a:latin typeface="+mn-lt"/>
+                <a:ea typeface="+mn-ea"/>
+                <a:cs typeface="+mn-cs"/>
+              </a:defRPr>
+            </a:lvl8pPr>
+            <a:lvl9pPr marL="3886200" indent="-228600" algn="l" defTabSz="914400" latinLnBrk="1">
+              <a:spcBef>
+                <a:spcPct val="20000"/>
+              </a:spcBef>
+              <a:buFont typeface="Arial" pitchFamily="2" charset="2"/>
+              <a:buChar char="•"/>
+              <a:defRPr sz="2000" kern="1200">
+                <a:solidFill>
+                  <a:schemeClr val="tx1"/>
+                </a:solidFill>
+                <a:latin typeface="+mn-lt"/>
+                <a:ea typeface="+mn-ea"/>
+                <a:cs typeface="+mn-cs"/>
+              </a:defRPr>
+            </a:lvl9pPr>
+          </a:lstStyle>
+          <a:p>
+            <a:pPr marL="342900" indent="-342900" algn="l" defTabSz="914400" latinLnBrk="1">
+              <a:spcBef>
+                <a:spcPct val="20000"/>
+              </a:spcBef>
+              <a:buNone/>
+            </a:pPr>
+            <a:r>
+              <a:rPr lang="ko-KR" altLang="en-US" sz="1200" kern="1200">
+                <a:solidFill>
+                  <a:srgbClr val="0070C0"/>
+                </a:solidFill>
+                <a:latin typeface="나눔고딕"/>
+                <a:ea typeface="나눔고딕"/>
+                <a:cs typeface="+mn-cs"/>
+              </a:rPr>
+              <a:t>삽입</a:t>
+            </a:r>
+            <a:r>
+              <a:rPr lang="en-US" altLang="en-US" sz="1200" kern="1200">
+                <a:solidFill>
+                  <a:srgbClr val="0070C0"/>
+                </a:solidFill>
+                <a:latin typeface="나눔고딕"/>
+                <a:ea typeface="나눔고딕"/>
+                <a:cs typeface="+mn-cs"/>
+              </a:rPr>
+              <a:t> </a:t>
+            </a:r>
+            <a:r>
+              <a:rPr lang="en-US" altLang="ko-KR" sz="1200" kern="1200">
+                <a:solidFill>
+                  <a:srgbClr val="0070C0"/>
+                </a:solidFill>
+                <a:latin typeface="나눔고딕"/>
+                <a:ea typeface="나눔고딕"/>
+                <a:cs typeface="+mn-cs"/>
+              </a:rPr>
+              <a:t>&gt; </a:t>
+            </a:r>
+            <a:r>
+              <a:rPr lang="ko-KR" altLang="en-US" sz="1200" kern="1200">
+                <a:solidFill>
+                  <a:srgbClr val="0070C0"/>
+                </a:solidFill>
+                <a:latin typeface="나눔고딕"/>
+                <a:ea typeface="나눔고딕"/>
+                <a:cs typeface="+mn-cs"/>
+              </a:rPr>
+              <a:t>도형</a:t>
+            </a:r>
+            <a:r>
+              <a:rPr lang="en-US" altLang="en-US" sz="1200" kern="1200">
+                <a:solidFill>
+                  <a:srgbClr val="0070C0"/>
+                </a:solidFill>
+                <a:latin typeface="나눔고딕"/>
+                <a:ea typeface="나눔고딕"/>
+                <a:cs typeface="+mn-cs"/>
+              </a:rPr>
+              <a:t> </a:t>
+            </a:r>
+            <a:r>
+              <a:rPr lang="ko-KR" altLang="en-US" sz="1200" kern="1200">
+                <a:solidFill>
+                  <a:srgbClr val="3D3C3E"/>
+                </a:solidFill>
+                <a:latin typeface="나눔고딕"/>
+                <a:ea typeface="나눔고딕"/>
+                <a:cs typeface="+mn-cs"/>
+              </a:rPr>
+              <a:t>또는</a:t>
+            </a:r>
+            <a:r>
+              <a:rPr lang="en-US" altLang="en-US" sz="1200" kern="1200">
+                <a:solidFill>
+                  <a:srgbClr val="3D3C3E"/>
+                </a:solidFill>
+                <a:latin typeface="나눔고딕"/>
+                <a:ea typeface="나눔고딕"/>
+                <a:cs typeface="+mn-cs"/>
+              </a:rPr>
+              <a:t> </a:t>
+            </a:r>
+            <a:r>
+              <a:rPr lang="en-US" altLang="ko-KR" sz="1200" kern="1200">
+                <a:solidFill>
+                  <a:srgbClr val="0070C0"/>
+                </a:solidFill>
+                <a:latin typeface="나눔고딕"/>
+                <a:ea typeface="나눔고딕"/>
+                <a:cs typeface="+mn-cs"/>
+              </a:rPr>
+              <a:t>SmartArt</a:t>
+            </a:r>
+            <a:r>
+              <a:rPr lang="ko-KR" altLang="en-US" sz="1200" kern="1200">
+                <a:solidFill>
+                  <a:srgbClr val="3D3C3E"/>
+                </a:solidFill>
+                <a:latin typeface="나눔고딕"/>
+                <a:ea typeface="나눔고딕"/>
+                <a:cs typeface="+mn-cs"/>
+              </a:rPr>
+              <a:t>를</a:t>
+            </a:r>
+            <a:r>
+              <a:rPr lang="en-US" altLang="en-US" sz="1200" kern="1200">
+                <a:solidFill>
+                  <a:srgbClr val="3D3C3E"/>
+                </a:solidFill>
+                <a:latin typeface="나눔고딕"/>
+                <a:ea typeface="나눔고딕"/>
+                <a:cs typeface="+mn-cs"/>
+              </a:rPr>
+              <a:t> </a:t>
+            </a:r>
+            <a:r>
+              <a:rPr lang="ko-KR" altLang="en-US" sz="1200" kern="1200">
+                <a:solidFill>
+                  <a:srgbClr val="3D3C3E"/>
+                </a:solidFill>
+                <a:latin typeface="나눔고딕"/>
+                <a:ea typeface="나눔고딕"/>
+                <a:cs typeface="+mn-cs"/>
+              </a:rPr>
+              <a:t>이용하여</a:t>
+            </a:r>
+          </a:p>
+          <a:p>
+            <a:pPr marL="342900" indent="-342900" algn="l" defTabSz="914400" latinLnBrk="1">
+              <a:spcBef>
+                <a:spcPct val="20000"/>
+              </a:spcBef>
+              <a:buNone/>
+            </a:pPr>
+            <a:r>
+              <a:rPr lang="ko-KR" altLang="en-US" sz="1200" kern="1200">
+                <a:solidFill>
+                  <a:srgbClr val="3D3C3E"/>
+                </a:solidFill>
+                <a:latin typeface="나눔고딕"/>
+                <a:ea typeface="나눔고딕"/>
+                <a:cs typeface="+mn-cs"/>
+              </a:rPr>
+              <a:t>다양한</a:t>
+            </a:r>
+            <a:r>
+              <a:rPr lang="en-US" altLang="en-US" sz="1200" kern="1200">
+                <a:solidFill>
+                  <a:srgbClr val="3D3C3E"/>
+                </a:solidFill>
+                <a:latin typeface="나눔고딕"/>
+                <a:ea typeface="나눔고딕"/>
+                <a:cs typeface="+mn-cs"/>
+              </a:rPr>
+              <a:t> </a:t>
+            </a:r>
+            <a:r>
+              <a:rPr lang="ko-KR" altLang="en-US" sz="1200" kern="1200">
+                <a:solidFill>
+                  <a:srgbClr val="3D3C3E"/>
+                </a:solidFill>
+                <a:latin typeface="나눔고딕"/>
+                <a:ea typeface="나눔고딕"/>
+                <a:cs typeface="+mn-cs"/>
+              </a:rPr>
+              <a:t>도형</a:t>
+            </a:r>
+            <a:r>
+              <a:rPr lang="en-US" altLang="en-US" sz="1200" kern="1200">
+                <a:solidFill>
+                  <a:srgbClr val="3D3C3E"/>
+                </a:solidFill>
+                <a:latin typeface="나눔고딕"/>
+                <a:ea typeface="나눔고딕"/>
+                <a:cs typeface="+mn-cs"/>
+              </a:rPr>
+              <a:t> </a:t>
+            </a:r>
+            <a:r>
+              <a:rPr lang="ko-KR" altLang="en-US" sz="1200" kern="1200">
+                <a:solidFill>
+                  <a:srgbClr val="3D3C3E"/>
+                </a:solidFill>
+                <a:latin typeface="나눔고딕"/>
+                <a:ea typeface="나눔고딕"/>
+                <a:cs typeface="+mn-cs"/>
+              </a:rPr>
+              <a:t>및</a:t>
+            </a:r>
+            <a:r>
+              <a:rPr lang="en-US" altLang="en-US" sz="1200" kern="1200">
+                <a:solidFill>
+                  <a:srgbClr val="3D3C3E"/>
+                </a:solidFill>
+                <a:latin typeface="나눔고딕"/>
+                <a:ea typeface="나눔고딕"/>
+                <a:cs typeface="+mn-cs"/>
+              </a:rPr>
+              <a:t> </a:t>
+            </a:r>
+            <a:r>
+              <a:rPr lang="ko-KR" altLang="en-US" sz="1200" kern="1200">
+                <a:solidFill>
+                  <a:srgbClr val="3D3C3E"/>
+                </a:solidFill>
+                <a:latin typeface="나눔고딕"/>
+                <a:ea typeface="나눔고딕"/>
+                <a:cs typeface="+mn-cs"/>
+              </a:rPr>
+              <a:t>다이어그램을</a:t>
+            </a:r>
+            <a:r>
+              <a:rPr lang="en-US" altLang="en-US" sz="1200" kern="1200">
+                <a:solidFill>
+                  <a:srgbClr val="3D3C3E"/>
+                </a:solidFill>
+                <a:latin typeface="나눔고딕"/>
+                <a:ea typeface="나눔고딕"/>
+                <a:cs typeface="+mn-cs"/>
+              </a:rPr>
+              <a:t> </a:t>
+            </a:r>
+            <a:r>
+              <a:rPr lang="ko-KR" altLang="en-US" sz="1200" kern="1200">
+                <a:solidFill>
+                  <a:srgbClr val="3D3C3E"/>
+                </a:solidFill>
+                <a:latin typeface="나눔고딕"/>
+                <a:ea typeface="나눔고딕"/>
+                <a:cs typeface="+mn-cs"/>
+              </a:rPr>
+              <a:t>구현할</a:t>
+            </a:r>
+            <a:r>
+              <a:rPr lang="en-US" altLang="en-US" sz="1200" kern="1200">
+                <a:solidFill>
+                  <a:srgbClr val="3D3C3E"/>
+                </a:solidFill>
+                <a:latin typeface="나눔고딕"/>
+                <a:ea typeface="나눔고딕"/>
+                <a:cs typeface="+mn-cs"/>
+              </a:rPr>
+              <a:t> </a:t>
+            </a:r>
+            <a:r>
+              <a:rPr lang="ko-KR" altLang="en-US" sz="1200" kern="1200">
+                <a:solidFill>
+                  <a:srgbClr val="3D3C3E"/>
+                </a:solidFill>
+                <a:latin typeface="나눔고딕"/>
+                <a:ea typeface="나눔고딕"/>
+                <a:cs typeface="+mn-cs"/>
+              </a:rPr>
+              <a:t>수</a:t>
+            </a:r>
+            <a:r>
+              <a:rPr lang="en-US" altLang="en-US" sz="1200" kern="1200">
+                <a:solidFill>
+                  <a:srgbClr val="3D3C3E"/>
+                </a:solidFill>
+                <a:latin typeface="나눔고딕"/>
+                <a:ea typeface="나눔고딕"/>
+                <a:cs typeface="+mn-cs"/>
+              </a:rPr>
+              <a:t> </a:t>
+            </a:r>
+            <a:r>
+              <a:rPr lang="ko-KR" altLang="en-US" sz="1200" kern="1200">
+                <a:solidFill>
+                  <a:srgbClr val="3D3C3E"/>
+                </a:solidFill>
+                <a:latin typeface="나눔고딕"/>
+                <a:ea typeface="나눔고딕"/>
+                <a:cs typeface="+mn-cs"/>
+              </a:rPr>
+              <a:t>있습니다</a:t>
+            </a:r>
+            <a:r>
+              <a:rPr lang="en-US" altLang="ko-KR" sz="1200" kern="1200">
+                <a:solidFill>
+                  <a:srgbClr val="3D3C3E"/>
+                </a:solidFill>
+                <a:latin typeface="나눔고딕"/>
+                <a:ea typeface="나눔고딕"/>
+                <a:cs typeface="+mn-cs"/>
+              </a:rPr>
+              <a:t>.</a:t>
+            </a:r>
+            <a:endParaRPr sz="1200" kern="1200">
+              <a:solidFill>
+                <a:srgbClr val="3D3C3E"/>
+              </a:solidFill>
+              <a:latin typeface="나눔고딕"/>
+              <a:ea typeface="나눔고딕"/>
+              <a:cs typeface="+mn-cs"/>
+            </a:endParaRPr>
+          </a:p>
+        </p:txBody>
+      </p:sp>
+      <p:sp>
+        <p:nvSpPr>
+          <p:cNvPr id="16" name="slide7_shape13"/>
+          <p:cNvSpPr/>
+          <p:nvPr/>
+        </p:nvSpPr>
+        <p:spPr>
+          <a:xfrm>
+            <a:off x="7277411" y="195231"/>
+            <a:ext cx="1584176" cy="215444"/>
+          </a:xfrm>
+          <a:prstGeom prst="rect">
+            <a:avLst/>
+          </a:prstGeom>
+          <a:noFill/>
+        </p:spPr>
+        <p:txBody>
+          <a:bodyPr wrap="square">
+            <a:spAutoFit/>
+          </a:bodyPr>
+          <a:lstStyle/>
+          <a:p>
+            <a:pPr marL="0" algn="r" defTabSz="914400" latinLnBrk="1"/>
+            <a:fld id="{4BEDD84E-25D4-4983-8AA1-2863C96F08D9}" type="slidenum">
+              <a:rPr lang="en-US" sz="800" kern="1200" spc="-30">
+                <a:solidFill>
+                  <a:schemeClr val="tx1">
+                    <a:lumMod val="95000"/>
+                    <a:lumOff val="5000"/>
+                  </a:schemeClr>
+                </a:solidFill>
+                <a:latin typeface="나눔고딕"/>
+                <a:ea typeface="나눔고딕"/>
+                <a:cs typeface="+mn-cs"/>
+              </a:rPr>
+              <a:t>11</a:t>
+            </a:fld>
+            <a:r>
+              <a:rPr lang="en-US" altLang="ko-KR" sz="800" kern="1200" spc="-30">
+                <a:solidFill>
+                  <a:schemeClr val="tx1">
+                    <a:lumMod val="95000"/>
+                    <a:lumOff val="5000"/>
+                  </a:schemeClr>
+                </a:solidFill>
+                <a:latin typeface="나눔고딕"/>
+                <a:ea typeface="나눔고딕"/>
+                <a:cs typeface="+mn-cs"/>
+              </a:rPr>
+              <a:t> / 14</a:t>
+            </a:r>
+            <a:endParaRPr sz="800" kern="1200" spc="-30">
+              <a:solidFill>
+                <a:schemeClr val="tx1">
+                  <a:lumMod val="95000"/>
+                  <a:lumOff val="5000"/>
+                </a:schemeClr>
+              </a:solidFill>
+              <a:latin typeface="나눔고딕"/>
+              <a:ea typeface="나눔고딕"/>
+              <a:cs typeface="+mn-cs"/>
+            </a:endParaRPr>
+          </a:p>
+        </p:txBody>
+      </p:sp>
+      <p:sp>
+        <p:nvSpPr>
+          <p:cNvPr id="17" name="slide7_shape14"/>
+          <p:cNvSpPr>
+            <a:spLocks noGrp="1"/>
+          </p:cNvSpPr>
+          <p:nvPr>
+            <p:ph type="title"/>
+          </p:nvPr>
+        </p:nvSpPr>
+        <p:spPr>
+          <a:xfrm>
+            <a:off x="257174" y="533399"/>
+            <a:ext cx="8372475" cy="912813"/>
+          </a:xfrm>
+          <a:prstGeom prst="rect">
+            <a:avLst/>
+          </a:prstGeom>
+        </p:spPr>
+        <p:txBody>
+          <a:bodyPr lIns="91440" tIns="45720" rIns="91440" bIns="45720" anchor="ctr"/>
+          <a:lstStyle>
+            <a:lvl1pPr>
+              <a:defRPr>
+                <a:latin typeface="나눔고딕"/>
+                <a:ea typeface="나눔고딕"/>
+              </a:defRPr>
+            </a:lvl1pPr>
+          </a:lstStyle>
+          <a:p>
+            <a:pPr algn="l" defTabSz="914400" latinLnBrk="1">
+              <a:spcBef>
+                <a:spcPct val="0"/>
+              </a:spcBef>
+              <a:buNone/>
+            </a:pPr>
+            <a:r>
+              <a:rPr lang="ko-KR" altLang="en-US" sz="4000" b="1" kern="1200" spc="-150">
+                <a:solidFill>
+                  <a:srgbClr val="1D314E"/>
+                </a:solidFill>
+                <a:latin typeface="나눔고딕"/>
+                <a:ea typeface="나눔고딕"/>
+                <a:cs typeface="+mj-cs"/>
+              </a:rPr>
+              <a:t>도형</a:t>
+            </a:r>
+            <a:endParaRPr sz="4000" b="1" kern="1200" spc="-150">
+              <a:solidFill>
+                <a:srgbClr val="1D314E"/>
+              </a:solidFill>
+              <a:latin typeface="나눔고딕"/>
+              <a:ea typeface="나눔고딕"/>
+              <a:cs typeface="+mj-cs"/>
+            </a:endParaRPr>
+          </a:p>
+        </p:txBody>
+      </p:sp>
+    </p:spTree>
+  </p:cSld>
+  <p:clrMapOvr>
+    <a:masterClrMapping/>
+  </p:clrMapOvr>
+</p:sld>
+</file>
+
+<file path=ppt/slides/slide12.xml><?xml version="1.0" encoding="utf-8"?>
+<p:sld xmlns:a="http://schemas.openxmlformats.org/drawingml/2006/main" xmlns:r="http://schemas.openxmlformats.org/officeDocument/2006/relationships" xmlns:p="http://schemas.openxmlformats.org/presentationml/2006/main">
+  <p:cSld>
+    <p:spTree>
+      <p:nvGrpSpPr>
+        <p:cNvPr id="1" name=""/>
+        <p:cNvGrpSpPr/>
+        <p:nvPr/>
+      </p:nvGrpSpPr>
+      <p:grpSpPr>
+        <a:xfrm>
+          <a:off x="0" y="0"/>
+          <a:ext cx="0" cy="0"/>
+          <a:chOff x="0" y="0"/>
+          <a:chExt cx="0" cy="0"/>
+        </a:xfrm>
+      </p:grpSpPr>
+      <p:sp>
+        <p:nvSpPr>
           <p:cNvPr id="3" name="slide8_shape1"/>
           <p:cNvSpPr/>
           <p:nvPr/>
@@ -5852,7 +9833,7 @@
                 <a:ea typeface="나눔고딕"/>
                 <a:cs typeface="+mn-cs"/>
               </a:rPr>
-              <a:t>10</a:t>
+              <a:t>12</a:t>
             </a:fld>
             <a:r>
               <a:rPr lang="en-US" altLang="ko-KR" sz="800" kern="1200" spc="-30">
@@ -5890,7 +9871,7 @@
 </p:sld>
 </file>
 
-<file path=ppt/slides/slide11.xml><?xml version="1.0" encoding="utf-8"?>
+<file path=ppt/slides/slide13.xml><?xml version="1.0" encoding="utf-8"?>
 <p:sld xmlns:a="http://schemas.openxmlformats.org/drawingml/2006/main" xmlns:r="http://schemas.openxmlformats.org/officeDocument/2006/relationships" xmlns:p="http://schemas.openxmlformats.org/presentationml/2006/main">
   <p:cSld>
     <p:spTree>
@@ -7064,7 +11045,7 @@
                 <a:ea typeface="나눔고딕"/>
                 <a:cs typeface="+mn-cs"/>
               </a:rPr>
-              <a:t>11</a:t>
+              <a:t>13</a:t>
             </a:fld>
             <a:r>
               <a:rPr lang="en-US" altLang="ko-KR" sz="800" kern="1200" spc="-30">
@@ -7102,7 +11083,7 @@
 </p:sld>
 </file>
 
-<file path=ppt/slides/slide12.xml><?xml version="1.0" encoding="utf-8"?>
+<file path=ppt/slides/slide14.xml><?xml version="1.0" encoding="utf-8"?>
 <p:sld xmlns:a="http://schemas.openxmlformats.org/drawingml/2006/main" xmlns:r="http://schemas.openxmlformats.org/officeDocument/2006/relationships" xmlns:p="http://schemas.openxmlformats.org/presentationml/2006/main">
   <p:cSld>
     <p:spTree>
@@ -8258,7 +12239,7 @@
                 <a:ea typeface="나눔고딕"/>
                 <a:cs typeface="+mn-cs"/>
               </a:rPr>
-              <a:t>12</a:t>
+              <a:t>14</a:t>
             </a:fld>
             <a:r>
               <a:rPr lang="en-US" altLang="ko-KR" sz="800" kern="1200" spc="-30">
@@ -8320,7 +12301,7 @@
 </p:sld>
 </file>
 
-<file path=ppt/slides/slide13.xml><?xml version="1.0" encoding="utf-8"?>
+<file path=ppt/slides/slide15.xml><?xml version="1.0" encoding="utf-8"?>
 <p:sld xmlns:a="http://schemas.openxmlformats.org/drawingml/2006/main" xmlns:r="http://schemas.openxmlformats.org/officeDocument/2006/relationships" xmlns:p="http://schemas.openxmlformats.org/presentationml/2006/main">
   <p:cSld>
     <p:spTree>
@@ -9476,7 +13457,7 @@
                 <a:ea typeface="나눔고딕"/>
                 <a:cs typeface="+mn-cs"/>
               </a:rPr>
-              <a:t>13</a:t>
+              <a:t>15</a:t>
             </a:fld>
             <a:r>
               <a:rPr lang="en-US" altLang="ko-KR" sz="800" kern="1200" spc="-30">
@@ -9538,7 +13519,7 @@
 </p:sld>
 </file>
 
-<file path=ppt/slides/slide14.xml><?xml version="1.0" encoding="utf-8"?>
+<file path=ppt/slides/slide16.xml><?xml version="1.0" encoding="utf-8"?>
 <p:sld xmlns:a="http://schemas.openxmlformats.org/drawingml/2006/main" xmlns:r="http://schemas.openxmlformats.org/officeDocument/2006/relationships" xmlns:p="http://schemas.openxmlformats.org/presentationml/2006/main">
   <p:cSld>
     <p:spTree>
@@ -12110,7 +16091,7 @@
                 <a:ea typeface="나눔고딕"/>
                 <a:cs typeface="+mn-cs"/>
               </a:rPr>
-              <a:t>14</a:t>
+              <a:t>16</a:t>
             </a:fld>
             <a:r>
               <a:rPr lang="en-US" altLang="ko-KR" sz="800" kern="1200" spc="-30">
@@ -12246,7 +16227,7 @@
 </p:sld>
 </file>
 
-<file path=ppt/slides/slide15.xml><?xml version="1.0" encoding="utf-8"?>
+<file path=ppt/slides/slide17.xml><?xml version="1.0" encoding="utf-8"?>
 <p:sld xmlns:a="http://schemas.openxmlformats.org/drawingml/2006/main" xmlns:r="http://schemas.openxmlformats.org/officeDocument/2006/relationships" xmlns:p="http://schemas.openxmlformats.org/presentationml/2006/main">
   <p:cSld>
     <p:spTree>
@@ -15642,7 +19623,7 @@
                 <a:ea typeface="나눔고딕"/>
                 <a:cs typeface="+mn-cs"/>
               </a:rPr>
-              <a:t>15</a:t>
+              <a:t>17</a:t>
             </a:fld>
             <a:r>
               <a:rPr lang="en-US" altLang="ko-KR" sz="800" kern="1200" spc="-30">
@@ -15738,7 +19719,7 @@
 </p:sld>
 </file>
 
-<file path=ppt/slides/slide16.xml><?xml version="1.0" encoding="utf-8"?>
+<file path=ppt/slides/slide18.xml><?xml version="1.0" encoding="utf-8"?>
 <p:sld xmlns:a="http://schemas.openxmlformats.org/drawingml/2006/main" xmlns:r="http://schemas.openxmlformats.org/officeDocument/2006/relationships" xmlns:p="http://schemas.openxmlformats.org/presentationml/2006/main">
   <p:cSld>
     <p:spTree>
@@ -18145,8 +22126,8 @@
           </a:prstGeom>
         </p:spPr>
       </p:pic>
-      <mc:AlternateContent xmlns:mc="http://schemas.openxmlformats.org/markup-compatibility/2006">
-        <mc:Choice xmlns:a14="http://schemas.microsoft.com/office/drawing/2010/main" Requires="a14">
+      <mc:AlternateContent xmlns:mc="http://schemas.openxmlformats.org/markup-compatibility/2006" xmlns:a14="http://schemas.microsoft.com/office/drawing/2010/main">
+        <mc:Choice Requires="a14">
           <p:sp>
             <p:nvSpPr>
               <p:cNvPr id="11" name="TextBox 10">
@@ -18278,7 +22259,7 @@
             </p:txBody>
           </p:sp>
         </mc:Choice>
-        <mc:Fallback>
+        <mc:Fallback xmlns="">
           <p:sp>
             <p:nvSpPr>
               <p:cNvPr id="11" name="TextBox 10">
@@ -19148,8 +23129,8 @@
           </a:p>
         </p:txBody>
       </p:sp>
-      <mc:AlternateContent xmlns:mc="http://schemas.openxmlformats.org/markup-compatibility/2006">
-        <mc:Choice xmlns:a14="http://schemas.microsoft.com/office/drawing/2010/main" Requires="a14">
+      <mc:AlternateContent xmlns:mc="http://schemas.openxmlformats.org/markup-compatibility/2006" xmlns:a14="http://schemas.microsoft.com/office/drawing/2010/main">
+        <mc:Choice Requires="a14">
           <p:sp>
             <p:nvSpPr>
               <p:cNvPr id="15" name="TextBox 14">
@@ -19281,7 +23262,7 @@
             </p:txBody>
           </p:sp>
         </mc:Choice>
-        <mc:Fallback>
+        <mc:Fallback xmlns="">
           <p:sp>
             <p:nvSpPr>
               <p:cNvPr id="15" name="TextBox 14">
@@ -19448,33 +23429,36 @@
       </p:grpSpPr>
       <p:pic>
         <p:nvPicPr>
-          <p:cNvPr id="16" name="그림 15">
+          <p:cNvPr id="8" name="bandicam 2020-04-12 16-22-55-964">
+            <a:hlinkClick r:id="" action="ppaction://media"/>
             <a:extLst>
               <a:ext uri="{FF2B5EF4-FFF2-40B4-BE49-F238E27FC236}">
-                <a16:creationId xmlns:a16="http://schemas.microsoft.com/office/drawing/2014/main" id="{284FB91F-D2A2-45FC-84AB-4918A64DF39A}"/>
+                <a16:creationId xmlns:a16="http://schemas.microsoft.com/office/drawing/2014/main" id="{4189CFC7-27DA-42B8-8F20-1F59F9C99D1A}"/>
               </a:ext>
             </a:extLst>
           </p:cNvPr>
           <p:cNvPicPr>
             <a:picLocks noChangeAspect="1"/>
           </p:cNvPicPr>
-          <p:nvPr/>
+          <p:nvPr>
+            <a:videoFile r:link="rId2"/>
+            <p:extLst>
+              <p:ext uri="{DAA4B4D4-6D71-4841-9C94-3DE7FCFB9230}">
+                <p14:media xmlns:p14="http://schemas.microsoft.com/office/powerpoint/2010/main" r:embed="rId1"/>
+              </p:ext>
+            </p:extLst>
+          </p:nvPr>
         </p:nvPicPr>
-        <p:blipFill rotWithShape="1">
-          <a:blip r:embed="rId2">
-            <a:extLst>
-              <a:ext uri="{28A0092B-C50C-407E-A947-70E740481C1C}">
-                <a14:useLocalDpi xmlns:a14="http://schemas.microsoft.com/office/drawing/2010/main" val="0"/>
-              </a:ext>
-            </a:extLst>
-          </a:blip>
-          <a:srcRect r="12945"/>
-          <a:stretch/>
+        <p:blipFill>
+          <a:blip r:embed="rId4"/>
+          <a:stretch>
+            <a:fillRect/>
+          </a:stretch>
         </p:blipFill>
         <p:spPr>
           <a:xfrm>
-            <a:off x="107504" y="1598853"/>
-            <a:ext cx="4387564" cy="2520000"/>
+            <a:off x="750155" y="1772816"/>
+            <a:ext cx="7489825" cy="4484687"/>
           </a:xfrm>
           <a:prstGeom prst="rect">
             <a:avLst/>
@@ -19968,6 +23952,1481 @@
       </p:sp>
       <p:sp>
         <p:nvSpPr>
+          <p:cNvPr id="20" name="TextBox 19">
+            <a:extLst>
+              <a:ext uri="{FF2B5EF4-FFF2-40B4-BE49-F238E27FC236}">
+                <a16:creationId xmlns:a16="http://schemas.microsoft.com/office/drawing/2014/main" id="{F2DC7D8B-8209-4F23-B20F-20ACCB97F496}"/>
+              </a:ext>
+            </a:extLst>
+          </p:cNvPr>
+          <p:cNvSpPr txBox="1"/>
+          <p:nvPr/>
+        </p:nvSpPr>
+        <p:spPr>
+          <a:xfrm>
+            <a:off x="3734940" y="1764279"/>
+            <a:ext cx="3789387" cy="369332"/>
+          </a:xfrm>
+          <a:prstGeom prst="rect">
+            <a:avLst/>
+          </a:prstGeom>
+          <a:solidFill>
+            <a:schemeClr val="bg1"/>
+          </a:solidFill>
+        </p:spPr>
+        <p:txBody>
+          <a:bodyPr wrap="square" rtlCol="0">
+            <a:spAutoFit/>
+          </a:bodyPr>
+          <a:lstStyle/>
+          <a:p>
+            <a:r>
+              <a:rPr lang="ko-KR" altLang="en-US" dirty="0"/>
+              <a:t>시간별 </a:t>
+            </a:r>
+            <a:r>
+              <a:rPr lang="ko-KR" altLang="en-US" dirty="0" err="1"/>
+              <a:t>유출입</a:t>
+            </a:r>
+            <a:r>
+              <a:rPr lang="ko-KR" altLang="en-US" dirty="0"/>
+              <a:t> 인구 시각화</a:t>
+            </a:r>
+          </a:p>
+        </p:txBody>
+      </p:sp>
+    </p:spTree>
+    <p:extLst>
+      <p:ext uri="{BB962C8B-B14F-4D97-AF65-F5344CB8AC3E}">
+        <p14:creationId xmlns:p14="http://schemas.microsoft.com/office/powerpoint/2010/main" val="3885794540"/>
+      </p:ext>
+    </p:extLst>
+  </p:cSld>
+  <p:clrMapOvr>
+    <a:masterClrMapping/>
+  </p:clrMapOvr>
+  <p:timing>
+    <p:tnLst>
+      <p:par>
+        <p:cTn id="1" dur="indefinite" restart="never" nodeType="tmRoot">
+          <p:childTnLst>
+            <p:seq concurrent="1" nextAc="seek">
+              <p:cTn id="2" dur="indefinite" nodeType="mainSeq">
+                <p:childTnLst>
+                  <p:par>
+                    <p:cTn id="3" fill="hold">
+                      <p:stCondLst>
+                        <p:cond delay="indefinite"/>
+                      </p:stCondLst>
+                      <p:childTnLst>
+                        <p:par>
+                          <p:cTn id="4" fill="hold">
+                            <p:stCondLst>
+                              <p:cond delay="0"/>
+                            </p:stCondLst>
+                            <p:childTnLst>
+                              <p:par>
+                                <p:cTn id="5" presetID="1" presetClass="mediacall" presetSubtype="0" fill="hold" nodeType="clickEffect">
+                                  <p:stCondLst>
+                                    <p:cond delay="0"/>
+                                  </p:stCondLst>
+                                  <p:childTnLst>
+                                    <p:cmd type="call" cmd="playFrom(0.0)">
+                                      <p:cBhvr>
+                                        <p:cTn id="6" dur="8267" fill="hold"/>
+                                        <p:tgtEl>
+                                          <p:spTgt spid="8"/>
+                                        </p:tgtEl>
+                                      </p:cBhvr>
+                                    </p:cmd>
+                                  </p:childTnLst>
+                                </p:cTn>
+                              </p:par>
+                            </p:childTnLst>
+                          </p:cTn>
+                        </p:par>
+                      </p:childTnLst>
+                    </p:cTn>
+                  </p:par>
+                </p:childTnLst>
+              </p:cTn>
+              <p:prevCondLst>
+                <p:cond evt="onPrev" delay="0">
+                  <p:tgtEl>
+                    <p:sldTgt/>
+                  </p:tgtEl>
+                </p:cond>
+              </p:prevCondLst>
+              <p:nextCondLst>
+                <p:cond evt="onNext" delay="0">
+                  <p:tgtEl>
+                    <p:sldTgt/>
+                  </p:tgtEl>
+                </p:cond>
+              </p:nextCondLst>
+            </p:seq>
+            <p:video>
+              <p:cMediaNode vol="80000">
+                <p:cTn id="7" fill="hold" display="0">
+                  <p:stCondLst>
+                    <p:cond delay="indefinite"/>
+                  </p:stCondLst>
+                </p:cTn>
+                <p:tgtEl>
+                  <p:spTgt spid="8"/>
+                </p:tgtEl>
+              </p:cMediaNode>
+            </p:video>
+            <p:seq concurrent="1" nextAc="seek">
+              <p:cTn id="8" restart="whenNotActive" fill="hold" evtFilter="cancelBubble" nodeType="interactiveSeq">
+                <p:stCondLst>
+                  <p:cond evt="onClick" delay="0">
+                    <p:tgtEl>
+                      <p:spTgt spid="8"/>
+                    </p:tgtEl>
+                  </p:cond>
+                </p:stCondLst>
+                <p:endSync evt="end" delay="0">
+                  <p:rtn val="all"/>
+                </p:endSync>
+                <p:childTnLst>
+                  <p:par>
+                    <p:cTn id="9" fill="hold">
+                      <p:stCondLst>
+                        <p:cond delay="0"/>
+                      </p:stCondLst>
+                      <p:childTnLst>
+                        <p:par>
+                          <p:cTn id="10" fill="hold">
+                            <p:stCondLst>
+                              <p:cond delay="0"/>
+                            </p:stCondLst>
+                            <p:childTnLst>
+                              <p:par>
+                                <p:cTn id="11" presetID="2" presetClass="mediacall" presetSubtype="0" fill="hold" nodeType="clickEffect">
+                                  <p:stCondLst>
+                                    <p:cond delay="0"/>
+                                  </p:stCondLst>
+                                  <p:childTnLst>
+                                    <p:cmd type="call" cmd="togglePause">
+                                      <p:cBhvr>
+                                        <p:cTn id="12" dur="1" fill="hold"/>
+                                        <p:tgtEl>
+                                          <p:spTgt spid="8"/>
+                                        </p:tgtEl>
+                                      </p:cBhvr>
+                                    </p:cmd>
+                                  </p:childTnLst>
+                                </p:cTn>
+                              </p:par>
+                            </p:childTnLst>
+                          </p:cTn>
+                        </p:par>
+                      </p:childTnLst>
+                    </p:cTn>
+                  </p:par>
+                </p:childTnLst>
+              </p:cTn>
+              <p:nextCondLst>
+                <p:cond evt="onClick" delay="0">
+                  <p:tgtEl>
+                    <p:spTgt spid="8"/>
+                  </p:tgtEl>
+                </p:cond>
+              </p:nextCondLst>
+            </p:seq>
+          </p:childTnLst>
+        </p:cTn>
+      </p:par>
+    </p:tnLst>
+  </p:timing>
+</p:sld>
+</file>
+
+<file path=ppt/slides/slide7.xml><?xml version="1.0" encoding="utf-8"?>
+<p:sld xmlns:a="http://schemas.openxmlformats.org/drawingml/2006/main" xmlns:r="http://schemas.openxmlformats.org/officeDocument/2006/relationships" xmlns:p="http://schemas.openxmlformats.org/presentationml/2006/main">
+  <p:cSld>
+    <p:spTree>
+      <p:nvGrpSpPr>
+        <p:cNvPr id="1" name=""/>
+        <p:cNvGrpSpPr/>
+        <p:nvPr/>
+      </p:nvGrpSpPr>
+      <p:grpSpPr>
+        <a:xfrm>
+          <a:off x="0" y="0"/>
+          <a:ext cx="0" cy="0"/>
+          <a:chOff x="0" y="0"/>
+          <a:chExt cx="0" cy="0"/>
+        </a:xfrm>
+      </p:grpSpPr>
+      <p:pic>
+        <p:nvPicPr>
+          <p:cNvPr id="2" name="bandicam 2020-04-12 16-56-43-667">
+            <a:hlinkClick r:id="" action="ppaction://media"/>
+            <a:extLst>
+              <a:ext uri="{FF2B5EF4-FFF2-40B4-BE49-F238E27FC236}">
+                <a16:creationId xmlns:a16="http://schemas.microsoft.com/office/drawing/2014/main" id="{F338F033-C7E4-43B2-A040-6C2344858B6C}"/>
+              </a:ext>
+            </a:extLst>
+          </p:cNvPr>
+          <p:cNvPicPr>
+            <a:picLocks noChangeAspect="1"/>
+          </p:cNvPicPr>
+          <p:nvPr>
+            <a:videoFile r:link="rId2"/>
+            <p:extLst>
+              <p:ext uri="{DAA4B4D4-6D71-4841-9C94-3DE7FCFB9230}">
+                <p14:media xmlns:p14="http://schemas.microsoft.com/office/powerpoint/2010/main" r:embed="rId1"/>
+              </p:ext>
+            </p:extLst>
+          </p:nvPr>
+        </p:nvPicPr>
+        <p:blipFill>
+          <a:blip r:embed="rId5"/>
+          <a:stretch>
+            <a:fillRect/>
+          </a:stretch>
+        </p:blipFill>
+        <p:spPr>
+          <a:xfrm>
+            <a:off x="822890" y="1833110"/>
+            <a:ext cx="7489825" cy="4484687"/>
+          </a:xfrm>
+          <a:prstGeom prst="rect">
+            <a:avLst/>
+          </a:prstGeom>
+        </p:spPr>
+      </p:pic>
+      <p:sp>
+        <p:nvSpPr>
+          <p:cNvPr id="3" name="slide5_shape1"/>
+          <p:cNvSpPr/>
+          <p:nvPr/>
+        </p:nvSpPr>
+        <p:spPr>
+          <a:xfrm>
+            <a:off x="263455" y="195231"/>
+            <a:ext cx="1584176" cy="215444"/>
+          </a:xfrm>
+          <a:prstGeom prst="rect">
+            <a:avLst/>
+          </a:prstGeom>
+          <a:noFill/>
+        </p:spPr>
+        <p:txBody>
+          <a:bodyPr wrap="square">
+            <a:spAutoFit/>
+          </a:bodyPr>
+          <a:lstStyle/>
+          <a:p>
+            <a:pPr marL="0" algn="l" defTabSz="914400" latinLnBrk="1"/>
+            <a:r>
+              <a:rPr lang="en-US" altLang="ko-KR" sz="800" kern="1200" spc="-30" dirty="0">
+                <a:solidFill>
+                  <a:schemeClr val="tx1">
+                    <a:lumMod val="95000"/>
+                    <a:lumOff val="5000"/>
+                  </a:schemeClr>
+                </a:solidFill>
+                <a:latin typeface="나눔고딕"/>
+                <a:ea typeface="나눔고딕"/>
+                <a:cs typeface="+mn-cs"/>
+              </a:rPr>
+              <a:t>1</a:t>
+            </a:r>
+            <a:r>
+              <a:rPr lang="en-US" altLang="ko-KR" sz="800" spc="-30" dirty="0">
+                <a:solidFill>
+                  <a:schemeClr val="tx1">
+                    <a:lumMod val="95000"/>
+                    <a:lumOff val="5000"/>
+                  </a:schemeClr>
+                </a:solidFill>
+                <a:latin typeface="나눔고딕"/>
+                <a:ea typeface="나눔고딕"/>
+              </a:rPr>
+              <a:t>.</a:t>
+            </a:r>
+            <a:r>
+              <a:rPr lang="en-US" altLang="ko-KR" sz="800" kern="1200" spc="-30" dirty="0">
+                <a:solidFill>
+                  <a:schemeClr val="tx1">
+                    <a:lumMod val="95000"/>
+                    <a:lumOff val="5000"/>
+                  </a:schemeClr>
+                </a:solidFill>
+                <a:latin typeface="나눔고딕"/>
+                <a:ea typeface="나눔고딕"/>
+                <a:cs typeface="+mn-cs"/>
+              </a:rPr>
+              <a:t> </a:t>
+            </a:r>
+            <a:r>
+              <a:rPr lang="ko-KR" altLang="en-US" sz="800" kern="1200" spc="-30" dirty="0">
+                <a:solidFill>
+                  <a:schemeClr val="tx1">
+                    <a:lumMod val="95000"/>
+                    <a:lumOff val="5000"/>
+                  </a:schemeClr>
+                </a:solidFill>
+                <a:latin typeface="나눔고딕"/>
+                <a:ea typeface="나눔고딕"/>
+                <a:cs typeface="+mn-cs"/>
+              </a:rPr>
+              <a:t>핵심 시간대 분석</a:t>
+            </a:r>
+            <a:endParaRPr sz="800" kern="1200" spc="-30" dirty="0">
+              <a:solidFill>
+                <a:schemeClr val="tx1">
+                  <a:lumMod val="95000"/>
+                  <a:lumOff val="5000"/>
+                </a:schemeClr>
+              </a:solidFill>
+              <a:latin typeface="나눔고딕"/>
+              <a:ea typeface="나눔고딕"/>
+              <a:cs typeface="+mn-cs"/>
+            </a:endParaRPr>
+          </a:p>
+        </p:txBody>
+      </p:sp>
+      <p:cxnSp>
+        <p:nvCxnSpPr>
+          <p:cNvPr id="4" name="slide5_shape2"/>
+          <p:cNvCxnSpPr/>
+          <p:nvPr/>
+        </p:nvCxnSpPr>
+        <p:spPr>
+          <a:xfrm>
+            <a:off x="364803" y="547859"/>
+            <a:ext cx="8406000" cy="0"/>
+          </a:xfrm>
+          <a:prstGeom prst="line">
+            <a:avLst/>
+          </a:prstGeom>
+          <a:ln w="3175" cap="flat">
+            <a:solidFill>
+              <a:schemeClr val="accent4">
+                <a:lumMod val="50000"/>
+              </a:schemeClr>
+            </a:solidFill>
+            <a:prstDash val="solid"/>
+            <a:headEnd type="none"/>
+            <a:tailEnd type="none"/>
+          </a:ln>
+        </p:spPr>
+        <p:style>
+          <a:lnRef idx="1">
+            <a:schemeClr val="accent1"/>
+          </a:lnRef>
+          <a:fillRef idx="0">
+            <a:schemeClr val="accent1"/>
+          </a:fillRef>
+          <a:effectRef idx="0">
+            <a:schemeClr val="accent1"/>
+          </a:effectRef>
+          <a:fontRef idx="minor">
+            <a:schemeClr val="tx1"/>
+          </a:fontRef>
+        </p:style>
+      </p:cxnSp>
+      <p:sp>
+        <p:nvSpPr>
+          <p:cNvPr id="5" name="slide5_shape3"/>
+          <p:cNvSpPr>
+            <a:spLocks noGrp="1"/>
+          </p:cNvSpPr>
+          <p:nvPr>
+            <p:ph type="title"/>
+          </p:nvPr>
+        </p:nvSpPr>
+        <p:spPr>
+          <a:xfrm>
+            <a:off x="256544" y="700126"/>
+            <a:ext cx="6995120" cy="580926"/>
+          </a:xfrm>
+          <a:prstGeom prst="rect">
+            <a:avLst/>
+          </a:prstGeom>
+        </p:spPr>
+        <p:txBody>
+          <a:bodyPr lIns="91440" tIns="45720" rIns="91440" bIns="45720" anchor="ctr">
+            <a:noAutofit/>
+          </a:bodyPr>
+          <a:lstStyle>
+            <a:lvl1pPr>
+              <a:defRPr>
+                <a:latin typeface="나눔고딕"/>
+                <a:ea typeface="나눔고딕"/>
+              </a:defRPr>
+            </a:lvl1pPr>
+          </a:lstStyle>
+          <a:p>
+            <a:pPr algn="l"/>
+            <a:r>
+              <a:rPr lang="ko-KR" altLang="en-US" sz="2800" b="1" spc="-150" dirty="0">
+                <a:solidFill>
+                  <a:schemeClr val="accent4">
+                    <a:lumMod val="50000"/>
+                  </a:schemeClr>
+                </a:solidFill>
+              </a:rPr>
+              <a:t>시간대별</a:t>
+            </a:r>
+            <a:r>
+              <a:rPr lang="en-US" altLang="ko-KR" sz="2800" b="1" spc="-150" dirty="0">
+                <a:solidFill>
+                  <a:schemeClr val="accent4">
+                    <a:lumMod val="50000"/>
+                  </a:schemeClr>
+                </a:solidFill>
+              </a:rPr>
+              <a:t>/</a:t>
+            </a:r>
+            <a:r>
+              <a:rPr lang="ko-KR" altLang="en-US" sz="2800" b="1" spc="-150" dirty="0">
+                <a:solidFill>
+                  <a:schemeClr val="accent4">
+                    <a:lumMod val="50000"/>
+                  </a:schemeClr>
+                </a:solidFill>
+              </a:rPr>
+              <a:t>연령별 </a:t>
+            </a:r>
+            <a:r>
+              <a:rPr lang="ko-KR" altLang="en-US" sz="2800" b="1" spc="-150" dirty="0" err="1">
+                <a:solidFill>
+                  <a:schemeClr val="accent4">
+                    <a:lumMod val="50000"/>
+                  </a:schemeClr>
+                </a:solidFill>
+              </a:rPr>
+              <a:t>유출입</a:t>
+            </a:r>
+            <a:r>
+              <a:rPr lang="ko-KR" altLang="en-US" sz="2800" b="1" spc="-150" dirty="0">
+                <a:solidFill>
+                  <a:schemeClr val="accent4">
+                    <a:lumMod val="50000"/>
+                  </a:schemeClr>
+                </a:solidFill>
+              </a:rPr>
+              <a:t> 인구 분석 </a:t>
+            </a:r>
+            <a:r>
+              <a:rPr lang="en-US" altLang="ko-KR" sz="2800" b="1" spc="-150" dirty="0">
+                <a:solidFill>
+                  <a:schemeClr val="accent4">
+                    <a:lumMod val="50000"/>
+                  </a:schemeClr>
+                </a:solidFill>
+              </a:rPr>
+              <a:t>- </a:t>
+            </a:r>
+            <a:r>
+              <a:rPr lang="ko-KR" altLang="en-US" sz="2800" b="1" spc="-150" dirty="0">
+                <a:solidFill>
+                  <a:schemeClr val="accent4">
+                    <a:lumMod val="50000"/>
+                  </a:schemeClr>
+                </a:solidFill>
+              </a:rPr>
+              <a:t>비교</a:t>
+            </a:r>
+            <a:endParaRPr sz="2800" b="1" kern="1200" spc="-150" dirty="0">
+              <a:solidFill>
+                <a:schemeClr val="accent4">
+                  <a:lumMod val="50000"/>
+                </a:schemeClr>
+              </a:solidFill>
+              <a:latin typeface="나눔고딕"/>
+              <a:ea typeface="나눔고딕"/>
+              <a:cs typeface="+mj-cs"/>
+            </a:endParaRPr>
+          </a:p>
+        </p:txBody>
+      </p:sp>
+      <p:sp>
+        <p:nvSpPr>
+          <p:cNvPr id="6" name="slide5_shape4"/>
+          <p:cNvSpPr/>
+          <p:nvPr/>
+        </p:nvSpPr>
+        <p:spPr>
+          <a:xfrm>
+            <a:off x="7277411" y="195231"/>
+            <a:ext cx="1584176" cy="215444"/>
+          </a:xfrm>
+          <a:prstGeom prst="rect">
+            <a:avLst/>
+          </a:prstGeom>
+          <a:noFill/>
+        </p:spPr>
+        <p:txBody>
+          <a:bodyPr wrap="square">
+            <a:spAutoFit/>
+          </a:bodyPr>
+          <a:lstStyle/>
+          <a:p>
+            <a:pPr marL="0" algn="r" defTabSz="914400" latinLnBrk="1"/>
+            <a:fld id="{4BEDD84E-25D4-4983-8AA1-2863C96F08D9}" type="slidenum">
+              <a:rPr lang="en-US" sz="800" kern="1200" spc="-30">
+                <a:solidFill>
+                  <a:schemeClr val="tx1">
+                    <a:lumMod val="95000"/>
+                    <a:lumOff val="5000"/>
+                  </a:schemeClr>
+                </a:solidFill>
+                <a:latin typeface="나눔고딕"/>
+                <a:ea typeface="나눔고딕"/>
+                <a:cs typeface="+mn-cs"/>
+              </a:rPr>
+              <a:t>7</a:t>
+            </a:fld>
+            <a:r>
+              <a:rPr lang="en-US" altLang="ko-KR" sz="800" kern="1200" spc="-30">
+                <a:solidFill>
+                  <a:schemeClr val="tx1">
+                    <a:lumMod val="95000"/>
+                    <a:lumOff val="5000"/>
+                  </a:schemeClr>
+                </a:solidFill>
+                <a:latin typeface="나눔고딕"/>
+                <a:ea typeface="나눔고딕"/>
+                <a:cs typeface="+mn-cs"/>
+              </a:rPr>
+              <a:t> / 14</a:t>
+            </a:r>
+            <a:endParaRPr sz="800" kern="1200" spc="-30">
+              <a:solidFill>
+                <a:schemeClr val="tx1">
+                  <a:lumMod val="95000"/>
+                  <a:lumOff val="5000"/>
+                </a:schemeClr>
+              </a:solidFill>
+              <a:latin typeface="나눔고딕"/>
+              <a:ea typeface="나눔고딕"/>
+              <a:cs typeface="+mn-cs"/>
+            </a:endParaRPr>
+          </a:p>
+        </p:txBody>
+      </p:sp>
+      <p:sp>
+        <p:nvSpPr>
+          <p:cNvPr id="7" name="slide5_shape5"/>
+          <p:cNvSpPr/>
+          <p:nvPr/>
+        </p:nvSpPr>
+        <p:spPr>
+          <a:xfrm>
+            <a:off x="259795" y="1631109"/>
+            <a:ext cx="8470547" cy="1275443"/>
+          </a:xfrm>
+          <a:prstGeom prst="rect">
+            <a:avLst/>
+          </a:prstGeom>
+        </p:spPr>
+        <p:txBody>
+          <a:bodyPr lIns="91440" tIns="45720" rIns="91440" bIns="45720"/>
+          <a:lstStyle>
+            <a:lvl1pPr marL="342900" indent="-342900" algn="l" defTabSz="914400" latinLnBrk="1">
+              <a:spcBef>
+                <a:spcPct val="20000"/>
+              </a:spcBef>
+              <a:buFont typeface="Arial" pitchFamily="2" charset="2"/>
+              <a:buChar char="•"/>
+              <a:defRPr sz="3200" kern="1200">
+                <a:solidFill>
+                  <a:schemeClr val="tx1"/>
+                </a:solidFill>
+                <a:latin typeface="+mn-lt"/>
+                <a:ea typeface="+mn-ea"/>
+                <a:cs typeface="+mn-cs"/>
+              </a:defRPr>
+            </a:lvl1pPr>
+            <a:lvl2pPr marL="742950" indent="-285750" algn="l" defTabSz="914400" latinLnBrk="1">
+              <a:spcBef>
+                <a:spcPct val="20000"/>
+              </a:spcBef>
+              <a:buFont typeface="Arial" pitchFamily="2" charset="2"/>
+              <a:buChar char="–"/>
+              <a:defRPr sz="2800" kern="1200">
+                <a:solidFill>
+                  <a:schemeClr val="tx1"/>
+                </a:solidFill>
+                <a:latin typeface="+mn-lt"/>
+                <a:ea typeface="+mn-ea"/>
+                <a:cs typeface="+mn-cs"/>
+              </a:defRPr>
+            </a:lvl2pPr>
+            <a:lvl3pPr marL="1143000" indent="-228600" algn="l" defTabSz="914400" latinLnBrk="1">
+              <a:spcBef>
+                <a:spcPct val="20000"/>
+              </a:spcBef>
+              <a:buFont typeface="Arial" pitchFamily="2" charset="2"/>
+              <a:buChar char="•"/>
+              <a:defRPr sz="2400" kern="1200">
+                <a:solidFill>
+                  <a:schemeClr val="tx1"/>
+                </a:solidFill>
+                <a:latin typeface="+mn-lt"/>
+                <a:ea typeface="+mn-ea"/>
+                <a:cs typeface="+mn-cs"/>
+              </a:defRPr>
+            </a:lvl3pPr>
+            <a:lvl4pPr marL="1600200" indent="-228600" algn="l" defTabSz="914400" latinLnBrk="1">
+              <a:spcBef>
+                <a:spcPct val="20000"/>
+              </a:spcBef>
+              <a:buFont typeface="Arial" pitchFamily="2" charset="2"/>
+              <a:buChar char="–"/>
+              <a:defRPr sz="2000" kern="1200">
+                <a:solidFill>
+                  <a:schemeClr val="tx1"/>
+                </a:solidFill>
+                <a:latin typeface="+mn-lt"/>
+                <a:ea typeface="+mn-ea"/>
+                <a:cs typeface="+mn-cs"/>
+              </a:defRPr>
+            </a:lvl4pPr>
+            <a:lvl5pPr marL="2057400" indent="-228600" algn="l" defTabSz="914400" latinLnBrk="1">
+              <a:spcBef>
+                <a:spcPct val="20000"/>
+              </a:spcBef>
+              <a:buFont typeface="Arial" pitchFamily="2" charset="2"/>
+              <a:buChar char="»"/>
+              <a:defRPr sz="2000" kern="1200">
+                <a:solidFill>
+                  <a:schemeClr val="tx1"/>
+                </a:solidFill>
+                <a:latin typeface="+mn-lt"/>
+                <a:ea typeface="+mn-ea"/>
+                <a:cs typeface="+mn-cs"/>
+              </a:defRPr>
+            </a:lvl5pPr>
+            <a:lvl6pPr marL="2514600" indent="-228600" algn="l" defTabSz="914400" latinLnBrk="1">
+              <a:spcBef>
+                <a:spcPct val="20000"/>
+              </a:spcBef>
+              <a:buFont typeface="Arial" pitchFamily="2" charset="2"/>
+              <a:buChar char="•"/>
+              <a:defRPr sz="2000" kern="1200">
+                <a:solidFill>
+                  <a:schemeClr val="tx1"/>
+                </a:solidFill>
+                <a:latin typeface="+mn-lt"/>
+                <a:ea typeface="+mn-ea"/>
+                <a:cs typeface="+mn-cs"/>
+              </a:defRPr>
+            </a:lvl6pPr>
+            <a:lvl7pPr marL="2971800" indent="-228600" algn="l" defTabSz="914400" latinLnBrk="1">
+              <a:spcBef>
+                <a:spcPct val="20000"/>
+              </a:spcBef>
+              <a:buFont typeface="Arial" pitchFamily="2" charset="2"/>
+              <a:buChar char="•"/>
+              <a:defRPr sz="2000" kern="1200">
+                <a:solidFill>
+                  <a:schemeClr val="tx1"/>
+                </a:solidFill>
+                <a:latin typeface="+mn-lt"/>
+                <a:ea typeface="+mn-ea"/>
+                <a:cs typeface="+mn-cs"/>
+              </a:defRPr>
+            </a:lvl7pPr>
+            <a:lvl8pPr marL="3429000" indent="-228600" algn="l" defTabSz="914400" latinLnBrk="1">
+              <a:spcBef>
+                <a:spcPct val="20000"/>
+              </a:spcBef>
+              <a:buFont typeface="Arial" pitchFamily="2" charset="2"/>
+              <a:buChar char="•"/>
+              <a:defRPr sz="2000" kern="1200">
+                <a:solidFill>
+                  <a:schemeClr val="tx1"/>
+                </a:solidFill>
+                <a:latin typeface="+mn-lt"/>
+                <a:ea typeface="+mn-ea"/>
+                <a:cs typeface="+mn-cs"/>
+              </a:defRPr>
+            </a:lvl8pPr>
+            <a:lvl9pPr marL="3886200" indent="-228600" algn="l" defTabSz="914400" latinLnBrk="1">
+              <a:spcBef>
+                <a:spcPct val="20000"/>
+              </a:spcBef>
+              <a:buFont typeface="Arial" pitchFamily="2" charset="2"/>
+              <a:buChar char="•"/>
+              <a:defRPr sz="2000" kern="1200">
+                <a:solidFill>
+                  <a:schemeClr val="tx1"/>
+                </a:solidFill>
+                <a:latin typeface="+mn-lt"/>
+                <a:ea typeface="+mn-ea"/>
+                <a:cs typeface="+mn-cs"/>
+              </a:defRPr>
+            </a:lvl9pPr>
+          </a:lstStyle>
+          <a:p>
+            <a:pPr marL="0" indent="0" algn="l" defTabSz="914400" latinLnBrk="1">
+              <a:spcBef>
+                <a:spcPct val="20000"/>
+              </a:spcBef>
+              <a:buNone/>
+            </a:pPr>
+            <a:endParaRPr sz="1200" kern="1200" dirty="0">
+              <a:solidFill>
+                <a:srgbClr val="3D3C3E"/>
+              </a:solidFill>
+              <a:latin typeface="나눔고딕"/>
+              <a:ea typeface="나눔고딕"/>
+              <a:cs typeface="+mn-cs"/>
+            </a:endParaRPr>
+          </a:p>
+        </p:txBody>
+      </p:sp>
+      <p:sp>
+        <p:nvSpPr>
+          <p:cNvPr id="20" name="TextBox 19">
+            <a:extLst>
+              <a:ext uri="{FF2B5EF4-FFF2-40B4-BE49-F238E27FC236}">
+                <a16:creationId xmlns:a16="http://schemas.microsoft.com/office/drawing/2014/main" id="{F2DC7D8B-8209-4F23-B20F-20ACCB97F496}"/>
+              </a:ext>
+            </a:extLst>
+          </p:cNvPr>
+          <p:cNvSpPr txBox="1"/>
+          <p:nvPr/>
+        </p:nvSpPr>
+        <p:spPr>
+          <a:xfrm>
+            <a:off x="3734940" y="1764279"/>
+            <a:ext cx="4725492" cy="369332"/>
+          </a:xfrm>
+          <a:prstGeom prst="rect">
+            <a:avLst/>
+          </a:prstGeom>
+          <a:solidFill>
+            <a:schemeClr val="bg1"/>
+          </a:solidFill>
+        </p:spPr>
+        <p:txBody>
+          <a:bodyPr wrap="square" rtlCol="0">
+            <a:spAutoFit/>
+          </a:bodyPr>
+          <a:lstStyle/>
+          <a:p>
+            <a:r>
+              <a:rPr lang="ko-KR" altLang="en-US" dirty="0"/>
+              <a:t>시간별</a:t>
+            </a:r>
+            <a:r>
+              <a:rPr lang="en-US" altLang="ko-KR" dirty="0"/>
+              <a:t>, </a:t>
+            </a:r>
+            <a:r>
+              <a:rPr lang="ko-KR" altLang="en-US" dirty="0"/>
+              <a:t>성별 </a:t>
+            </a:r>
+            <a:r>
+              <a:rPr lang="ko-KR" altLang="en-US" dirty="0" err="1"/>
+              <a:t>유출입</a:t>
+            </a:r>
+            <a:r>
+              <a:rPr lang="en-US" altLang="ko-KR" dirty="0"/>
+              <a:t> </a:t>
+            </a:r>
+            <a:r>
+              <a:rPr lang="ko-KR" altLang="en-US" dirty="0"/>
+              <a:t>인구 시각화</a:t>
+            </a:r>
+          </a:p>
+        </p:txBody>
+      </p:sp>
+    </p:spTree>
+    <p:extLst>
+      <p:ext uri="{BB962C8B-B14F-4D97-AF65-F5344CB8AC3E}">
+        <p14:creationId xmlns:p14="http://schemas.microsoft.com/office/powerpoint/2010/main" val="3944976515"/>
+      </p:ext>
+    </p:extLst>
+  </p:cSld>
+  <p:clrMapOvr>
+    <a:masterClrMapping/>
+  </p:clrMapOvr>
+  <p:timing>
+    <p:tnLst>
+      <p:par>
+        <p:cTn id="1" dur="indefinite" restart="never" nodeType="tmRoot">
+          <p:childTnLst>
+            <p:seq concurrent="1" nextAc="seek">
+              <p:cTn id="2" dur="indefinite" nodeType="mainSeq">
+                <p:childTnLst>
+                  <p:par>
+                    <p:cTn id="3" fill="hold">
+                      <p:stCondLst>
+                        <p:cond delay="indefinite"/>
+                      </p:stCondLst>
+                      <p:childTnLst>
+                        <p:par>
+                          <p:cTn id="4" fill="hold">
+                            <p:stCondLst>
+                              <p:cond delay="0"/>
+                            </p:stCondLst>
+                            <p:childTnLst>
+                              <p:par>
+                                <p:cTn id="5" presetID="1" presetClass="mediacall" presetSubtype="0" fill="hold" nodeType="clickEffect">
+                                  <p:stCondLst>
+                                    <p:cond delay="0"/>
+                                  </p:stCondLst>
+                                  <p:childTnLst>
+                                    <p:cmd type="call" cmd="playFrom(0.0)">
+                                      <p:cBhvr>
+                                        <p:cTn id="6" dur="8767" fill="hold"/>
+                                        <p:tgtEl>
+                                          <p:spTgt spid="2"/>
+                                        </p:tgtEl>
+                                      </p:cBhvr>
+                                    </p:cmd>
+                                  </p:childTnLst>
+                                </p:cTn>
+                              </p:par>
+                            </p:childTnLst>
+                          </p:cTn>
+                        </p:par>
+                      </p:childTnLst>
+                    </p:cTn>
+                  </p:par>
+                </p:childTnLst>
+              </p:cTn>
+              <p:prevCondLst>
+                <p:cond evt="onPrev" delay="0">
+                  <p:tgtEl>
+                    <p:sldTgt/>
+                  </p:tgtEl>
+                </p:cond>
+              </p:prevCondLst>
+              <p:nextCondLst>
+                <p:cond evt="onNext" delay="0">
+                  <p:tgtEl>
+                    <p:sldTgt/>
+                  </p:tgtEl>
+                </p:cond>
+              </p:nextCondLst>
+            </p:seq>
+            <p:video>
+              <p:cMediaNode vol="80000">
+                <p:cTn id="7" fill="hold" display="0">
+                  <p:stCondLst>
+                    <p:cond delay="indefinite"/>
+                  </p:stCondLst>
+                </p:cTn>
+                <p:tgtEl>
+                  <p:spTgt spid="2"/>
+                </p:tgtEl>
+              </p:cMediaNode>
+            </p:video>
+            <p:seq concurrent="1" nextAc="seek">
+              <p:cTn id="8" restart="whenNotActive" fill="hold" evtFilter="cancelBubble" nodeType="interactiveSeq">
+                <p:stCondLst>
+                  <p:cond evt="onClick" delay="0">
+                    <p:tgtEl>
+                      <p:spTgt spid="2"/>
+                    </p:tgtEl>
+                  </p:cond>
+                </p:stCondLst>
+                <p:endSync evt="end" delay="0">
+                  <p:rtn val="all"/>
+                </p:endSync>
+                <p:childTnLst>
+                  <p:par>
+                    <p:cTn id="9" fill="hold">
+                      <p:stCondLst>
+                        <p:cond delay="0"/>
+                      </p:stCondLst>
+                      <p:childTnLst>
+                        <p:par>
+                          <p:cTn id="10" fill="hold">
+                            <p:stCondLst>
+                              <p:cond delay="0"/>
+                            </p:stCondLst>
+                            <p:childTnLst>
+                              <p:par>
+                                <p:cTn id="11" presetID="2" presetClass="mediacall" presetSubtype="0" fill="hold" nodeType="clickEffect">
+                                  <p:stCondLst>
+                                    <p:cond delay="0"/>
+                                  </p:stCondLst>
+                                  <p:childTnLst>
+                                    <p:cmd type="call" cmd="togglePause">
+                                      <p:cBhvr>
+                                        <p:cTn id="12" dur="1" fill="hold"/>
+                                        <p:tgtEl>
+                                          <p:spTgt spid="2"/>
+                                        </p:tgtEl>
+                                      </p:cBhvr>
+                                    </p:cmd>
+                                  </p:childTnLst>
+                                </p:cTn>
+                              </p:par>
+                            </p:childTnLst>
+                          </p:cTn>
+                        </p:par>
+                      </p:childTnLst>
+                    </p:cTn>
+                  </p:par>
+                </p:childTnLst>
+              </p:cTn>
+              <p:nextCondLst>
+                <p:cond evt="onClick" delay="0">
+                  <p:tgtEl>
+                    <p:spTgt spid="2"/>
+                  </p:tgtEl>
+                </p:cond>
+              </p:nextCondLst>
+            </p:seq>
+          </p:childTnLst>
+        </p:cTn>
+      </p:par>
+    </p:tnLst>
+  </p:timing>
+</p:sld>
+</file>
+
+<file path=ppt/slides/slide8.xml><?xml version="1.0" encoding="utf-8"?>
+<p:sld xmlns:a="http://schemas.openxmlformats.org/drawingml/2006/main" xmlns:r="http://schemas.openxmlformats.org/officeDocument/2006/relationships" xmlns:p="http://schemas.openxmlformats.org/presentationml/2006/main">
+  <p:cSld>
+    <p:spTree>
+      <p:nvGrpSpPr>
+        <p:cNvPr id="1" name=""/>
+        <p:cNvGrpSpPr/>
+        <p:nvPr/>
+      </p:nvGrpSpPr>
+      <p:grpSpPr>
+        <a:xfrm>
+          <a:off x="0" y="0"/>
+          <a:ext cx="0" cy="0"/>
+          <a:chOff x="0" y="0"/>
+          <a:chExt cx="0" cy="0"/>
+        </a:xfrm>
+      </p:grpSpPr>
+      <p:pic>
+        <p:nvPicPr>
+          <p:cNvPr id="16" name="그림 15">
+            <a:extLst>
+              <a:ext uri="{FF2B5EF4-FFF2-40B4-BE49-F238E27FC236}">
+                <a16:creationId xmlns:a16="http://schemas.microsoft.com/office/drawing/2014/main" id="{284FB91F-D2A2-45FC-84AB-4918A64DF39A}"/>
+              </a:ext>
+            </a:extLst>
+          </p:cNvPr>
+          <p:cNvPicPr>
+            <a:picLocks noChangeAspect="1"/>
+          </p:cNvPicPr>
+          <p:nvPr/>
+        </p:nvPicPr>
+        <p:blipFill rotWithShape="1">
+          <a:blip r:embed="rId2">
+            <a:extLst>
+              <a:ext uri="{28A0092B-C50C-407E-A947-70E740481C1C}">
+                <a14:useLocalDpi xmlns:a14="http://schemas.microsoft.com/office/drawing/2010/main" val="0"/>
+              </a:ext>
+            </a:extLst>
+          </a:blip>
+          <a:srcRect r="12945"/>
+          <a:stretch/>
+        </p:blipFill>
+        <p:spPr>
+          <a:xfrm>
+            <a:off x="107504" y="1598853"/>
+            <a:ext cx="4387564" cy="2520000"/>
+          </a:xfrm>
+          <a:prstGeom prst="rect">
+            <a:avLst/>
+          </a:prstGeom>
+        </p:spPr>
+      </p:pic>
+      <p:sp>
+        <p:nvSpPr>
+          <p:cNvPr id="3" name="slide5_shape1"/>
+          <p:cNvSpPr/>
+          <p:nvPr/>
+        </p:nvSpPr>
+        <p:spPr>
+          <a:xfrm>
+            <a:off x="263455" y="195231"/>
+            <a:ext cx="1584176" cy="215444"/>
+          </a:xfrm>
+          <a:prstGeom prst="rect">
+            <a:avLst/>
+          </a:prstGeom>
+          <a:noFill/>
+        </p:spPr>
+        <p:txBody>
+          <a:bodyPr wrap="square">
+            <a:spAutoFit/>
+          </a:bodyPr>
+          <a:lstStyle/>
+          <a:p>
+            <a:pPr marL="0" algn="l" defTabSz="914400" latinLnBrk="1"/>
+            <a:r>
+              <a:rPr lang="en-US" altLang="ko-KR" sz="800" kern="1200" spc="-30" dirty="0">
+                <a:solidFill>
+                  <a:schemeClr val="tx1">
+                    <a:lumMod val="95000"/>
+                    <a:lumOff val="5000"/>
+                  </a:schemeClr>
+                </a:solidFill>
+                <a:latin typeface="나눔고딕"/>
+                <a:ea typeface="나눔고딕"/>
+                <a:cs typeface="+mn-cs"/>
+              </a:rPr>
+              <a:t>1</a:t>
+            </a:r>
+            <a:r>
+              <a:rPr lang="en-US" altLang="ko-KR" sz="800" spc="-30" dirty="0">
+                <a:solidFill>
+                  <a:schemeClr val="tx1">
+                    <a:lumMod val="95000"/>
+                    <a:lumOff val="5000"/>
+                  </a:schemeClr>
+                </a:solidFill>
+                <a:latin typeface="나눔고딕"/>
+                <a:ea typeface="나눔고딕"/>
+              </a:rPr>
+              <a:t>.</a:t>
+            </a:r>
+            <a:r>
+              <a:rPr lang="en-US" altLang="ko-KR" sz="800" kern="1200" spc="-30" dirty="0">
+                <a:solidFill>
+                  <a:schemeClr val="tx1">
+                    <a:lumMod val="95000"/>
+                    <a:lumOff val="5000"/>
+                  </a:schemeClr>
+                </a:solidFill>
+                <a:latin typeface="나눔고딕"/>
+                <a:ea typeface="나눔고딕"/>
+                <a:cs typeface="+mn-cs"/>
+              </a:rPr>
+              <a:t> </a:t>
+            </a:r>
+            <a:r>
+              <a:rPr lang="ko-KR" altLang="en-US" sz="800" kern="1200" spc="-30" dirty="0">
+                <a:solidFill>
+                  <a:schemeClr val="tx1">
+                    <a:lumMod val="95000"/>
+                    <a:lumOff val="5000"/>
+                  </a:schemeClr>
+                </a:solidFill>
+                <a:latin typeface="나눔고딕"/>
+                <a:ea typeface="나눔고딕"/>
+                <a:cs typeface="+mn-cs"/>
+              </a:rPr>
+              <a:t>핵심 시간대 분석</a:t>
+            </a:r>
+            <a:endParaRPr sz="800" kern="1200" spc="-30" dirty="0">
+              <a:solidFill>
+                <a:schemeClr val="tx1">
+                  <a:lumMod val="95000"/>
+                  <a:lumOff val="5000"/>
+                </a:schemeClr>
+              </a:solidFill>
+              <a:latin typeface="나눔고딕"/>
+              <a:ea typeface="나눔고딕"/>
+              <a:cs typeface="+mn-cs"/>
+            </a:endParaRPr>
+          </a:p>
+        </p:txBody>
+      </p:sp>
+      <p:cxnSp>
+        <p:nvCxnSpPr>
+          <p:cNvPr id="4" name="slide5_shape2"/>
+          <p:cNvCxnSpPr/>
+          <p:nvPr/>
+        </p:nvCxnSpPr>
+        <p:spPr>
+          <a:xfrm>
+            <a:off x="364803" y="547859"/>
+            <a:ext cx="8406000" cy="0"/>
+          </a:xfrm>
+          <a:prstGeom prst="line">
+            <a:avLst/>
+          </a:prstGeom>
+          <a:ln w="3175" cap="flat">
+            <a:solidFill>
+              <a:schemeClr val="accent4">
+                <a:lumMod val="50000"/>
+              </a:schemeClr>
+            </a:solidFill>
+            <a:prstDash val="solid"/>
+            <a:headEnd type="none"/>
+            <a:tailEnd type="none"/>
+          </a:ln>
+        </p:spPr>
+        <p:style>
+          <a:lnRef idx="1">
+            <a:schemeClr val="accent1"/>
+          </a:lnRef>
+          <a:fillRef idx="0">
+            <a:schemeClr val="accent1"/>
+          </a:fillRef>
+          <a:effectRef idx="0">
+            <a:schemeClr val="accent1"/>
+          </a:effectRef>
+          <a:fontRef idx="minor">
+            <a:schemeClr val="tx1"/>
+          </a:fontRef>
+        </p:style>
+      </p:cxnSp>
+      <p:sp>
+        <p:nvSpPr>
+          <p:cNvPr id="5" name="slide5_shape3"/>
+          <p:cNvSpPr>
+            <a:spLocks noGrp="1"/>
+          </p:cNvSpPr>
+          <p:nvPr>
+            <p:ph type="title"/>
+          </p:nvPr>
+        </p:nvSpPr>
+        <p:spPr>
+          <a:xfrm>
+            <a:off x="256544" y="700126"/>
+            <a:ext cx="6995120" cy="580926"/>
+          </a:xfrm>
+          <a:prstGeom prst="rect">
+            <a:avLst/>
+          </a:prstGeom>
+        </p:spPr>
+        <p:txBody>
+          <a:bodyPr lIns="91440" tIns="45720" rIns="91440" bIns="45720" anchor="ctr">
+            <a:noAutofit/>
+          </a:bodyPr>
+          <a:lstStyle>
+            <a:lvl1pPr>
+              <a:defRPr>
+                <a:latin typeface="나눔고딕"/>
+                <a:ea typeface="나눔고딕"/>
+              </a:defRPr>
+            </a:lvl1pPr>
+          </a:lstStyle>
+          <a:p>
+            <a:pPr algn="l"/>
+            <a:r>
+              <a:rPr lang="ko-KR" altLang="en-US" sz="2800" b="1" spc="-150" dirty="0">
+                <a:solidFill>
+                  <a:schemeClr val="accent4">
+                    <a:lumMod val="50000"/>
+                  </a:schemeClr>
+                </a:solidFill>
+              </a:rPr>
+              <a:t>시간대별</a:t>
+            </a:r>
+            <a:r>
+              <a:rPr lang="en-US" altLang="ko-KR" sz="2800" b="1" spc="-150" dirty="0">
+                <a:solidFill>
+                  <a:schemeClr val="accent4">
+                    <a:lumMod val="50000"/>
+                  </a:schemeClr>
+                </a:solidFill>
+              </a:rPr>
+              <a:t>/</a:t>
+            </a:r>
+            <a:r>
+              <a:rPr lang="ko-KR" altLang="en-US" sz="2800" b="1" spc="-150" dirty="0">
+                <a:solidFill>
+                  <a:schemeClr val="accent4">
+                    <a:lumMod val="50000"/>
+                  </a:schemeClr>
+                </a:solidFill>
+              </a:rPr>
+              <a:t>연령별 </a:t>
+            </a:r>
+            <a:r>
+              <a:rPr lang="ko-KR" altLang="en-US" sz="2800" b="1" spc="-150" dirty="0" err="1">
+                <a:solidFill>
+                  <a:schemeClr val="accent4">
+                    <a:lumMod val="50000"/>
+                  </a:schemeClr>
+                </a:solidFill>
+              </a:rPr>
+              <a:t>유출입</a:t>
+            </a:r>
+            <a:r>
+              <a:rPr lang="ko-KR" altLang="en-US" sz="2800" b="1" spc="-150" dirty="0">
+                <a:solidFill>
+                  <a:schemeClr val="accent4">
+                    <a:lumMod val="50000"/>
+                  </a:schemeClr>
+                </a:solidFill>
+              </a:rPr>
+              <a:t> 인구 분석 </a:t>
+            </a:r>
+            <a:r>
+              <a:rPr lang="en-US" altLang="ko-KR" sz="2800" b="1" spc="-150" dirty="0">
+                <a:solidFill>
+                  <a:schemeClr val="accent4">
+                    <a:lumMod val="50000"/>
+                  </a:schemeClr>
+                </a:solidFill>
+              </a:rPr>
+              <a:t>- </a:t>
+            </a:r>
+            <a:r>
+              <a:rPr lang="ko-KR" altLang="en-US" sz="2800" b="1" spc="-150" dirty="0">
+                <a:solidFill>
+                  <a:schemeClr val="accent4">
+                    <a:lumMod val="50000"/>
+                  </a:schemeClr>
+                </a:solidFill>
+              </a:rPr>
+              <a:t>비교</a:t>
+            </a:r>
+            <a:endParaRPr sz="2800" b="1" kern="1200" spc="-150" dirty="0">
+              <a:solidFill>
+                <a:schemeClr val="accent4">
+                  <a:lumMod val="50000"/>
+                </a:schemeClr>
+              </a:solidFill>
+              <a:latin typeface="나눔고딕"/>
+              <a:ea typeface="나눔고딕"/>
+              <a:cs typeface="+mj-cs"/>
+            </a:endParaRPr>
+          </a:p>
+        </p:txBody>
+      </p:sp>
+      <p:sp>
+        <p:nvSpPr>
+          <p:cNvPr id="6" name="slide5_shape4"/>
+          <p:cNvSpPr/>
+          <p:nvPr/>
+        </p:nvSpPr>
+        <p:spPr>
+          <a:xfrm>
+            <a:off x="7277411" y="195231"/>
+            <a:ext cx="1584176" cy="215444"/>
+          </a:xfrm>
+          <a:prstGeom prst="rect">
+            <a:avLst/>
+          </a:prstGeom>
+          <a:noFill/>
+        </p:spPr>
+        <p:txBody>
+          <a:bodyPr wrap="square">
+            <a:spAutoFit/>
+          </a:bodyPr>
+          <a:lstStyle/>
+          <a:p>
+            <a:pPr marL="0" algn="r" defTabSz="914400" latinLnBrk="1"/>
+            <a:fld id="{4BEDD84E-25D4-4983-8AA1-2863C96F08D9}" type="slidenum">
+              <a:rPr lang="en-US" sz="800" kern="1200" spc="-30">
+                <a:solidFill>
+                  <a:schemeClr val="tx1">
+                    <a:lumMod val="95000"/>
+                    <a:lumOff val="5000"/>
+                  </a:schemeClr>
+                </a:solidFill>
+                <a:latin typeface="나눔고딕"/>
+                <a:ea typeface="나눔고딕"/>
+                <a:cs typeface="+mn-cs"/>
+              </a:rPr>
+              <a:t>8</a:t>
+            </a:fld>
+            <a:r>
+              <a:rPr lang="en-US" altLang="ko-KR" sz="800" kern="1200" spc="-30">
+                <a:solidFill>
+                  <a:schemeClr val="tx1">
+                    <a:lumMod val="95000"/>
+                    <a:lumOff val="5000"/>
+                  </a:schemeClr>
+                </a:solidFill>
+                <a:latin typeface="나눔고딕"/>
+                <a:ea typeface="나눔고딕"/>
+                <a:cs typeface="+mn-cs"/>
+              </a:rPr>
+              <a:t> / 14</a:t>
+            </a:r>
+            <a:endParaRPr sz="800" kern="1200" spc="-30">
+              <a:solidFill>
+                <a:schemeClr val="tx1">
+                  <a:lumMod val="95000"/>
+                  <a:lumOff val="5000"/>
+                </a:schemeClr>
+              </a:solidFill>
+              <a:latin typeface="나눔고딕"/>
+              <a:ea typeface="나눔고딕"/>
+              <a:cs typeface="+mn-cs"/>
+            </a:endParaRPr>
+          </a:p>
+        </p:txBody>
+      </p:sp>
+      <p:sp>
+        <p:nvSpPr>
+          <p:cNvPr id="7" name="slide5_shape5"/>
+          <p:cNvSpPr/>
+          <p:nvPr/>
+        </p:nvSpPr>
+        <p:spPr>
+          <a:xfrm>
+            <a:off x="259795" y="1631109"/>
+            <a:ext cx="8470547" cy="1275443"/>
+          </a:xfrm>
+          <a:prstGeom prst="rect">
+            <a:avLst/>
+          </a:prstGeom>
+        </p:spPr>
+        <p:txBody>
+          <a:bodyPr lIns="91440" tIns="45720" rIns="91440" bIns="45720"/>
+          <a:lstStyle>
+            <a:lvl1pPr marL="342900" indent="-342900" algn="l" defTabSz="914400" latinLnBrk="1">
+              <a:spcBef>
+                <a:spcPct val="20000"/>
+              </a:spcBef>
+              <a:buFont typeface="Arial" pitchFamily="2" charset="2"/>
+              <a:buChar char="•"/>
+              <a:defRPr sz="3200" kern="1200">
+                <a:solidFill>
+                  <a:schemeClr val="tx1"/>
+                </a:solidFill>
+                <a:latin typeface="+mn-lt"/>
+                <a:ea typeface="+mn-ea"/>
+                <a:cs typeface="+mn-cs"/>
+              </a:defRPr>
+            </a:lvl1pPr>
+            <a:lvl2pPr marL="742950" indent="-285750" algn="l" defTabSz="914400" latinLnBrk="1">
+              <a:spcBef>
+                <a:spcPct val="20000"/>
+              </a:spcBef>
+              <a:buFont typeface="Arial" pitchFamily="2" charset="2"/>
+              <a:buChar char="–"/>
+              <a:defRPr sz="2800" kern="1200">
+                <a:solidFill>
+                  <a:schemeClr val="tx1"/>
+                </a:solidFill>
+                <a:latin typeface="+mn-lt"/>
+                <a:ea typeface="+mn-ea"/>
+                <a:cs typeface="+mn-cs"/>
+              </a:defRPr>
+            </a:lvl2pPr>
+            <a:lvl3pPr marL="1143000" indent="-228600" algn="l" defTabSz="914400" latinLnBrk="1">
+              <a:spcBef>
+                <a:spcPct val="20000"/>
+              </a:spcBef>
+              <a:buFont typeface="Arial" pitchFamily="2" charset="2"/>
+              <a:buChar char="•"/>
+              <a:defRPr sz="2400" kern="1200">
+                <a:solidFill>
+                  <a:schemeClr val="tx1"/>
+                </a:solidFill>
+                <a:latin typeface="+mn-lt"/>
+                <a:ea typeface="+mn-ea"/>
+                <a:cs typeface="+mn-cs"/>
+              </a:defRPr>
+            </a:lvl3pPr>
+            <a:lvl4pPr marL="1600200" indent="-228600" algn="l" defTabSz="914400" latinLnBrk="1">
+              <a:spcBef>
+                <a:spcPct val="20000"/>
+              </a:spcBef>
+              <a:buFont typeface="Arial" pitchFamily="2" charset="2"/>
+              <a:buChar char="–"/>
+              <a:defRPr sz="2000" kern="1200">
+                <a:solidFill>
+                  <a:schemeClr val="tx1"/>
+                </a:solidFill>
+                <a:latin typeface="+mn-lt"/>
+                <a:ea typeface="+mn-ea"/>
+                <a:cs typeface="+mn-cs"/>
+              </a:defRPr>
+            </a:lvl4pPr>
+            <a:lvl5pPr marL="2057400" indent="-228600" algn="l" defTabSz="914400" latinLnBrk="1">
+              <a:spcBef>
+                <a:spcPct val="20000"/>
+              </a:spcBef>
+              <a:buFont typeface="Arial" pitchFamily="2" charset="2"/>
+              <a:buChar char="»"/>
+              <a:defRPr sz="2000" kern="1200">
+                <a:solidFill>
+                  <a:schemeClr val="tx1"/>
+                </a:solidFill>
+                <a:latin typeface="+mn-lt"/>
+                <a:ea typeface="+mn-ea"/>
+                <a:cs typeface="+mn-cs"/>
+              </a:defRPr>
+            </a:lvl5pPr>
+            <a:lvl6pPr marL="2514600" indent="-228600" algn="l" defTabSz="914400" latinLnBrk="1">
+              <a:spcBef>
+                <a:spcPct val="20000"/>
+              </a:spcBef>
+              <a:buFont typeface="Arial" pitchFamily="2" charset="2"/>
+              <a:buChar char="•"/>
+              <a:defRPr sz="2000" kern="1200">
+                <a:solidFill>
+                  <a:schemeClr val="tx1"/>
+                </a:solidFill>
+                <a:latin typeface="+mn-lt"/>
+                <a:ea typeface="+mn-ea"/>
+                <a:cs typeface="+mn-cs"/>
+              </a:defRPr>
+            </a:lvl6pPr>
+            <a:lvl7pPr marL="2971800" indent="-228600" algn="l" defTabSz="914400" latinLnBrk="1">
+              <a:spcBef>
+                <a:spcPct val="20000"/>
+              </a:spcBef>
+              <a:buFont typeface="Arial" pitchFamily="2" charset="2"/>
+              <a:buChar char="•"/>
+              <a:defRPr sz="2000" kern="1200">
+                <a:solidFill>
+                  <a:schemeClr val="tx1"/>
+                </a:solidFill>
+                <a:latin typeface="+mn-lt"/>
+                <a:ea typeface="+mn-ea"/>
+                <a:cs typeface="+mn-cs"/>
+              </a:defRPr>
+            </a:lvl7pPr>
+            <a:lvl8pPr marL="3429000" indent="-228600" algn="l" defTabSz="914400" latinLnBrk="1">
+              <a:spcBef>
+                <a:spcPct val="20000"/>
+              </a:spcBef>
+              <a:buFont typeface="Arial" pitchFamily="2" charset="2"/>
+              <a:buChar char="•"/>
+              <a:defRPr sz="2000" kern="1200">
+                <a:solidFill>
+                  <a:schemeClr val="tx1"/>
+                </a:solidFill>
+                <a:latin typeface="+mn-lt"/>
+                <a:ea typeface="+mn-ea"/>
+                <a:cs typeface="+mn-cs"/>
+              </a:defRPr>
+            </a:lvl8pPr>
+            <a:lvl9pPr marL="3886200" indent="-228600" algn="l" defTabSz="914400" latinLnBrk="1">
+              <a:spcBef>
+                <a:spcPct val="20000"/>
+              </a:spcBef>
+              <a:buFont typeface="Arial" pitchFamily="2" charset="2"/>
+              <a:buChar char="•"/>
+              <a:defRPr sz="2000" kern="1200">
+                <a:solidFill>
+                  <a:schemeClr val="tx1"/>
+                </a:solidFill>
+                <a:latin typeface="+mn-lt"/>
+                <a:ea typeface="+mn-ea"/>
+                <a:cs typeface="+mn-cs"/>
+              </a:defRPr>
+            </a:lvl9pPr>
+          </a:lstStyle>
+          <a:p>
+            <a:pPr marL="0" indent="0" algn="l" defTabSz="914400" latinLnBrk="1">
+              <a:spcBef>
+                <a:spcPct val="20000"/>
+              </a:spcBef>
+              <a:buNone/>
+            </a:pPr>
+            <a:endParaRPr sz="1200" kern="1200" dirty="0">
+              <a:solidFill>
+                <a:srgbClr val="3D3C3E"/>
+              </a:solidFill>
+              <a:latin typeface="나눔고딕"/>
+              <a:ea typeface="나눔고딕"/>
+              <a:cs typeface="+mn-cs"/>
+            </a:endParaRPr>
+          </a:p>
+        </p:txBody>
+      </p:sp>
+      <p:sp>
+        <p:nvSpPr>
           <p:cNvPr id="17" name="TextBox 16">
             <a:extLst>
               <a:ext uri="{FF2B5EF4-FFF2-40B4-BE49-F238E27FC236}">
@@ -20131,7 +25590,7 @@
     </p:spTree>
     <p:extLst>
       <p:ext uri="{BB962C8B-B14F-4D97-AF65-F5344CB8AC3E}">
-        <p14:creationId xmlns:p14="http://schemas.microsoft.com/office/powerpoint/2010/main" val="3885794540"/>
+        <p14:creationId xmlns:p14="http://schemas.microsoft.com/office/powerpoint/2010/main" val="2172272563"/>
       </p:ext>
     </p:extLst>
   </p:cSld>
@@ -20141,7 +25600,7 @@
 </p:sld>
 </file>
 
-<file path=ppt/slides/slide7.xml><?xml version="1.0" encoding="utf-8"?>
+<file path=ppt/slides/slide9.xml><?xml version="1.0" encoding="utf-8"?>
 <p:sld xmlns:a="http://schemas.openxmlformats.org/drawingml/2006/main" xmlns:r="http://schemas.openxmlformats.org/officeDocument/2006/relationships" xmlns:p="http://schemas.openxmlformats.org/presentationml/2006/main">
   <p:cSld>
     <p:spTree>
@@ -20361,7 +25820,7 @@
                 <a:ea typeface="나눔고딕"/>
                 <a:cs typeface="+mn-cs"/>
               </a:rPr>
-              <a:t>7</a:t>
+              <a:t>9</a:t>
             </a:fld>
             <a:r>
               <a:rPr lang="en-US" altLang="ko-KR" sz="800" kern="1200" spc="-30">
@@ -20687,3901 +26146,6 @@
         <p14:creationId xmlns:p14="http://schemas.microsoft.com/office/powerpoint/2010/main" val="3193895955"/>
       </p:ext>
     </p:extLst>
-  </p:cSld>
-  <p:clrMapOvr>
-    <a:masterClrMapping/>
-  </p:clrMapOvr>
-</p:sld>
-</file>
-
-<file path=ppt/slides/slide8.xml><?xml version="1.0" encoding="utf-8"?>
-<p:sld xmlns:a="http://schemas.openxmlformats.org/drawingml/2006/main" xmlns:r="http://schemas.openxmlformats.org/officeDocument/2006/relationships" xmlns:p="http://schemas.openxmlformats.org/presentationml/2006/main">
-  <p:cSld>
-    <p:spTree>
-      <p:nvGrpSpPr>
-        <p:cNvPr id="1" name=""/>
-        <p:cNvGrpSpPr/>
-        <p:nvPr/>
-      </p:nvGrpSpPr>
-      <p:grpSpPr>
-        <a:xfrm>
-          <a:off x="0" y="0"/>
-          <a:ext cx="0" cy="0"/>
-          <a:chOff x="0" y="0"/>
-          <a:chExt cx="0" cy="0"/>
-        </a:xfrm>
-      </p:grpSpPr>
-      <p:sp>
-        <p:nvSpPr>
-          <p:cNvPr id="3" name="slide6_shape1"/>
-          <p:cNvSpPr/>
-          <p:nvPr/>
-        </p:nvSpPr>
-        <p:spPr>
-          <a:xfrm>
-            <a:off x="259796" y="1631110"/>
-            <a:ext cx="1883330" cy="1235916"/>
-          </a:xfrm>
-          <a:prstGeom prst="rect">
-            <a:avLst/>
-          </a:prstGeom>
-        </p:spPr>
-        <p:txBody>
-          <a:bodyPr lIns="91440" tIns="45720" rIns="91440" bIns="45720"/>
-          <a:lstStyle>
-            <a:lvl1pPr marL="342900" indent="-342900" algn="l" defTabSz="914400" latinLnBrk="1">
-              <a:spcBef>
-                <a:spcPct val="20000"/>
-              </a:spcBef>
-              <a:buFont typeface="Arial" pitchFamily="2" charset="2"/>
-              <a:buChar char="•"/>
-              <a:defRPr sz="3200" kern="1200">
-                <a:solidFill>
-                  <a:schemeClr val="tx1"/>
-                </a:solidFill>
-                <a:latin typeface="+mn-lt"/>
-                <a:ea typeface="+mn-ea"/>
-                <a:cs typeface="+mn-cs"/>
-              </a:defRPr>
-            </a:lvl1pPr>
-            <a:lvl2pPr marL="742950" indent="-285750" algn="l" defTabSz="914400" latinLnBrk="1">
-              <a:spcBef>
-                <a:spcPct val="20000"/>
-              </a:spcBef>
-              <a:buFont typeface="Arial" pitchFamily="2" charset="2"/>
-              <a:buChar char="–"/>
-              <a:defRPr sz="2800" kern="1200">
-                <a:solidFill>
-                  <a:schemeClr val="tx1"/>
-                </a:solidFill>
-                <a:latin typeface="+mn-lt"/>
-                <a:ea typeface="+mn-ea"/>
-                <a:cs typeface="+mn-cs"/>
-              </a:defRPr>
-            </a:lvl2pPr>
-            <a:lvl3pPr marL="1143000" indent="-228600" algn="l" defTabSz="914400" latinLnBrk="1">
-              <a:spcBef>
-                <a:spcPct val="20000"/>
-              </a:spcBef>
-              <a:buFont typeface="Arial" pitchFamily="2" charset="2"/>
-              <a:buChar char="•"/>
-              <a:defRPr sz="2400" kern="1200">
-                <a:solidFill>
-                  <a:schemeClr val="tx1"/>
-                </a:solidFill>
-                <a:latin typeface="+mn-lt"/>
-                <a:ea typeface="+mn-ea"/>
-                <a:cs typeface="+mn-cs"/>
-              </a:defRPr>
-            </a:lvl3pPr>
-            <a:lvl4pPr marL="1600200" indent="-228600" algn="l" defTabSz="914400" latinLnBrk="1">
-              <a:spcBef>
-                <a:spcPct val="20000"/>
-              </a:spcBef>
-              <a:buFont typeface="Arial" pitchFamily="2" charset="2"/>
-              <a:buChar char="–"/>
-              <a:defRPr sz="2000" kern="1200">
-                <a:solidFill>
-                  <a:schemeClr val="tx1"/>
-                </a:solidFill>
-                <a:latin typeface="+mn-lt"/>
-                <a:ea typeface="+mn-ea"/>
-                <a:cs typeface="+mn-cs"/>
-              </a:defRPr>
-            </a:lvl4pPr>
-            <a:lvl5pPr marL="2057400" indent="-228600" algn="l" defTabSz="914400" latinLnBrk="1">
-              <a:spcBef>
-                <a:spcPct val="20000"/>
-              </a:spcBef>
-              <a:buFont typeface="Arial" pitchFamily="2" charset="2"/>
-              <a:buChar char="»"/>
-              <a:defRPr sz="2000" kern="1200">
-                <a:solidFill>
-                  <a:schemeClr val="tx1"/>
-                </a:solidFill>
-                <a:latin typeface="+mn-lt"/>
-                <a:ea typeface="+mn-ea"/>
-                <a:cs typeface="+mn-cs"/>
-              </a:defRPr>
-            </a:lvl5pPr>
-            <a:lvl6pPr marL="2514600" indent="-228600" algn="l" defTabSz="914400" latinLnBrk="1">
-              <a:spcBef>
-                <a:spcPct val="20000"/>
-              </a:spcBef>
-              <a:buFont typeface="Arial" pitchFamily="2" charset="2"/>
-              <a:buChar char="•"/>
-              <a:defRPr sz="2000" kern="1200">
-                <a:solidFill>
-                  <a:schemeClr val="tx1"/>
-                </a:solidFill>
-                <a:latin typeface="+mn-lt"/>
-                <a:ea typeface="+mn-ea"/>
-                <a:cs typeface="+mn-cs"/>
-              </a:defRPr>
-            </a:lvl6pPr>
-            <a:lvl7pPr marL="2971800" indent="-228600" algn="l" defTabSz="914400" latinLnBrk="1">
-              <a:spcBef>
-                <a:spcPct val="20000"/>
-              </a:spcBef>
-              <a:buFont typeface="Arial" pitchFamily="2" charset="2"/>
-              <a:buChar char="•"/>
-              <a:defRPr sz="2000" kern="1200">
-                <a:solidFill>
-                  <a:schemeClr val="tx1"/>
-                </a:solidFill>
-                <a:latin typeface="+mn-lt"/>
-                <a:ea typeface="+mn-ea"/>
-                <a:cs typeface="+mn-cs"/>
-              </a:defRPr>
-            </a:lvl7pPr>
-            <a:lvl8pPr marL="3429000" indent="-228600" algn="l" defTabSz="914400" latinLnBrk="1">
-              <a:spcBef>
-                <a:spcPct val="20000"/>
-              </a:spcBef>
-              <a:buFont typeface="Arial" pitchFamily="2" charset="2"/>
-              <a:buChar char="•"/>
-              <a:defRPr sz="2000" kern="1200">
-                <a:solidFill>
-                  <a:schemeClr val="tx1"/>
-                </a:solidFill>
-                <a:latin typeface="+mn-lt"/>
-                <a:ea typeface="+mn-ea"/>
-                <a:cs typeface="+mn-cs"/>
-              </a:defRPr>
-            </a:lvl8pPr>
-            <a:lvl9pPr marL="3886200" indent="-228600" algn="l" defTabSz="914400" latinLnBrk="1">
-              <a:spcBef>
-                <a:spcPct val="20000"/>
-              </a:spcBef>
-              <a:buFont typeface="Arial" pitchFamily="2" charset="2"/>
-              <a:buChar char="•"/>
-              <a:defRPr sz="2000" kern="1200">
-                <a:solidFill>
-                  <a:schemeClr val="tx1"/>
-                </a:solidFill>
-                <a:latin typeface="+mn-lt"/>
-                <a:ea typeface="+mn-ea"/>
-                <a:cs typeface="+mn-cs"/>
-              </a:defRPr>
-            </a:lvl9pPr>
-          </a:lstStyle>
-          <a:p>
-            <a:pPr marL="342900" indent="-342900" algn="l" defTabSz="914400" latinLnBrk="1">
-              <a:spcBef>
-                <a:spcPct val="20000"/>
-              </a:spcBef>
-              <a:buNone/>
-            </a:pPr>
-            <a:r>
-              <a:rPr lang="ko-KR" altLang="en-US" sz="1200" b="1" kern="1200">
-                <a:solidFill>
-                  <a:srgbClr val="3D3C3E"/>
-                </a:solidFill>
-                <a:latin typeface="나눔고딕"/>
-                <a:ea typeface="나눔고딕"/>
-                <a:cs typeface="+mn-cs"/>
-              </a:rPr>
-              <a:t>도형</a:t>
-            </a:r>
-            <a:r>
-              <a:rPr lang="en-US" altLang="en-US" sz="1200" b="1" kern="1200">
-                <a:solidFill>
-                  <a:srgbClr val="3D3C3E"/>
-                </a:solidFill>
-                <a:latin typeface="나눔고딕"/>
-                <a:ea typeface="나눔고딕"/>
-                <a:cs typeface="+mn-cs"/>
-              </a:rPr>
-              <a:t> </a:t>
-            </a:r>
-            <a:r>
-              <a:rPr lang="ko-KR" altLang="en-US" sz="1200" b="1" kern="1200">
-                <a:solidFill>
-                  <a:srgbClr val="3D3C3E"/>
-                </a:solidFill>
-                <a:latin typeface="나눔고딕"/>
-                <a:ea typeface="나눔고딕"/>
-                <a:cs typeface="+mn-cs"/>
-              </a:rPr>
-              <a:t>예시</a:t>
-            </a:r>
-            <a:endParaRPr sz="1200" b="1" kern="1200">
-              <a:solidFill>
-                <a:srgbClr val="3D3C3E"/>
-              </a:solidFill>
-              <a:latin typeface="나눔고딕"/>
-              <a:ea typeface="나눔고딕"/>
-              <a:cs typeface="+mn-cs"/>
-            </a:endParaRPr>
-          </a:p>
-        </p:txBody>
-      </p:sp>
-      <p:grpSp>
-        <p:nvGrpSpPr>
-          <p:cNvPr id="4" name="slide6_group1"/>
-          <p:cNvGrpSpPr>
-            <a:grpSpLocks/>
-          </p:cNvGrpSpPr>
-          <p:nvPr/>
-        </p:nvGrpSpPr>
-        <p:grpSpPr>
-          <a:xfrm>
-            <a:off x="5612717" y="4015800"/>
-            <a:ext cx="481957" cy="419223"/>
-            <a:chOff x="5612717" y="4015800"/>
-            <a:chExt cx="481957" cy="419223"/>
-          </a:xfrm>
-        </p:grpSpPr>
-        <p:cxnSp>
-          <p:nvCxnSpPr>
-            <p:cNvPr id="5" name="slide6_shape2"/>
-            <p:cNvCxnSpPr/>
-            <p:nvPr/>
-          </p:nvCxnSpPr>
-          <p:spPr>
-            <a:xfrm>
-              <a:off x="5885435" y="4015800"/>
-              <a:ext cx="209238" cy="209238"/>
-            </a:xfrm>
-            <a:prstGeom prst="line">
-              <a:avLst/>
-            </a:prstGeom>
-            <a:ln w="28575" cap="sq">
-              <a:solidFill>
-                <a:schemeClr val="tx2">
-                  <a:lumMod val="90000"/>
-                  <a:lumOff val="10000"/>
-                </a:schemeClr>
-              </a:solidFill>
-              <a:prstDash val="solid"/>
-              <a:headEnd type="none"/>
-              <a:tailEnd type="none"/>
-            </a:ln>
-          </p:spPr>
-          <p:style>
-            <a:lnRef idx="1">
-              <a:schemeClr val="accent1"/>
-            </a:lnRef>
-            <a:fillRef idx="0">
-              <a:schemeClr val="accent1"/>
-            </a:fillRef>
-            <a:effectRef idx="0">
-              <a:schemeClr val="accent1"/>
-            </a:effectRef>
-            <a:fontRef idx="minor">
-              <a:schemeClr val="tx1"/>
-            </a:fontRef>
-          </p:style>
-        </p:cxnSp>
-        <p:cxnSp>
-          <p:nvCxnSpPr>
-            <p:cNvPr id="6" name="slide6_shape3"/>
-            <p:cNvCxnSpPr/>
-            <p:nvPr/>
-          </p:nvCxnSpPr>
-          <p:spPr>
-            <a:xfrm flipH="1">
-              <a:off x="5885839" y="4226779"/>
-              <a:ext cx="208244" cy="208243"/>
-            </a:xfrm>
-            <a:prstGeom prst="line">
-              <a:avLst/>
-            </a:prstGeom>
-            <a:ln w="28575" cap="sq">
-              <a:solidFill>
-                <a:schemeClr val="tx2">
-                  <a:lumMod val="90000"/>
-                  <a:lumOff val="10000"/>
-                </a:schemeClr>
-              </a:solidFill>
-              <a:prstDash val="solid"/>
-              <a:headEnd type="none"/>
-              <a:tailEnd type="none"/>
-            </a:ln>
-          </p:spPr>
-          <p:style>
-            <a:lnRef idx="1">
-              <a:schemeClr val="accent1"/>
-            </a:lnRef>
-            <a:fillRef idx="0">
-              <a:schemeClr val="accent1"/>
-            </a:fillRef>
-            <a:effectRef idx="0">
-              <a:schemeClr val="accent1"/>
-            </a:effectRef>
-            <a:fontRef idx="minor">
-              <a:schemeClr val="tx1"/>
-            </a:fontRef>
-          </p:style>
-        </p:cxnSp>
-        <p:cxnSp>
-          <p:nvCxnSpPr>
-            <p:cNvPr id="7" name="slide6_shape4"/>
-            <p:cNvCxnSpPr/>
-            <p:nvPr/>
-          </p:nvCxnSpPr>
-          <p:spPr>
-            <a:xfrm rot="10800000">
-              <a:off x="5612716" y="4225849"/>
-              <a:ext cx="478079" cy="0"/>
-            </a:xfrm>
-            <a:prstGeom prst="line">
-              <a:avLst/>
-            </a:prstGeom>
-            <a:ln w="28575" cap="flat">
-              <a:solidFill>
-                <a:schemeClr val="tx2">
-                  <a:lumMod val="90000"/>
-                  <a:lumOff val="10000"/>
-                </a:schemeClr>
-              </a:solidFill>
-              <a:prstDash val="solid"/>
-              <a:headEnd type="none"/>
-              <a:tailEnd type="none"/>
-            </a:ln>
-          </p:spPr>
-          <p:style>
-            <a:lnRef idx="1">
-              <a:schemeClr val="accent1"/>
-            </a:lnRef>
-            <a:fillRef idx="0">
-              <a:schemeClr val="accent1"/>
-            </a:fillRef>
-            <a:effectRef idx="0">
-              <a:schemeClr val="accent1"/>
-            </a:effectRef>
-            <a:fontRef idx="minor">
-              <a:schemeClr val="tx1"/>
-            </a:fontRef>
-          </p:style>
-        </p:cxnSp>
-      </p:grpSp>
-      <p:grpSp>
-        <p:nvGrpSpPr>
-          <p:cNvPr id="8" name="slide6_group2"/>
-          <p:cNvGrpSpPr>
-            <a:grpSpLocks/>
-          </p:cNvGrpSpPr>
-          <p:nvPr/>
-        </p:nvGrpSpPr>
-        <p:grpSpPr>
-          <a:xfrm>
-            <a:off x="3026742" y="4056164"/>
-            <a:ext cx="338494" cy="338494"/>
-            <a:chOff x="3026742" y="4056164"/>
-            <a:chExt cx="338494" cy="338494"/>
-          </a:xfrm>
-        </p:grpSpPr>
-        <p:cxnSp>
-          <p:nvCxnSpPr>
-            <p:cNvPr id="9" name="slide6_shape5"/>
-            <p:cNvCxnSpPr/>
-            <p:nvPr/>
-          </p:nvCxnSpPr>
-          <p:spPr>
-            <a:xfrm flipH="1">
-              <a:off x="3026742" y="4225411"/>
-              <a:ext cx="338494" cy="0"/>
-            </a:xfrm>
-            <a:prstGeom prst="line">
-              <a:avLst/>
-            </a:prstGeom>
-            <a:ln w="28575" cap="flat">
-              <a:solidFill>
-                <a:schemeClr val="tx2">
-                  <a:lumMod val="90000"/>
-                  <a:lumOff val="10000"/>
-                </a:schemeClr>
-              </a:solidFill>
-              <a:prstDash val="solid"/>
-              <a:headEnd type="none"/>
-              <a:tailEnd type="none"/>
-            </a:ln>
-          </p:spPr>
-          <p:style>
-            <a:lnRef idx="1">
-              <a:schemeClr val="accent1"/>
-            </a:lnRef>
-            <a:fillRef idx="0">
-              <a:schemeClr val="accent1"/>
-            </a:fillRef>
-            <a:effectRef idx="0">
-              <a:schemeClr val="accent1"/>
-            </a:effectRef>
-            <a:fontRef idx="minor">
-              <a:schemeClr val="tx1"/>
-            </a:fontRef>
-          </p:style>
-        </p:cxnSp>
-        <p:cxnSp>
-          <p:nvCxnSpPr>
-            <p:cNvPr id="10" name="slide6_shape6"/>
-            <p:cNvCxnSpPr/>
-            <p:nvPr/>
-          </p:nvCxnSpPr>
-          <p:spPr>
-            <a:xfrm rot="5400000" flipH="1">
-              <a:off x="3026742" y="4225411"/>
-              <a:ext cx="338494" cy="0"/>
-            </a:xfrm>
-            <a:prstGeom prst="line">
-              <a:avLst/>
-            </a:prstGeom>
-            <a:ln w="28575" cap="flat">
-              <a:solidFill>
-                <a:schemeClr val="tx2">
-                  <a:lumMod val="90000"/>
-                  <a:lumOff val="10000"/>
-                </a:schemeClr>
-              </a:solidFill>
-              <a:prstDash val="solid"/>
-              <a:headEnd type="none"/>
-              <a:tailEnd type="none"/>
-            </a:ln>
-          </p:spPr>
-          <p:style>
-            <a:lnRef idx="1">
-              <a:schemeClr val="accent1"/>
-            </a:lnRef>
-            <a:fillRef idx="0">
-              <a:schemeClr val="accent1"/>
-            </a:fillRef>
-            <a:effectRef idx="0">
-              <a:schemeClr val="accent1"/>
-            </a:effectRef>
-            <a:fontRef idx="minor">
-              <a:schemeClr val="tx1"/>
-            </a:fontRef>
-          </p:style>
-        </p:cxnSp>
-      </p:grpSp>
-      <p:sp>
-        <p:nvSpPr>
-          <p:cNvPr id="11" name="slide6_shape7"/>
-          <p:cNvSpPr/>
-          <p:nvPr/>
-        </p:nvSpPr>
-        <p:spPr>
-          <a:xfrm>
-            <a:off x="263455" y="195231"/>
-            <a:ext cx="1584176" cy="215444"/>
-          </a:xfrm>
-          <a:prstGeom prst="rect">
-            <a:avLst/>
-          </a:prstGeom>
-          <a:noFill/>
-        </p:spPr>
-        <p:txBody>
-          <a:bodyPr wrap="square">
-            <a:spAutoFit/>
-          </a:bodyPr>
-          <a:lstStyle/>
-          <a:p>
-            <a:pPr marL="0" algn="l" defTabSz="914400" latinLnBrk="1"/>
-            <a:r>
-              <a:rPr lang="en-US" altLang="ko-KR" sz="800" kern="1200" spc="-30">
-                <a:solidFill>
-                  <a:schemeClr val="tx1">
-                    <a:lumMod val="95000"/>
-                    <a:lumOff val="5000"/>
-                  </a:schemeClr>
-                </a:solidFill>
-                <a:latin typeface="나눔고딕"/>
-                <a:ea typeface="나눔고딕"/>
-                <a:cs typeface="+mn-cs"/>
-              </a:rPr>
-              <a:t>2.1 </a:t>
-            </a:r>
-            <a:r>
-              <a:rPr lang="ko-KR" altLang="en-US" sz="800" kern="1200" spc="-30">
-                <a:solidFill>
-                  <a:schemeClr val="tx1">
-                    <a:lumMod val="95000"/>
-                    <a:lumOff val="5000"/>
-                  </a:schemeClr>
-                </a:solidFill>
-                <a:latin typeface="나눔고딕"/>
-                <a:ea typeface="나눔고딕"/>
-                <a:cs typeface="+mn-cs"/>
-              </a:rPr>
-              <a:t>도형</a:t>
-            </a:r>
-            <a:endParaRPr sz="800" kern="1200" spc="-30">
-              <a:solidFill>
-                <a:schemeClr val="tx1">
-                  <a:lumMod val="95000"/>
-                  <a:lumOff val="5000"/>
-                </a:schemeClr>
-              </a:solidFill>
-              <a:latin typeface="나눔고딕"/>
-              <a:ea typeface="나눔고딕"/>
-              <a:cs typeface="+mn-cs"/>
-            </a:endParaRPr>
-          </a:p>
-        </p:txBody>
-      </p:sp>
-      <p:cxnSp>
-        <p:nvCxnSpPr>
-          <p:cNvPr id="12" name="slide6_shape8"/>
-          <p:cNvCxnSpPr/>
-          <p:nvPr/>
-        </p:nvCxnSpPr>
-        <p:spPr>
-          <a:xfrm>
-            <a:off x="364803" y="547859"/>
-            <a:ext cx="8406000" cy="0"/>
-          </a:xfrm>
-          <a:prstGeom prst="line">
-            <a:avLst/>
-          </a:prstGeom>
-          <a:ln w="3175" cap="flat">
-            <a:solidFill>
-              <a:schemeClr val="accent4">
-                <a:lumMod val="50000"/>
-              </a:schemeClr>
-            </a:solidFill>
-            <a:prstDash val="solid"/>
-            <a:headEnd type="none"/>
-            <a:tailEnd type="none"/>
-          </a:ln>
-        </p:spPr>
-        <p:style>
-          <a:lnRef idx="1">
-            <a:schemeClr val="accent1"/>
-          </a:lnRef>
-          <a:fillRef idx="0">
-            <a:schemeClr val="accent1"/>
-          </a:fillRef>
-          <a:effectRef idx="0">
-            <a:schemeClr val="accent1"/>
-          </a:effectRef>
-          <a:fontRef idx="minor">
-            <a:schemeClr val="tx1"/>
-          </a:fontRef>
-        </p:style>
-      </p:cxnSp>
-      <p:sp>
-        <p:nvSpPr>
-          <p:cNvPr id="13" name="slide6_shape9"/>
-          <p:cNvSpPr/>
-          <p:nvPr/>
-        </p:nvSpPr>
-        <p:spPr>
-          <a:xfrm>
-            <a:off x="3471850" y="3208285"/>
-            <a:ext cx="2034253" cy="2034253"/>
-          </a:xfrm>
-          <a:prstGeom prst="ellipse">
-            <a:avLst/>
-          </a:prstGeom>
-          <a:gradFill>
-            <a:gsLst>
-              <a:gs pos="0">
-                <a:schemeClr val="bg1">
-                  <a:lumMod val="50000"/>
-                </a:schemeClr>
-              </a:gs>
-              <a:gs pos="80000">
-                <a:schemeClr val="bg1">
-                  <a:lumMod val="65000"/>
-                </a:schemeClr>
-              </a:gs>
-            </a:gsLst>
-            <a:lin ang="16200000" scaled="1"/>
-            <a:tileRect/>
-          </a:gradFill>
-          <a:ln w="9525" cap="flat">
-            <a:noFill/>
-            <a:prstDash val="solid"/>
-          </a:ln>
-        </p:spPr>
-        <p:style>
-          <a:lnRef idx="1">
-            <a:schemeClr val="accent3"/>
-          </a:lnRef>
-          <a:fillRef idx="3">
-            <a:schemeClr val="accent3"/>
-          </a:fillRef>
-          <a:effectRef idx="2">
-            <a:schemeClr val="accent3"/>
-          </a:effectRef>
-          <a:fontRef idx="minor">
-            <a:schemeClr val="lt1"/>
-          </a:fontRef>
-        </p:style>
-        <p:txBody>
-          <a:bodyPr anchor="ctr"/>
-          <a:lstStyle/>
-          <a:p>
-            <a:pPr marL="0" algn="ctr" defTabSz="914400" latinLnBrk="1"/>
-            <a:r>
-              <a:rPr lang="ko-KR" altLang="en-US" sz="1800" b="1" kern="1200">
-                <a:solidFill>
-                  <a:schemeClr val="bg1"/>
-                </a:solidFill>
-                <a:latin typeface="나눔고딕"/>
-                <a:ea typeface="나눔고딕"/>
-                <a:cs typeface="+mn-cs"/>
-              </a:rPr>
-              <a:t>기존고객</a:t>
-            </a:r>
-            <a:endParaRPr sz="1800" b="1" kern="1200">
-              <a:solidFill>
-                <a:schemeClr val="bg1"/>
-              </a:solidFill>
-              <a:latin typeface="나눔고딕"/>
-              <a:ea typeface="나눔고딕"/>
-              <a:cs typeface="+mn-cs"/>
-            </a:endParaRPr>
-          </a:p>
-          <a:p>
-            <a:pPr marL="0" algn="ctr" defTabSz="914400" latinLnBrk="1"/>
-            <a:r>
-              <a:rPr lang="ko-KR" altLang="en-US" sz="1700" b="1" kern="1200">
-                <a:solidFill>
-                  <a:schemeClr val="bg1"/>
-                </a:solidFill>
-                <a:latin typeface="나눔고딕"/>
-                <a:ea typeface="나눔고딕"/>
-                <a:cs typeface="+mn-cs"/>
-              </a:rPr>
-              <a:t>로열티강화</a:t>
-            </a:r>
-          </a:p>
-        </p:txBody>
-      </p:sp>
-      <p:sp>
-        <p:nvSpPr>
-          <p:cNvPr id="14" name="slide6_shape10"/>
-          <p:cNvSpPr/>
-          <p:nvPr/>
-        </p:nvSpPr>
-        <p:spPr>
-          <a:xfrm>
-            <a:off x="885875" y="3208285"/>
-            <a:ext cx="2034253" cy="2034253"/>
-          </a:xfrm>
-          <a:prstGeom prst="ellipse">
-            <a:avLst/>
-          </a:prstGeom>
-          <a:gradFill>
-            <a:gsLst>
-              <a:gs pos="0">
-                <a:schemeClr val="bg1">
-                  <a:lumMod val="50000"/>
-                </a:schemeClr>
-              </a:gs>
-              <a:gs pos="80000">
-                <a:schemeClr val="bg1">
-                  <a:lumMod val="65000"/>
-                </a:schemeClr>
-              </a:gs>
-            </a:gsLst>
-            <a:lin ang="16200000" scaled="1"/>
-            <a:tileRect/>
-          </a:gradFill>
-          <a:ln w="9525" cap="flat">
-            <a:noFill/>
-            <a:prstDash val="solid"/>
-          </a:ln>
-        </p:spPr>
-        <p:style>
-          <a:lnRef idx="1">
-            <a:schemeClr val="accent3"/>
-          </a:lnRef>
-          <a:fillRef idx="3">
-            <a:schemeClr val="accent3"/>
-          </a:fillRef>
-          <a:effectRef idx="2">
-            <a:schemeClr val="accent3"/>
-          </a:effectRef>
-          <a:fontRef idx="minor">
-            <a:schemeClr val="lt1"/>
-          </a:fontRef>
-        </p:style>
-        <p:txBody>
-          <a:bodyPr anchor="ctr"/>
-          <a:lstStyle/>
-          <a:p>
-            <a:pPr marL="0" algn="ctr" defTabSz="914400" latinLnBrk="1"/>
-            <a:r>
-              <a:rPr lang="ko-KR" altLang="en-US" sz="1800" b="1" kern="1200" spc="-50">
-                <a:solidFill>
-                  <a:schemeClr val="lt1"/>
-                </a:solidFill>
-                <a:latin typeface="나눔고딕"/>
-                <a:ea typeface="나눔고딕"/>
-                <a:cs typeface="+mn-cs"/>
-              </a:rPr>
-              <a:t>신규고객</a:t>
-            </a:r>
-            <a:r>
-              <a:rPr lang="en-US" altLang="en-US" sz="1800" b="1" kern="1200" spc="-50">
-                <a:solidFill>
-                  <a:schemeClr val="lt1"/>
-                </a:solidFill>
-                <a:latin typeface="나눔고딕"/>
-                <a:ea typeface="나눔고딕"/>
-                <a:cs typeface="+mn-cs"/>
-              </a:rPr>
-              <a:t> </a:t>
-            </a:r>
-            <a:endParaRPr sz="1800" b="1" kern="1200" spc="-50">
-              <a:solidFill>
-                <a:schemeClr val="tx1"/>
-              </a:solidFill>
-              <a:latin typeface="나눔고딕"/>
-              <a:ea typeface="나눔고딕"/>
-              <a:cs typeface="+mn-cs"/>
-            </a:endParaRPr>
-          </a:p>
-          <a:p>
-            <a:pPr marL="0" algn="ctr" defTabSz="914400" latinLnBrk="1"/>
-            <a:r>
-              <a:rPr lang="ko-KR" altLang="en-US" sz="1800" b="1" kern="1200" spc="-50">
-                <a:solidFill>
-                  <a:schemeClr val="lt1"/>
-                </a:solidFill>
-                <a:latin typeface="나눔고딕"/>
-                <a:ea typeface="나눔고딕"/>
-                <a:cs typeface="+mn-cs"/>
-              </a:rPr>
-              <a:t>유치</a:t>
-            </a:r>
-          </a:p>
-        </p:txBody>
-      </p:sp>
-      <p:sp>
-        <p:nvSpPr>
-          <p:cNvPr id="15" name="slide6_shape11"/>
-          <p:cNvSpPr/>
-          <p:nvPr/>
-        </p:nvSpPr>
-        <p:spPr>
-          <a:xfrm>
-            <a:off x="6220339" y="3208285"/>
-            <a:ext cx="2034253" cy="2034253"/>
-          </a:xfrm>
-          <a:prstGeom prst="ellipse">
-            <a:avLst/>
-          </a:prstGeom>
-          <a:gradFill rotWithShape="1">
-            <a:gsLst>
-              <a:gs pos="0">
-                <a:schemeClr val="accent4">
-                  <a:shade val="51000"/>
-                  <a:satMod val="130000"/>
-                </a:schemeClr>
-              </a:gs>
-              <a:gs pos="80000">
-                <a:schemeClr val="accent4">
-                  <a:shade val="93000"/>
-                  <a:satMod val="130000"/>
-                </a:schemeClr>
-              </a:gs>
-              <a:gs pos="100000">
-                <a:schemeClr val="accent4">
-                  <a:shade val="94000"/>
-                  <a:satMod val="135000"/>
-                </a:schemeClr>
-              </a:gs>
-            </a:gsLst>
-            <a:lin ang="16200000" scaled="1"/>
-            <a:tileRect/>
-          </a:gradFill>
-          <a:ln w="9525" cap="flat">
-            <a:solidFill>
-              <a:schemeClr val="accent4">
-                <a:shade val="95000"/>
-                <a:satMod val="105000"/>
-              </a:schemeClr>
-            </a:solidFill>
-            <a:prstDash val="solid"/>
-          </a:ln>
-        </p:spPr>
-        <p:style>
-          <a:lnRef idx="1">
-            <a:schemeClr val="accent4"/>
-          </a:lnRef>
-          <a:fillRef idx="3">
-            <a:schemeClr val="accent4"/>
-          </a:fillRef>
-          <a:effectRef idx="2">
-            <a:schemeClr val="accent4"/>
-          </a:effectRef>
-          <a:fontRef idx="minor">
-            <a:schemeClr val="lt1"/>
-          </a:fontRef>
-        </p:style>
-        <p:txBody>
-          <a:bodyPr anchor="ctr"/>
-          <a:lstStyle/>
-          <a:p>
-            <a:pPr marL="0" algn="ctr" defTabSz="914400" latinLnBrk="1"/>
-            <a:r>
-              <a:rPr lang="ko-KR" altLang="en-US" sz="1800" b="1" kern="1200" spc="-120">
-                <a:solidFill>
-                  <a:schemeClr val="bg1"/>
-                </a:solidFill>
-                <a:latin typeface="나눔고딕"/>
-                <a:ea typeface="나눔고딕"/>
-                <a:cs typeface="+mn-cs"/>
-              </a:rPr>
-              <a:t>시장점유율</a:t>
-            </a:r>
-            <a:endParaRPr sz="1800" b="1" kern="1200" spc="-120">
-              <a:solidFill>
-                <a:schemeClr val="bg1"/>
-              </a:solidFill>
-              <a:latin typeface="나눔고딕"/>
-              <a:ea typeface="나눔고딕"/>
-              <a:cs typeface="+mn-cs"/>
-            </a:endParaRPr>
-          </a:p>
-          <a:p>
-            <a:pPr marL="0" algn="ctr" defTabSz="914400" latinLnBrk="1"/>
-            <a:r>
-              <a:rPr lang="en-US" altLang="ko-KR" sz="1800" b="1" kern="1200" spc="-120">
-                <a:solidFill>
-                  <a:schemeClr val="bg1"/>
-                </a:solidFill>
-                <a:latin typeface="나눔고딕"/>
-                <a:ea typeface="나눔고딕"/>
-                <a:cs typeface="+mn-cs"/>
-              </a:rPr>
-              <a:t>40% </a:t>
-            </a:r>
-            <a:r>
-              <a:rPr lang="ko-KR" altLang="en-US" sz="1800" b="1" kern="1200" spc="-120">
-                <a:solidFill>
-                  <a:schemeClr val="bg1"/>
-                </a:solidFill>
-                <a:latin typeface="나눔고딕"/>
-                <a:ea typeface="나눔고딕"/>
-                <a:cs typeface="+mn-cs"/>
-              </a:rPr>
-              <a:t>달성</a:t>
-            </a:r>
-          </a:p>
-        </p:txBody>
-      </p:sp>
-      <p:sp>
-        <p:nvSpPr>
-          <p:cNvPr id="17" name="slide6_shape12"/>
-          <p:cNvSpPr/>
-          <p:nvPr/>
-        </p:nvSpPr>
-        <p:spPr>
-          <a:xfrm>
-            <a:off x="2303749" y="1631109"/>
-            <a:ext cx="6687852" cy="1275443"/>
-          </a:xfrm>
-          <a:prstGeom prst="rect">
-            <a:avLst/>
-          </a:prstGeom>
-        </p:spPr>
-        <p:txBody>
-          <a:bodyPr lIns="91440" tIns="45720" rIns="91440" bIns="45720"/>
-          <a:lstStyle>
-            <a:lvl1pPr marL="342900" indent="-342900" algn="l" defTabSz="914400" latinLnBrk="1">
-              <a:spcBef>
-                <a:spcPct val="20000"/>
-              </a:spcBef>
-              <a:buFont typeface="Arial" pitchFamily="2" charset="2"/>
-              <a:buChar char="•"/>
-              <a:defRPr sz="3200" kern="1200">
-                <a:solidFill>
-                  <a:schemeClr val="tx1"/>
-                </a:solidFill>
-                <a:latin typeface="+mn-lt"/>
-                <a:ea typeface="+mn-ea"/>
-                <a:cs typeface="+mn-cs"/>
-              </a:defRPr>
-            </a:lvl1pPr>
-            <a:lvl2pPr marL="742950" indent="-285750" algn="l" defTabSz="914400" latinLnBrk="1">
-              <a:spcBef>
-                <a:spcPct val="20000"/>
-              </a:spcBef>
-              <a:buFont typeface="Arial" pitchFamily="2" charset="2"/>
-              <a:buChar char="–"/>
-              <a:defRPr sz="2800" kern="1200">
-                <a:solidFill>
-                  <a:schemeClr val="tx1"/>
-                </a:solidFill>
-                <a:latin typeface="+mn-lt"/>
-                <a:ea typeface="+mn-ea"/>
-                <a:cs typeface="+mn-cs"/>
-              </a:defRPr>
-            </a:lvl2pPr>
-            <a:lvl3pPr marL="1143000" indent="-228600" algn="l" defTabSz="914400" latinLnBrk="1">
-              <a:spcBef>
-                <a:spcPct val="20000"/>
-              </a:spcBef>
-              <a:buFont typeface="Arial" pitchFamily="2" charset="2"/>
-              <a:buChar char="•"/>
-              <a:defRPr sz="2400" kern="1200">
-                <a:solidFill>
-                  <a:schemeClr val="tx1"/>
-                </a:solidFill>
-                <a:latin typeface="+mn-lt"/>
-                <a:ea typeface="+mn-ea"/>
-                <a:cs typeface="+mn-cs"/>
-              </a:defRPr>
-            </a:lvl3pPr>
-            <a:lvl4pPr marL="1600200" indent="-228600" algn="l" defTabSz="914400" latinLnBrk="1">
-              <a:spcBef>
-                <a:spcPct val="20000"/>
-              </a:spcBef>
-              <a:buFont typeface="Arial" pitchFamily="2" charset="2"/>
-              <a:buChar char="–"/>
-              <a:defRPr sz="2000" kern="1200">
-                <a:solidFill>
-                  <a:schemeClr val="tx1"/>
-                </a:solidFill>
-                <a:latin typeface="+mn-lt"/>
-                <a:ea typeface="+mn-ea"/>
-                <a:cs typeface="+mn-cs"/>
-              </a:defRPr>
-            </a:lvl4pPr>
-            <a:lvl5pPr marL="2057400" indent="-228600" algn="l" defTabSz="914400" latinLnBrk="1">
-              <a:spcBef>
-                <a:spcPct val="20000"/>
-              </a:spcBef>
-              <a:buFont typeface="Arial" pitchFamily="2" charset="2"/>
-              <a:buChar char="»"/>
-              <a:defRPr sz="2000" kern="1200">
-                <a:solidFill>
-                  <a:schemeClr val="tx1"/>
-                </a:solidFill>
-                <a:latin typeface="+mn-lt"/>
-                <a:ea typeface="+mn-ea"/>
-                <a:cs typeface="+mn-cs"/>
-              </a:defRPr>
-            </a:lvl5pPr>
-            <a:lvl6pPr marL="2514600" indent="-228600" algn="l" defTabSz="914400" latinLnBrk="1">
-              <a:spcBef>
-                <a:spcPct val="20000"/>
-              </a:spcBef>
-              <a:buFont typeface="Arial" pitchFamily="2" charset="2"/>
-              <a:buChar char="•"/>
-              <a:defRPr sz="2000" kern="1200">
-                <a:solidFill>
-                  <a:schemeClr val="tx1"/>
-                </a:solidFill>
-                <a:latin typeface="+mn-lt"/>
-                <a:ea typeface="+mn-ea"/>
-                <a:cs typeface="+mn-cs"/>
-              </a:defRPr>
-            </a:lvl6pPr>
-            <a:lvl7pPr marL="2971800" indent="-228600" algn="l" defTabSz="914400" latinLnBrk="1">
-              <a:spcBef>
-                <a:spcPct val="20000"/>
-              </a:spcBef>
-              <a:buFont typeface="Arial" pitchFamily="2" charset="2"/>
-              <a:buChar char="•"/>
-              <a:defRPr sz="2000" kern="1200">
-                <a:solidFill>
-                  <a:schemeClr val="tx1"/>
-                </a:solidFill>
-                <a:latin typeface="+mn-lt"/>
-                <a:ea typeface="+mn-ea"/>
-                <a:cs typeface="+mn-cs"/>
-              </a:defRPr>
-            </a:lvl7pPr>
-            <a:lvl8pPr marL="3429000" indent="-228600" algn="l" defTabSz="914400" latinLnBrk="1">
-              <a:spcBef>
-                <a:spcPct val="20000"/>
-              </a:spcBef>
-              <a:buFont typeface="Arial" pitchFamily="2" charset="2"/>
-              <a:buChar char="•"/>
-              <a:defRPr sz="2000" kern="1200">
-                <a:solidFill>
-                  <a:schemeClr val="tx1"/>
-                </a:solidFill>
-                <a:latin typeface="+mn-lt"/>
-                <a:ea typeface="+mn-ea"/>
-                <a:cs typeface="+mn-cs"/>
-              </a:defRPr>
-            </a:lvl8pPr>
-            <a:lvl9pPr marL="3886200" indent="-228600" algn="l" defTabSz="914400" latinLnBrk="1">
-              <a:spcBef>
-                <a:spcPct val="20000"/>
-              </a:spcBef>
-              <a:buFont typeface="Arial" pitchFamily="2" charset="2"/>
-              <a:buChar char="•"/>
-              <a:defRPr sz="2000" kern="1200">
-                <a:solidFill>
-                  <a:schemeClr val="tx1"/>
-                </a:solidFill>
-                <a:latin typeface="+mn-lt"/>
-                <a:ea typeface="+mn-ea"/>
-                <a:cs typeface="+mn-cs"/>
-              </a:defRPr>
-            </a:lvl9pPr>
-          </a:lstStyle>
-          <a:p>
-            <a:pPr marL="342900" indent="-342900" algn="l" defTabSz="914400" latinLnBrk="1">
-              <a:spcBef>
-                <a:spcPct val="20000"/>
-              </a:spcBef>
-              <a:buNone/>
-            </a:pPr>
-            <a:r>
-              <a:rPr lang="ko-KR" altLang="en-US" sz="1200" kern="1200">
-                <a:solidFill>
-                  <a:srgbClr val="3D3C3E"/>
-                </a:solidFill>
-                <a:latin typeface="나눔고딕"/>
-                <a:ea typeface="나눔고딕"/>
-                <a:cs typeface="+mn-cs"/>
-              </a:rPr>
-              <a:t>도형</a:t>
-            </a:r>
-            <a:r>
-              <a:rPr lang="en-US" altLang="en-US" sz="1200" kern="1200">
-                <a:solidFill>
-                  <a:srgbClr val="3D3C3E"/>
-                </a:solidFill>
-                <a:latin typeface="나눔고딕"/>
-                <a:ea typeface="나눔고딕"/>
-                <a:cs typeface="+mn-cs"/>
-              </a:rPr>
-              <a:t> </a:t>
-            </a:r>
-            <a:r>
-              <a:rPr lang="ko-KR" altLang="en-US" sz="1200" kern="1200">
-                <a:solidFill>
-                  <a:srgbClr val="3D3C3E"/>
-                </a:solidFill>
-                <a:latin typeface="나눔고딕"/>
-                <a:ea typeface="나눔고딕"/>
-                <a:cs typeface="+mn-cs"/>
-              </a:rPr>
-              <a:t>안에</a:t>
-            </a:r>
-            <a:r>
-              <a:rPr lang="en-US" altLang="en-US" sz="1200" kern="1200">
-                <a:solidFill>
-                  <a:srgbClr val="3D3C3E"/>
-                </a:solidFill>
-                <a:latin typeface="나눔고딕"/>
-                <a:ea typeface="나눔고딕"/>
-                <a:cs typeface="+mn-cs"/>
-              </a:rPr>
-              <a:t> </a:t>
-            </a:r>
-            <a:r>
-              <a:rPr lang="ko-KR" altLang="en-US" sz="1200" kern="1200">
-                <a:solidFill>
-                  <a:srgbClr val="3D3C3E"/>
-                </a:solidFill>
-                <a:latin typeface="나눔고딕"/>
-                <a:ea typeface="나눔고딕"/>
-                <a:cs typeface="+mn-cs"/>
-              </a:rPr>
-              <a:t>내용을</a:t>
-            </a:r>
-            <a:r>
-              <a:rPr lang="en-US" altLang="en-US" sz="1200" kern="1200">
-                <a:solidFill>
-                  <a:srgbClr val="3D3C3E"/>
-                </a:solidFill>
-                <a:latin typeface="나눔고딕"/>
-                <a:ea typeface="나눔고딕"/>
-                <a:cs typeface="+mn-cs"/>
-              </a:rPr>
-              <a:t> </a:t>
-            </a:r>
-            <a:r>
-              <a:rPr lang="ko-KR" altLang="en-US" sz="1200" kern="1200">
-                <a:solidFill>
-                  <a:srgbClr val="3D3C3E"/>
-                </a:solidFill>
-                <a:latin typeface="나눔고딕"/>
-                <a:ea typeface="나눔고딕"/>
-                <a:cs typeface="+mn-cs"/>
-              </a:rPr>
-              <a:t>넣을</a:t>
-            </a:r>
-            <a:r>
-              <a:rPr lang="en-US" altLang="en-US" sz="1200" kern="1200">
-                <a:solidFill>
-                  <a:srgbClr val="3D3C3E"/>
-                </a:solidFill>
-                <a:latin typeface="나눔고딕"/>
-                <a:ea typeface="나눔고딕"/>
-                <a:cs typeface="+mn-cs"/>
-              </a:rPr>
-              <a:t> </a:t>
-            </a:r>
-            <a:r>
-              <a:rPr lang="ko-KR" altLang="en-US" sz="1200" kern="1200">
-                <a:solidFill>
-                  <a:srgbClr val="3D3C3E"/>
-                </a:solidFill>
-                <a:latin typeface="나눔고딕"/>
-                <a:ea typeface="나눔고딕"/>
-                <a:cs typeface="+mn-cs"/>
-              </a:rPr>
-              <a:t>경우</a:t>
-            </a:r>
-            <a:r>
-              <a:rPr lang="en-US" altLang="ko-KR" sz="1200" kern="1200">
-                <a:solidFill>
-                  <a:srgbClr val="3D3C3E"/>
-                </a:solidFill>
-                <a:latin typeface="나눔고딕"/>
-                <a:ea typeface="나눔고딕"/>
-                <a:cs typeface="+mn-cs"/>
-              </a:rPr>
-              <a:t>, </a:t>
-            </a:r>
-          </a:p>
-          <a:p>
-            <a:pPr marL="342900" indent="-342900" algn="l" defTabSz="914400" latinLnBrk="1">
-              <a:spcBef>
-                <a:spcPct val="20000"/>
-              </a:spcBef>
-              <a:buNone/>
-            </a:pPr>
-            <a:r>
-              <a:rPr lang="ko-KR" altLang="en-US" sz="1200" kern="1200">
-                <a:solidFill>
-                  <a:srgbClr val="3D3C3E"/>
-                </a:solidFill>
-                <a:latin typeface="나눔고딕"/>
-                <a:ea typeface="나눔고딕"/>
-                <a:cs typeface="+mn-cs"/>
-              </a:rPr>
-              <a:t>상하좌우</a:t>
-            </a:r>
-            <a:r>
-              <a:rPr lang="en-US" altLang="en-US" sz="1200" kern="1200">
-                <a:solidFill>
-                  <a:srgbClr val="3D3C3E"/>
-                </a:solidFill>
-                <a:latin typeface="나눔고딕"/>
-                <a:ea typeface="나눔고딕"/>
-                <a:cs typeface="+mn-cs"/>
-              </a:rPr>
-              <a:t> </a:t>
-            </a:r>
-            <a:r>
-              <a:rPr lang="ko-KR" altLang="en-US" sz="1200" kern="1200">
-                <a:solidFill>
-                  <a:srgbClr val="0070C0"/>
-                </a:solidFill>
-                <a:latin typeface="나눔고딕"/>
-                <a:ea typeface="나눔고딕"/>
-                <a:cs typeface="+mn-cs"/>
-              </a:rPr>
-              <a:t>중앙정렬</a:t>
-            </a:r>
-            <a:r>
-              <a:rPr lang="ko-KR" altLang="en-US" sz="1200" kern="1200">
-                <a:solidFill>
-                  <a:srgbClr val="3D3C3E"/>
-                </a:solidFill>
-                <a:latin typeface="나눔고딕"/>
-                <a:ea typeface="나눔고딕"/>
-                <a:cs typeface="+mn-cs"/>
-              </a:rPr>
-              <a:t>을</a:t>
-            </a:r>
-            <a:r>
-              <a:rPr lang="en-US" altLang="en-US" sz="1200" kern="1200">
-                <a:solidFill>
-                  <a:srgbClr val="3D3C3E"/>
-                </a:solidFill>
-                <a:latin typeface="나눔고딕"/>
-                <a:ea typeface="나눔고딕"/>
-                <a:cs typeface="+mn-cs"/>
-              </a:rPr>
-              <a:t> </a:t>
-            </a:r>
-            <a:r>
-              <a:rPr lang="ko-KR" altLang="en-US" sz="1200" kern="1200">
-                <a:solidFill>
-                  <a:srgbClr val="3D3C3E"/>
-                </a:solidFill>
-                <a:latin typeface="나눔고딕"/>
-                <a:ea typeface="나눔고딕"/>
-                <a:cs typeface="+mn-cs"/>
-              </a:rPr>
-              <a:t>권장합니다</a:t>
-            </a:r>
-            <a:r>
-              <a:rPr lang="en-US" altLang="ko-KR" sz="1200" kern="1200">
-                <a:solidFill>
-                  <a:srgbClr val="3D3C3E"/>
-                </a:solidFill>
-                <a:latin typeface="나눔고딕"/>
-                <a:ea typeface="나눔고딕"/>
-                <a:cs typeface="+mn-cs"/>
-              </a:rPr>
-              <a:t>.</a:t>
-            </a:r>
-            <a:endParaRPr sz="1200" kern="1200">
-              <a:solidFill>
-                <a:srgbClr val="3D3C3E"/>
-              </a:solidFill>
-              <a:latin typeface="나눔고딕"/>
-              <a:ea typeface="나눔고딕"/>
-              <a:cs typeface="+mn-cs"/>
-            </a:endParaRPr>
-          </a:p>
-        </p:txBody>
-      </p:sp>
-      <p:sp>
-        <p:nvSpPr>
-          <p:cNvPr id="18" name="slide6_shape13"/>
-          <p:cNvSpPr/>
-          <p:nvPr/>
-        </p:nvSpPr>
-        <p:spPr>
-          <a:xfrm>
-            <a:off x="7277411" y="195231"/>
-            <a:ext cx="1584176" cy="215444"/>
-          </a:xfrm>
-          <a:prstGeom prst="rect">
-            <a:avLst/>
-          </a:prstGeom>
-          <a:noFill/>
-        </p:spPr>
-        <p:txBody>
-          <a:bodyPr wrap="square">
-            <a:spAutoFit/>
-          </a:bodyPr>
-          <a:lstStyle/>
-          <a:p>
-            <a:pPr marL="0" algn="r" defTabSz="914400" latinLnBrk="1"/>
-            <a:fld id="{4BEDD84E-25D4-4983-8AA1-2863C96F08D9}" type="slidenum">
-              <a:rPr lang="en-US" sz="800" kern="1200" spc="-30">
-                <a:solidFill>
-                  <a:schemeClr val="tx1">
-                    <a:lumMod val="95000"/>
-                    <a:lumOff val="5000"/>
-                  </a:schemeClr>
-                </a:solidFill>
-                <a:latin typeface="나눔고딕"/>
-                <a:ea typeface="나눔고딕"/>
-                <a:cs typeface="+mn-cs"/>
-              </a:rPr>
-              <a:t>8</a:t>
-            </a:fld>
-            <a:r>
-              <a:rPr lang="en-US" altLang="ko-KR" sz="800" kern="1200" spc="-30">
-                <a:solidFill>
-                  <a:schemeClr val="tx1">
-                    <a:lumMod val="95000"/>
-                    <a:lumOff val="5000"/>
-                  </a:schemeClr>
-                </a:solidFill>
-                <a:latin typeface="나눔고딕"/>
-                <a:ea typeface="나눔고딕"/>
-                <a:cs typeface="+mn-cs"/>
-              </a:rPr>
-              <a:t> / 14</a:t>
-            </a:r>
-            <a:endParaRPr sz="800" kern="1200" spc="-30">
-              <a:solidFill>
-                <a:schemeClr val="tx1">
-                  <a:lumMod val="95000"/>
-                  <a:lumOff val="5000"/>
-                </a:schemeClr>
-              </a:solidFill>
-              <a:latin typeface="나눔고딕"/>
-              <a:ea typeface="나눔고딕"/>
-              <a:cs typeface="+mn-cs"/>
-            </a:endParaRPr>
-          </a:p>
-        </p:txBody>
-      </p:sp>
-      <p:sp>
-        <p:nvSpPr>
-          <p:cNvPr id="19" name="slide6_shape14"/>
-          <p:cNvSpPr>
-            <a:spLocks noGrp="1"/>
-          </p:cNvSpPr>
-          <p:nvPr>
-            <p:ph type="title"/>
-          </p:nvPr>
-        </p:nvSpPr>
-        <p:spPr>
-          <a:xfrm>
-            <a:off x="247649" y="552449"/>
-            <a:ext cx="8486775" cy="855663"/>
-          </a:xfrm>
-          <a:prstGeom prst="rect">
-            <a:avLst/>
-          </a:prstGeom>
-        </p:spPr>
-        <p:txBody>
-          <a:bodyPr lIns="91440" tIns="45720" rIns="91440" bIns="45720" anchor="ctr"/>
-          <a:lstStyle>
-            <a:lvl1pPr>
-              <a:defRPr>
-                <a:latin typeface="나눔고딕"/>
-                <a:ea typeface="나눔고딕"/>
-              </a:defRPr>
-            </a:lvl1pPr>
-          </a:lstStyle>
-          <a:p>
-            <a:pPr algn="l" defTabSz="914400" latinLnBrk="1">
-              <a:spcBef>
-                <a:spcPct val="0"/>
-              </a:spcBef>
-              <a:buNone/>
-            </a:pPr>
-            <a:r>
-              <a:rPr lang="ko-KR" altLang="en-US" sz="4000" b="1" kern="1200" spc="-150">
-                <a:solidFill>
-                  <a:srgbClr val="1D314E"/>
-                </a:solidFill>
-                <a:latin typeface="나눔고딕"/>
-                <a:ea typeface="나눔고딕"/>
-                <a:cs typeface="+mj-cs"/>
-              </a:rPr>
-              <a:t>도형</a:t>
-            </a:r>
-            <a:endParaRPr sz="4000" b="1" kern="1200" spc="-150">
-              <a:solidFill>
-                <a:srgbClr val="1D314E"/>
-              </a:solidFill>
-              <a:latin typeface="나눔고딕"/>
-              <a:ea typeface="나눔고딕"/>
-              <a:cs typeface="+mj-cs"/>
-            </a:endParaRPr>
-          </a:p>
-        </p:txBody>
-      </p:sp>
-    </p:spTree>
-  </p:cSld>
-  <p:clrMapOvr>
-    <a:masterClrMapping/>
-  </p:clrMapOvr>
-</p:sld>
-</file>
-
-<file path=ppt/slides/slide9.xml><?xml version="1.0" encoding="utf-8"?>
-<p:sld xmlns:a="http://schemas.openxmlformats.org/drawingml/2006/main" xmlns:r="http://schemas.openxmlformats.org/officeDocument/2006/relationships" xmlns:p="http://schemas.openxmlformats.org/presentationml/2006/main">
-  <p:cSld>
-    <p:spTree>
-      <p:nvGrpSpPr>
-        <p:cNvPr id="1" name=""/>
-        <p:cNvGrpSpPr/>
-        <p:nvPr/>
-      </p:nvGrpSpPr>
-      <p:grpSpPr>
-        <a:xfrm>
-          <a:off x="0" y="0"/>
-          <a:ext cx="0" cy="0"/>
-          <a:chOff x="0" y="0"/>
-          <a:chExt cx="0" cy="0"/>
-        </a:xfrm>
-      </p:grpSpPr>
-      <p:sp>
-        <p:nvSpPr>
-          <p:cNvPr id="3" name="slide7_shape1"/>
-          <p:cNvSpPr/>
-          <p:nvPr/>
-        </p:nvSpPr>
-        <p:spPr>
-          <a:xfrm>
-            <a:off x="263455" y="188690"/>
-            <a:ext cx="1584176" cy="215444"/>
-          </a:xfrm>
-          <a:prstGeom prst="rect">
-            <a:avLst/>
-          </a:prstGeom>
-          <a:noFill/>
-        </p:spPr>
-        <p:txBody>
-          <a:bodyPr wrap="square">
-            <a:spAutoFit/>
-          </a:bodyPr>
-          <a:lstStyle/>
-          <a:p>
-            <a:pPr marL="0" algn="l" defTabSz="914400" latinLnBrk="1"/>
-            <a:r>
-              <a:rPr lang="en-US" altLang="ko-KR" sz="800" kern="1200" spc="-30">
-                <a:solidFill>
-                  <a:schemeClr val="tx1">
-                    <a:lumMod val="95000"/>
-                    <a:lumOff val="5000"/>
-                  </a:schemeClr>
-                </a:solidFill>
-                <a:latin typeface="나눔고딕"/>
-                <a:ea typeface="나눔고딕"/>
-                <a:cs typeface="+mn-cs"/>
-              </a:rPr>
-              <a:t>2.2 </a:t>
-            </a:r>
-            <a:r>
-              <a:rPr lang="ko-KR" altLang="en-US" sz="800" kern="1200" spc="-30">
-                <a:solidFill>
-                  <a:schemeClr val="tx1">
-                    <a:lumMod val="95000"/>
-                    <a:lumOff val="5000"/>
-                  </a:schemeClr>
-                </a:solidFill>
-                <a:latin typeface="나눔고딕"/>
-                <a:ea typeface="나눔고딕"/>
-                <a:cs typeface="+mn-cs"/>
-              </a:rPr>
-              <a:t>도형</a:t>
-            </a:r>
-            <a:endParaRPr sz="800" kern="1200" spc="-30">
-              <a:solidFill>
-                <a:schemeClr val="tx1">
-                  <a:lumMod val="95000"/>
-                  <a:lumOff val="5000"/>
-                </a:schemeClr>
-              </a:solidFill>
-              <a:latin typeface="나눔고딕"/>
-              <a:ea typeface="나눔고딕"/>
-              <a:cs typeface="+mn-cs"/>
-            </a:endParaRPr>
-          </a:p>
-        </p:txBody>
-      </p:sp>
-      <p:cxnSp>
-        <p:nvCxnSpPr>
-          <p:cNvPr id="4" name="slide7_shape2"/>
-          <p:cNvCxnSpPr/>
-          <p:nvPr/>
-        </p:nvCxnSpPr>
-        <p:spPr>
-          <a:xfrm>
-            <a:off x="364803" y="547859"/>
-            <a:ext cx="8406000" cy="0"/>
-          </a:xfrm>
-          <a:prstGeom prst="line">
-            <a:avLst/>
-          </a:prstGeom>
-          <a:ln w="3175" cap="flat">
-            <a:solidFill>
-              <a:schemeClr val="accent4">
-                <a:lumMod val="50000"/>
-              </a:schemeClr>
-            </a:solidFill>
-            <a:prstDash val="solid"/>
-            <a:headEnd type="none"/>
-            <a:tailEnd type="none"/>
-          </a:ln>
-        </p:spPr>
-        <p:style>
-          <a:lnRef idx="1">
-            <a:schemeClr val="accent1"/>
-          </a:lnRef>
-          <a:fillRef idx="0">
-            <a:schemeClr val="accent1"/>
-          </a:fillRef>
-          <a:effectRef idx="0">
-            <a:schemeClr val="accent1"/>
-          </a:effectRef>
-          <a:fontRef idx="minor">
-            <a:schemeClr val="tx1"/>
-          </a:fontRef>
-        </p:style>
-      </p:cxnSp>
-      <p:sp>
-        <p:nvSpPr>
-          <p:cNvPr id="5" name="slide7_shape3"/>
-          <p:cNvSpPr/>
-          <p:nvPr/>
-        </p:nvSpPr>
-        <p:spPr>
-          <a:xfrm>
-            <a:off x="259796" y="1631109"/>
-            <a:ext cx="2035729" cy="864441"/>
-          </a:xfrm>
-          <a:prstGeom prst="rect">
-            <a:avLst/>
-          </a:prstGeom>
-        </p:spPr>
-        <p:txBody>
-          <a:bodyPr lIns="91440" tIns="45720" rIns="91440" bIns="45720"/>
-          <a:lstStyle>
-            <a:lvl1pPr marL="342900" indent="-342900" algn="l" defTabSz="914400" latinLnBrk="1">
-              <a:spcBef>
-                <a:spcPct val="20000"/>
-              </a:spcBef>
-              <a:buFont typeface="Arial" pitchFamily="2" charset="2"/>
-              <a:buChar char="•"/>
-              <a:defRPr sz="3200" kern="1200">
-                <a:solidFill>
-                  <a:schemeClr val="tx1"/>
-                </a:solidFill>
-                <a:latin typeface="+mn-lt"/>
-                <a:ea typeface="+mn-ea"/>
-                <a:cs typeface="+mn-cs"/>
-              </a:defRPr>
-            </a:lvl1pPr>
-            <a:lvl2pPr marL="742950" indent="-285750" algn="l" defTabSz="914400" latinLnBrk="1">
-              <a:spcBef>
-                <a:spcPct val="20000"/>
-              </a:spcBef>
-              <a:buFont typeface="Arial" pitchFamily="2" charset="2"/>
-              <a:buChar char="–"/>
-              <a:defRPr sz="2800" kern="1200">
-                <a:solidFill>
-                  <a:schemeClr val="tx1"/>
-                </a:solidFill>
-                <a:latin typeface="+mn-lt"/>
-                <a:ea typeface="+mn-ea"/>
-                <a:cs typeface="+mn-cs"/>
-              </a:defRPr>
-            </a:lvl2pPr>
-            <a:lvl3pPr marL="1143000" indent="-228600" algn="l" defTabSz="914400" latinLnBrk="1">
-              <a:spcBef>
-                <a:spcPct val="20000"/>
-              </a:spcBef>
-              <a:buFont typeface="Arial" pitchFamily="2" charset="2"/>
-              <a:buChar char="•"/>
-              <a:defRPr sz="2400" kern="1200">
-                <a:solidFill>
-                  <a:schemeClr val="tx1"/>
-                </a:solidFill>
-                <a:latin typeface="+mn-lt"/>
-                <a:ea typeface="+mn-ea"/>
-                <a:cs typeface="+mn-cs"/>
-              </a:defRPr>
-            </a:lvl3pPr>
-            <a:lvl4pPr marL="1600200" indent="-228600" algn="l" defTabSz="914400" latinLnBrk="1">
-              <a:spcBef>
-                <a:spcPct val="20000"/>
-              </a:spcBef>
-              <a:buFont typeface="Arial" pitchFamily="2" charset="2"/>
-              <a:buChar char="–"/>
-              <a:defRPr sz="2000" kern="1200">
-                <a:solidFill>
-                  <a:schemeClr val="tx1"/>
-                </a:solidFill>
-                <a:latin typeface="+mn-lt"/>
-                <a:ea typeface="+mn-ea"/>
-                <a:cs typeface="+mn-cs"/>
-              </a:defRPr>
-            </a:lvl4pPr>
-            <a:lvl5pPr marL="2057400" indent="-228600" algn="l" defTabSz="914400" latinLnBrk="1">
-              <a:spcBef>
-                <a:spcPct val="20000"/>
-              </a:spcBef>
-              <a:buFont typeface="Arial" pitchFamily="2" charset="2"/>
-              <a:buChar char="»"/>
-              <a:defRPr sz="2000" kern="1200">
-                <a:solidFill>
-                  <a:schemeClr val="tx1"/>
-                </a:solidFill>
-                <a:latin typeface="+mn-lt"/>
-                <a:ea typeface="+mn-ea"/>
-                <a:cs typeface="+mn-cs"/>
-              </a:defRPr>
-            </a:lvl5pPr>
-            <a:lvl6pPr marL="2514600" indent="-228600" algn="l" defTabSz="914400" latinLnBrk="1">
-              <a:spcBef>
-                <a:spcPct val="20000"/>
-              </a:spcBef>
-              <a:buFont typeface="Arial" pitchFamily="2" charset="2"/>
-              <a:buChar char="•"/>
-              <a:defRPr sz="2000" kern="1200">
-                <a:solidFill>
-                  <a:schemeClr val="tx1"/>
-                </a:solidFill>
-                <a:latin typeface="+mn-lt"/>
-                <a:ea typeface="+mn-ea"/>
-                <a:cs typeface="+mn-cs"/>
-              </a:defRPr>
-            </a:lvl6pPr>
-            <a:lvl7pPr marL="2971800" indent="-228600" algn="l" defTabSz="914400" latinLnBrk="1">
-              <a:spcBef>
-                <a:spcPct val="20000"/>
-              </a:spcBef>
-              <a:buFont typeface="Arial" pitchFamily="2" charset="2"/>
-              <a:buChar char="•"/>
-              <a:defRPr sz="2000" kern="1200">
-                <a:solidFill>
-                  <a:schemeClr val="tx1"/>
-                </a:solidFill>
-                <a:latin typeface="+mn-lt"/>
-                <a:ea typeface="+mn-ea"/>
-                <a:cs typeface="+mn-cs"/>
-              </a:defRPr>
-            </a:lvl7pPr>
-            <a:lvl8pPr marL="3429000" indent="-228600" algn="l" defTabSz="914400" latinLnBrk="1">
-              <a:spcBef>
-                <a:spcPct val="20000"/>
-              </a:spcBef>
-              <a:buFont typeface="Arial" pitchFamily="2" charset="2"/>
-              <a:buChar char="•"/>
-              <a:defRPr sz="2000" kern="1200">
-                <a:solidFill>
-                  <a:schemeClr val="tx1"/>
-                </a:solidFill>
-                <a:latin typeface="+mn-lt"/>
-                <a:ea typeface="+mn-ea"/>
-                <a:cs typeface="+mn-cs"/>
-              </a:defRPr>
-            </a:lvl8pPr>
-            <a:lvl9pPr marL="3886200" indent="-228600" algn="l" defTabSz="914400" latinLnBrk="1">
-              <a:spcBef>
-                <a:spcPct val="20000"/>
-              </a:spcBef>
-              <a:buFont typeface="Arial" pitchFamily="2" charset="2"/>
-              <a:buChar char="•"/>
-              <a:defRPr sz="2000" kern="1200">
-                <a:solidFill>
-                  <a:schemeClr val="tx1"/>
-                </a:solidFill>
-                <a:latin typeface="+mn-lt"/>
-                <a:ea typeface="+mn-ea"/>
-                <a:cs typeface="+mn-cs"/>
-              </a:defRPr>
-            </a:lvl9pPr>
-          </a:lstStyle>
-          <a:p>
-            <a:pPr marL="342900" indent="-342900" algn="l" defTabSz="914400" latinLnBrk="1">
-              <a:spcBef>
-                <a:spcPct val="20000"/>
-              </a:spcBef>
-              <a:buNone/>
-            </a:pPr>
-            <a:r>
-              <a:rPr lang="ko-KR" altLang="en-US" sz="1200" b="1" kern="1200">
-                <a:solidFill>
-                  <a:srgbClr val="3D3C3E"/>
-                </a:solidFill>
-                <a:latin typeface="나눔고딕"/>
-                <a:ea typeface="나눔고딕"/>
-                <a:cs typeface="+mn-cs"/>
-              </a:rPr>
-              <a:t>도형</a:t>
-            </a:r>
-            <a:r>
-              <a:rPr lang="en-US" altLang="en-US" sz="1200" b="1" kern="1200">
-                <a:solidFill>
-                  <a:srgbClr val="3D3C3E"/>
-                </a:solidFill>
-                <a:latin typeface="나눔고딕"/>
-                <a:ea typeface="나눔고딕"/>
-                <a:cs typeface="+mn-cs"/>
-              </a:rPr>
-              <a:t> </a:t>
-            </a:r>
-            <a:r>
-              <a:rPr lang="ko-KR" altLang="en-US" sz="1200" b="1" kern="1200">
-                <a:solidFill>
-                  <a:srgbClr val="3D3C3E"/>
-                </a:solidFill>
-                <a:latin typeface="나눔고딕"/>
-                <a:ea typeface="나눔고딕"/>
-                <a:cs typeface="+mn-cs"/>
-              </a:rPr>
-              <a:t>예시</a:t>
-            </a:r>
-            <a:endParaRPr sz="1200" b="1" kern="1200">
-              <a:solidFill>
-                <a:srgbClr val="3D3C3E"/>
-              </a:solidFill>
-              <a:latin typeface="나눔고딕"/>
-              <a:ea typeface="나눔고딕"/>
-              <a:cs typeface="+mn-cs"/>
-            </a:endParaRPr>
-          </a:p>
-        </p:txBody>
-      </p:sp>
-      <p:sp>
-        <p:nvSpPr>
-          <p:cNvPr id="6" name="slide7_shape4"/>
-          <p:cNvSpPr/>
-          <p:nvPr/>
-        </p:nvSpPr>
-        <p:spPr>
-          <a:xfrm>
-            <a:off x="400050" y="3019426"/>
-            <a:ext cx="1467296" cy="1361400"/>
-          </a:xfrm>
-          <a:prstGeom prst="rect">
-            <a:avLst/>
-          </a:prstGeom>
-          <a:gradFill rotWithShape="1">
-            <a:gsLst>
-              <a:gs pos="0">
-                <a:schemeClr val="accent4">
-                  <a:shade val="51000"/>
-                  <a:satMod val="130000"/>
-                </a:schemeClr>
-              </a:gs>
-              <a:gs pos="80000">
-                <a:schemeClr val="accent4">
-                  <a:shade val="93000"/>
-                  <a:satMod val="130000"/>
-                </a:schemeClr>
-              </a:gs>
-              <a:gs pos="100000">
-                <a:schemeClr val="accent4">
-                  <a:shade val="94000"/>
-                  <a:satMod val="135000"/>
-                </a:schemeClr>
-              </a:gs>
-            </a:gsLst>
-            <a:lin ang="16200000" scaled="1"/>
-            <a:tileRect/>
-          </a:gradFill>
-          <a:ln w="9525" cap="flat">
-            <a:solidFill>
-              <a:schemeClr val="accent4">
-                <a:shade val="95000"/>
-                <a:satMod val="105000"/>
-              </a:schemeClr>
-            </a:solidFill>
-            <a:prstDash val="solid"/>
-          </a:ln>
-        </p:spPr>
-        <p:style>
-          <a:lnRef idx="1">
-            <a:schemeClr val="accent4"/>
-          </a:lnRef>
-          <a:fillRef idx="3">
-            <a:schemeClr val="accent4"/>
-          </a:fillRef>
-          <a:effectRef idx="2">
-            <a:schemeClr val="accent4"/>
-          </a:effectRef>
-          <a:fontRef idx="minor">
-            <a:schemeClr val="lt1"/>
-          </a:fontRef>
-        </p:style>
-        <p:txBody>
-          <a:bodyPr anchor="ctr"/>
-          <a:lstStyle/>
-          <a:p>
-            <a:pPr marL="0" algn="ctr" defTabSz="914400" latinLnBrk="1"/>
-            <a:r>
-              <a:rPr lang="ko-KR" altLang="en-US" sz="1400" b="1" kern="1200" spc="-50">
-                <a:solidFill>
-                  <a:schemeClr val="lt1"/>
-                </a:solidFill>
-                <a:latin typeface="나눔고딕"/>
-                <a:ea typeface="나눔고딕"/>
-                <a:cs typeface="+mn-cs"/>
-              </a:rPr>
-              <a:t>신규고객</a:t>
-            </a:r>
-            <a:r>
-              <a:rPr lang="en-US" altLang="en-US" sz="1400" b="1" kern="1200" spc="-50">
-                <a:solidFill>
-                  <a:schemeClr val="lt1"/>
-                </a:solidFill>
-                <a:latin typeface="나눔고딕"/>
-                <a:ea typeface="나눔고딕"/>
-                <a:cs typeface="+mn-cs"/>
-              </a:rPr>
-              <a:t> </a:t>
-            </a:r>
-            <a:r>
-              <a:rPr lang="ko-KR" altLang="en-US" sz="1400" b="1" kern="1200" spc="-50">
-                <a:solidFill>
-                  <a:schemeClr val="lt1"/>
-                </a:solidFill>
-                <a:latin typeface="나눔고딕"/>
-                <a:ea typeface="나눔고딕"/>
-                <a:cs typeface="+mn-cs"/>
-              </a:rPr>
-              <a:t>유치</a:t>
-            </a:r>
-          </a:p>
-        </p:txBody>
-      </p:sp>
-      <p:sp>
-        <p:nvSpPr>
-          <p:cNvPr id="7" name="slide7_shape5"/>
-          <p:cNvSpPr/>
-          <p:nvPr/>
-        </p:nvSpPr>
-        <p:spPr>
-          <a:xfrm>
-            <a:off x="1924050" y="3019426"/>
-            <a:ext cx="2613855" cy="1361400"/>
-          </a:xfrm>
-          <a:prstGeom prst="rect">
-            <a:avLst/>
-          </a:prstGeom>
-          <a:gradFill>
-            <a:gsLst>
-              <a:gs pos="0">
-                <a:schemeClr val="bg1">
-                  <a:lumMod val="85000"/>
-                </a:schemeClr>
-              </a:gs>
-              <a:gs pos="80000">
-                <a:schemeClr val="tx2">
-                  <a:lumMod val="10000"/>
-                  <a:lumOff val="90000"/>
-                </a:schemeClr>
-              </a:gs>
-            </a:gsLst>
-            <a:lin ang="16200000" scaled="1"/>
-            <a:tileRect/>
-          </a:gradFill>
-          <a:ln w="9525" cap="flat">
-            <a:noFill/>
-            <a:prstDash val="solid"/>
-          </a:ln>
-        </p:spPr>
-        <p:style>
-          <a:lnRef idx="1">
-            <a:schemeClr val="accent5"/>
-          </a:lnRef>
-          <a:fillRef idx="3">
-            <a:schemeClr val="accent5"/>
-          </a:fillRef>
-          <a:effectRef idx="2">
-            <a:schemeClr val="accent5"/>
-          </a:effectRef>
-          <a:fontRef idx="minor">
-            <a:schemeClr val="lt1"/>
-          </a:fontRef>
-        </p:style>
-        <p:txBody>
-          <a:bodyPr anchor="ctr"/>
-          <a:lstStyle/>
-          <a:p>
-            <a:pPr marL="542925" lvl="0" indent="-276225" algn="l" defTabSz="914400" latinLnBrk="1">
-              <a:lnSpc>
-                <a:spcPct val="150000"/>
-              </a:lnSpc>
-              <a:buFont typeface="Wingdings" pitchFamily="2" charset="2"/>
-              <a:buChar char="§"/>
-            </a:pPr>
-            <a:r>
-              <a:rPr lang="ko-KR" altLang="en-US" sz="1200" b="1" kern="1200" spc="-50">
-                <a:solidFill>
-                  <a:schemeClr val="tx2">
-                    <a:lumMod val="90000"/>
-                    <a:lumOff val="10000"/>
-                  </a:schemeClr>
-                </a:solidFill>
-                <a:latin typeface="나눔고딕"/>
-                <a:ea typeface="나눔고딕"/>
-                <a:cs typeface="+mn-cs"/>
-              </a:rPr>
-              <a:t>매장디스플레이</a:t>
-            </a:r>
-            <a:r>
-              <a:rPr lang="en-US" altLang="en-US" sz="1200" b="1" kern="1200" spc="-50">
-                <a:solidFill>
-                  <a:schemeClr val="tx2">
-                    <a:lumMod val="90000"/>
-                    <a:lumOff val="10000"/>
-                  </a:schemeClr>
-                </a:solidFill>
-                <a:latin typeface="나눔고딕"/>
-                <a:ea typeface="나눔고딕"/>
-                <a:cs typeface="+mn-cs"/>
-              </a:rPr>
-              <a:t> </a:t>
-            </a:r>
-            <a:r>
-              <a:rPr lang="ko-KR" altLang="en-US" sz="1200" b="1" kern="1200" spc="-50">
-                <a:solidFill>
-                  <a:schemeClr val="tx2">
-                    <a:lumMod val="90000"/>
-                    <a:lumOff val="10000"/>
-                  </a:schemeClr>
-                </a:solidFill>
-                <a:latin typeface="나눔고딕"/>
-                <a:ea typeface="나눔고딕"/>
-                <a:cs typeface="+mn-cs"/>
-              </a:rPr>
-              <a:t>강화</a:t>
-            </a:r>
-          </a:p>
-          <a:p>
-            <a:pPr marL="542925" lvl="0" indent="-276225" algn="l" defTabSz="914400" latinLnBrk="1">
-              <a:lnSpc>
-                <a:spcPct val="150000"/>
-              </a:lnSpc>
-              <a:buFont typeface="Wingdings" pitchFamily="2" charset="2"/>
-              <a:buChar char="§"/>
-              <a:tabLst>
-                <a:tab pos="1162050" algn="l"/>
-              </a:tabLst>
-            </a:pPr>
-            <a:r>
-              <a:rPr lang="ko-KR" altLang="en-US" sz="1200" b="1" kern="1200" spc="-50">
-                <a:solidFill>
-                  <a:schemeClr val="tx2">
-                    <a:lumMod val="90000"/>
-                    <a:lumOff val="10000"/>
-                  </a:schemeClr>
-                </a:solidFill>
-                <a:latin typeface="나눔고딕"/>
-                <a:ea typeface="나눔고딕"/>
-                <a:cs typeface="+mn-cs"/>
-              </a:rPr>
-              <a:t>할인쿠폰</a:t>
-            </a:r>
-            <a:r>
-              <a:rPr lang="en-US" altLang="en-US" sz="1200" b="1" kern="1200" spc="-50">
-                <a:solidFill>
-                  <a:schemeClr val="tx2">
-                    <a:lumMod val="90000"/>
-                    <a:lumOff val="10000"/>
-                  </a:schemeClr>
-                </a:solidFill>
-                <a:latin typeface="나눔고딕"/>
-                <a:ea typeface="나눔고딕"/>
-                <a:cs typeface="+mn-cs"/>
-              </a:rPr>
-              <a:t> </a:t>
-            </a:r>
-            <a:r>
-              <a:rPr lang="ko-KR" altLang="en-US" sz="1200" b="1" kern="1200" spc="-50">
-                <a:solidFill>
-                  <a:schemeClr val="tx2">
-                    <a:lumMod val="90000"/>
-                    <a:lumOff val="10000"/>
-                  </a:schemeClr>
-                </a:solidFill>
-                <a:latin typeface="나눔고딕"/>
-                <a:ea typeface="나눔고딕"/>
-                <a:cs typeface="+mn-cs"/>
-              </a:rPr>
-              <a:t>발급</a:t>
-            </a:r>
-            <a:r>
-              <a:rPr lang="en-US" altLang="en-US" sz="1200" b="1" kern="1200" spc="-50">
-                <a:solidFill>
-                  <a:schemeClr val="tx2">
-                    <a:lumMod val="90000"/>
-                    <a:lumOff val="10000"/>
-                  </a:schemeClr>
-                </a:solidFill>
-                <a:latin typeface="나눔고딕"/>
-                <a:ea typeface="나눔고딕"/>
-                <a:cs typeface="+mn-cs"/>
-              </a:rPr>
-              <a:t> </a:t>
-            </a:r>
-          </a:p>
-          <a:p>
-            <a:pPr marL="542925" lvl="0" indent="-276225" algn="l" defTabSz="914400" latinLnBrk="1">
-              <a:lnSpc>
-                <a:spcPct val="150000"/>
-              </a:lnSpc>
-              <a:buFont typeface="Wingdings" pitchFamily="2" charset="2"/>
-              <a:buChar char="§"/>
-              <a:tabLst>
-                <a:tab pos="1162050" algn="l"/>
-              </a:tabLst>
-            </a:pPr>
-            <a:r>
-              <a:rPr lang="ko-KR" altLang="en-US" sz="1200" b="1" kern="1200" spc="-50">
-                <a:solidFill>
-                  <a:schemeClr val="tx2">
-                    <a:lumMod val="90000"/>
-                    <a:lumOff val="10000"/>
-                  </a:schemeClr>
-                </a:solidFill>
-                <a:latin typeface="나눔고딕"/>
-                <a:ea typeface="나눔고딕"/>
-                <a:cs typeface="+mn-cs"/>
-              </a:rPr>
-              <a:t>매장</a:t>
-            </a:r>
-            <a:r>
-              <a:rPr lang="en-US" altLang="en-US" sz="1200" b="1" kern="1200" spc="-50">
-                <a:solidFill>
-                  <a:schemeClr val="tx2">
-                    <a:lumMod val="90000"/>
-                    <a:lumOff val="10000"/>
-                  </a:schemeClr>
-                </a:solidFill>
-                <a:latin typeface="나눔고딕"/>
-                <a:ea typeface="나눔고딕"/>
-                <a:cs typeface="+mn-cs"/>
-              </a:rPr>
-              <a:t> </a:t>
-            </a:r>
-            <a:r>
-              <a:rPr lang="ko-KR" altLang="en-US" sz="1200" b="1" kern="1200" spc="-50">
-                <a:solidFill>
-                  <a:schemeClr val="tx2">
-                    <a:lumMod val="90000"/>
-                    <a:lumOff val="10000"/>
-                  </a:schemeClr>
-                </a:solidFill>
-                <a:latin typeface="나눔고딕"/>
-                <a:ea typeface="나눔고딕"/>
-                <a:cs typeface="+mn-cs"/>
-              </a:rPr>
-              <a:t>디스플레이</a:t>
-            </a:r>
-            <a:r>
-              <a:rPr lang="en-US" altLang="en-US" sz="1200" b="1" kern="1200" spc="-50">
-                <a:solidFill>
-                  <a:schemeClr val="tx2">
-                    <a:lumMod val="90000"/>
-                    <a:lumOff val="10000"/>
-                  </a:schemeClr>
-                </a:solidFill>
-                <a:latin typeface="나눔고딕"/>
-                <a:ea typeface="나눔고딕"/>
-                <a:cs typeface="+mn-cs"/>
-              </a:rPr>
-              <a:t> </a:t>
-            </a:r>
-            <a:r>
-              <a:rPr lang="ko-KR" altLang="en-US" sz="1200" b="1" kern="1200" spc="-50">
-                <a:solidFill>
-                  <a:schemeClr val="tx2">
-                    <a:lumMod val="90000"/>
-                    <a:lumOff val="10000"/>
-                  </a:schemeClr>
-                </a:solidFill>
-                <a:latin typeface="나눔고딕"/>
-                <a:ea typeface="나눔고딕"/>
-                <a:cs typeface="+mn-cs"/>
-              </a:rPr>
-              <a:t>강화</a:t>
-            </a:r>
-            <a:r>
-              <a:rPr lang="en-US" altLang="en-US" sz="1200" b="1" kern="1200" spc="-50">
-                <a:solidFill>
-                  <a:schemeClr val="tx2">
-                    <a:lumMod val="90000"/>
-                    <a:lumOff val="10000"/>
-                  </a:schemeClr>
-                </a:solidFill>
-                <a:latin typeface="나눔고딕"/>
-                <a:ea typeface="나눔고딕"/>
-                <a:cs typeface="+mn-cs"/>
-              </a:rPr>
-              <a:t> </a:t>
-            </a:r>
-            <a:r>
-              <a:rPr lang="ko-KR" altLang="en-US" sz="1200" b="1" kern="1200" spc="-50">
-                <a:solidFill>
-                  <a:schemeClr val="tx2">
-                    <a:lumMod val="90000"/>
-                    <a:lumOff val="10000"/>
-                  </a:schemeClr>
-                </a:solidFill>
-                <a:latin typeface="나눔고딕"/>
-                <a:ea typeface="나눔고딕"/>
-                <a:cs typeface="+mn-cs"/>
-              </a:rPr>
-              <a:t>등</a:t>
-            </a:r>
-            <a:r>
-              <a:rPr lang="en-US" altLang="en-US" sz="1200" b="1" kern="1200" spc="-50">
-                <a:solidFill>
-                  <a:schemeClr val="tx2">
-                    <a:lumMod val="90000"/>
-                    <a:lumOff val="10000"/>
-                  </a:schemeClr>
-                </a:solidFill>
-                <a:latin typeface="나눔고딕"/>
-                <a:ea typeface="나눔고딕"/>
-                <a:cs typeface="+mn-cs"/>
-              </a:rPr>
-              <a:t>   </a:t>
-            </a:r>
-          </a:p>
-        </p:txBody>
-      </p:sp>
-      <p:sp>
-        <p:nvSpPr>
-          <p:cNvPr id="8" name="slide7_shape6"/>
-          <p:cNvSpPr/>
-          <p:nvPr/>
-        </p:nvSpPr>
-        <p:spPr>
-          <a:xfrm>
-            <a:off x="400050" y="4458376"/>
-            <a:ext cx="1467296" cy="1361400"/>
-          </a:xfrm>
-          <a:prstGeom prst="rect">
-            <a:avLst/>
-          </a:prstGeom>
-          <a:gradFill rotWithShape="1">
-            <a:gsLst>
-              <a:gs pos="0">
-                <a:schemeClr val="accent4">
-                  <a:shade val="51000"/>
-                  <a:satMod val="130000"/>
-                </a:schemeClr>
-              </a:gs>
-              <a:gs pos="80000">
-                <a:schemeClr val="accent4">
-                  <a:shade val="93000"/>
-                  <a:satMod val="130000"/>
-                </a:schemeClr>
-              </a:gs>
-              <a:gs pos="100000">
-                <a:schemeClr val="accent4">
-                  <a:shade val="94000"/>
-                  <a:satMod val="135000"/>
-                </a:schemeClr>
-              </a:gs>
-            </a:gsLst>
-            <a:lin ang="16200000" scaled="1"/>
-            <a:tileRect/>
-          </a:gradFill>
-          <a:ln w="9525" cap="flat">
-            <a:solidFill>
-              <a:schemeClr val="accent4">
-                <a:shade val="95000"/>
-                <a:satMod val="105000"/>
-              </a:schemeClr>
-            </a:solidFill>
-            <a:prstDash val="solid"/>
-          </a:ln>
-        </p:spPr>
-        <p:style>
-          <a:lnRef idx="1">
-            <a:schemeClr val="accent4"/>
-          </a:lnRef>
-          <a:fillRef idx="3">
-            <a:schemeClr val="accent4"/>
-          </a:fillRef>
-          <a:effectRef idx="2">
-            <a:schemeClr val="accent4"/>
-          </a:effectRef>
-          <a:fontRef idx="minor">
-            <a:schemeClr val="lt1"/>
-          </a:fontRef>
-        </p:style>
-        <p:txBody>
-          <a:bodyPr anchor="ctr"/>
-          <a:lstStyle/>
-          <a:p>
-            <a:pPr marL="0" lvl="0" algn="ctr" defTabSz="914400" latinLnBrk="1"/>
-            <a:r>
-              <a:rPr lang="ko-KR" altLang="en-US" sz="1400" b="1" kern="1200" spc="-50">
-                <a:solidFill>
-                  <a:schemeClr val="bg1"/>
-                </a:solidFill>
-                <a:latin typeface="나눔고딕"/>
-                <a:ea typeface="나눔고딕"/>
-                <a:cs typeface="+mn-cs"/>
-              </a:rPr>
-              <a:t>기존고객</a:t>
-            </a:r>
-            <a:endParaRPr sz="1400" b="1" kern="1200" spc="-50">
-              <a:solidFill>
-                <a:schemeClr val="bg1"/>
-              </a:solidFill>
-              <a:latin typeface="나눔고딕"/>
-              <a:ea typeface="나눔고딕"/>
-              <a:cs typeface="+mn-cs"/>
-            </a:endParaRPr>
-          </a:p>
-          <a:p>
-            <a:pPr marL="0" lvl="0" algn="ctr" defTabSz="914400" latinLnBrk="1"/>
-            <a:r>
-              <a:rPr lang="ko-KR" altLang="en-US" sz="1400" b="1" kern="1200" spc="-50">
-                <a:solidFill>
-                  <a:schemeClr val="bg1"/>
-                </a:solidFill>
-                <a:latin typeface="나눔고딕"/>
-                <a:ea typeface="나눔고딕"/>
-                <a:cs typeface="+mn-cs"/>
-              </a:rPr>
-              <a:t>로열티강화</a:t>
-            </a:r>
-            <a:endParaRPr sz="1400" b="1" kern="1200" spc="-50">
-              <a:solidFill>
-                <a:schemeClr val="bg1"/>
-              </a:solidFill>
-              <a:latin typeface="나눔고딕"/>
-              <a:ea typeface="나눔고딕"/>
-              <a:cs typeface="+mn-cs"/>
-            </a:endParaRPr>
-          </a:p>
-        </p:txBody>
-      </p:sp>
-      <p:sp>
-        <p:nvSpPr>
-          <p:cNvPr id="9" name="slide7_shape7"/>
-          <p:cNvSpPr/>
-          <p:nvPr/>
-        </p:nvSpPr>
-        <p:spPr>
-          <a:xfrm>
-            <a:off x="1924050" y="4458376"/>
-            <a:ext cx="2613855" cy="1361400"/>
-          </a:xfrm>
-          <a:prstGeom prst="rect">
-            <a:avLst/>
-          </a:prstGeom>
-          <a:gradFill>
-            <a:gsLst>
-              <a:gs pos="0">
-                <a:schemeClr val="bg1">
-                  <a:lumMod val="85000"/>
-                </a:schemeClr>
-              </a:gs>
-              <a:gs pos="80000">
-                <a:schemeClr val="tx2">
-                  <a:lumMod val="10000"/>
-                  <a:lumOff val="90000"/>
-                </a:schemeClr>
-              </a:gs>
-            </a:gsLst>
-            <a:lin ang="16200000" scaled="1"/>
-            <a:tileRect/>
-          </a:gradFill>
-          <a:ln w="9525" cap="flat">
-            <a:noFill/>
-            <a:prstDash val="solid"/>
-          </a:ln>
-        </p:spPr>
-        <p:style>
-          <a:lnRef idx="1">
-            <a:schemeClr val="accent5"/>
-          </a:lnRef>
-          <a:fillRef idx="3">
-            <a:schemeClr val="accent5"/>
-          </a:fillRef>
-          <a:effectRef idx="2">
-            <a:schemeClr val="accent5"/>
-          </a:effectRef>
-          <a:fontRef idx="minor">
-            <a:schemeClr val="lt1"/>
-          </a:fontRef>
-        </p:style>
-        <p:txBody>
-          <a:bodyPr anchor="ctr"/>
-          <a:lstStyle/>
-          <a:p>
-            <a:pPr marL="542925" lvl="0" indent="-276225" algn="l" defTabSz="914400" latinLnBrk="1">
-              <a:lnSpc>
-                <a:spcPct val="150000"/>
-              </a:lnSpc>
-              <a:buFont typeface="Wingdings" pitchFamily="2" charset="2"/>
-              <a:buChar char="§"/>
-            </a:pPr>
-            <a:r>
-              <a:rPr lang="ko-KR" altLang="en-US" sz="1200" b="1" kern="1200" spc="-50">
-                <a:solidFill>
-                  <a:schemeClr val="tx2">
-                    <a:lumMod val="90000"/>
-                    <a:lumOff val="10000"/>
-                  </a:schemeClr>
-                </a:solidFill>
-                <a:latin typeface="나눔고딕"/>
-                <a:ea typeface="나눔고딕"/>
-                <a:cs typeface="+mn-cs"/>
-              </a:rPr>
-              <a:t>쿠폰</a:t>
-            </a:r>
-            <a:r>
-              <a:rPr lang="en-US" altLang="en-US" sz="1200" b="1" kern="1200" spc="-50">
-                <a:solidFill>
-                  <a:schemeClr val="tx2">
-                    <a:lumMod val="90000"/>
-                    <a:lumOff val="10000"/>
-                  </a:schemeClr>
-                </a:solidFill>
-                <a:latin typeface="나눔고딕"/>
-                <a:ea typeface="나눔고딕"/>
-                <a:cs typeface="+mn-cs"/>
-              </a:rPr>
-              <a:t> </a:t>
-            </a:r>
-            <a:r>
-              <a:rPr lang="ko-KR" altLang="en-US" sz="1200" b="1" kern="1200" spc="-50">
-                <a:solidFill>
-                  <a:schemeClr val="tx2">
-                    <a:lumMod val="90000"/>
-                    <a:lumOff val="10000"/>
-                  </a:schemeClr>
-                </a:solidFill>
-                <a:latin typeface="나눔고딕"/>
-                <a:ea typeface="나눔고딕"/>
-                <a:cs typeface="+mn-cs"/>
-              </a:rPr>
-              <a:t>북</a:t>
-            </a:r>
-            <a:r>
-              <a:rPr lang="en-US" altLang="en-US" sz="1200" b="1" kern="1200" spc="-50">
-                <a:solidFill>
-                  <a:schemeClr val="tx2">
-                    <a:lumMod val="90000"/>
-                    <a:lumOff val="10000"/>
-                  </a:schemeClr>
-                </a:solidFill>
-                <a:latin typeface="나눔고딕"/>
-                <a:ea typeface="나눔고딕"/>
-                <a:cs typeface="+mn-cs"/>
-              </a:rPr>
-              <a:t> </a:t>
-            </a:r>
-            <a:r>
-              <a:rPr lang="ko-KR" altLang="en-US" sz="1200" b="1" kern="1200" spc="-50">
-                <a:solidFill>
-                  <a:schemeClr val="tx2">
-                    <a:lumMod val="90000"/>
-                    <a:lumOff val="10000"/>
-                  </a:schemeClr>
-                </a:solidFill>
-                <a:latin typeface="나눔고딕"/>
-                <a:ea typeface="나눔고딕"/>
-                <a:cs typeface="+mn-cs"/>
-              </a:rPr>
-              <a:t>발송</a:t>
-            </a:r>
-            <a:r>
-              <a:rPr lang="en-US" altLang="en-US" sz="1200" b="1" kern="1200" spc="-50">
-                <a:solidFill>
-                  <a:schemeClr val="tx2">
-                    <a:lumMod val="90000"/>
-                    <a:lumOff val="10000"/>
-                  </a:schemeClr>
-                </a:solidFill>
-                <a:latin typeface="나눔고딕"/>
-                <a:ea typeface="나눔고딕"/>
-                <a:cs typeface="+mn-cs"/>
-              </a:rPr>
-              <a:t> </a:t>
-            </a:r>
-          </a:p>
-          <a:p>
-            <a:pPr marL="542925" lvl="0" indent="-276225" algn="l" defTabSz="914400" latinLnBrk="1">
-              <a:lnSpc>
-                <a:spcPct val="150000"/>
-              </a:lnSpc>
-              <a:buFont typeface="Wingdings" pitchFamily="2" charset="2"/>
-              <a:buChar char="§"/>
-            </a:pPr>
-            <a:r>
-              <a:rPr lang="ko-KR" altLang="en-US" sz="1200" b="1" kern="1200" spc="-50">
-                <a:solidFill>
-                  <a:schemeClr val="tx2">
-                    <a:lumMod val="90000"/>
-                    <a:lumOff val="10000"/>
-                  </a:schemeClr>
-                </a:solidFill>
-                <a:latin typeface="나눔고딕"/>
-                <a:ea typeface="나눔고딕"/>
-                <a:cs typeface="+mn-cs"/>
-              </a:rPr>
-              <a:t>분기별</a:t>
-            </a:r>
-            <a:r>
-              <a:rPr lang="en-US" altLang="en-US" sz="1200" b="1" kern="1200" spc="-50">
-                <a:solidFill>
-                  <a:schemeClr val="tx2">
-                    <a:lumMod val="90000"/>
-                    <a:lumOff val="10000"/>
-                  </a:schemeClr>
-                </a:solidFill>
-                <a:latin typeface="나눔고딕"/>
-                <a:ea typeface="나눔고딕"/>
-                <a:cs typeface="+mn-cs"/>
-              </a:rPr>
-              <a:t> </a:t>
-            </a:r>
-            <a:r>
-              <a:rPr lang="ko-KR" altLang="en-US" sz="1200" b="1" kern="1200" spc="-50">
-                <a:solidFill>
-                  <a:schemeClr val="tx2">
-                    <a:lumMod val="90000"/>
-                    <a:lumOff val="10000"/>
-                  </a:schemeClr>
-                </a:solidFill>
-                <a:latin typeface="나눔고딕"/>
-                <a:ea typeface="나눔고딕"/>
-                <a:cs typeface="+mn-cs"/>
-              </a:rPr>
-              <a:t>초청행사</a:t>
-            </a:r>
-            <a:r>
-              <a:rPr lang="en-US" altLang="en-US" sz="1200" b="1" kern="1200" spc="-50">
-                <a:solidFill>
-                  <a:schemeClr val="tx2">
-                    <a:lumMod val="90000"/>
-                    <a:lumOff val="10000"/>
-                  </a:schemeClr>
-                </a:solidFill>
-                <a:latin typeface="나눔고딕"/>
-                <a:ea typeface="나눔고딕"/>
-                <a:cs typeface="+mn-cs"/>
-              </a:rPr>
-              <a:t> </a:t>
-            </a:r>
-            <a:r>
-              <a:rPr lang="ko-KR" altLang="en-US" sz="1200" b="1" kern="1200" spc="-50">
-                <a:solidFill>
-                  <a:schemeClr val="tx2">
-                    <a:lumMod val="90000"/>
-                    <a:lumOff val="10000"/>
-                  </a:schemeClr>
-                </a:solidFill>
-                <a:latin typeface="나눔고딕"/>
-                <a:ea typeface="나눔고딕"/>
-                <a:cs typeface="+mn-cs"/>
-              </a:rPr>
-              <a:t>진행</a:t>
-            </a:r>
-          </a:p>
-          <a:p>
-            <a:pPr marL="542925" lvl="0" indent="-276225" algn="l" defTabSz="914400" latinLnBrk="1">
-              <a:lnSpc>
-                <a:spcPct val="150000"/>
-              </a:lnSpc>
-              <a:buFont typeface="Wingdings" pitchFamily="2" charset="2"/>
-              <a:buChar char="§"/>
-            </a:pPr>
-            <a:r>
-              <a:rPr lang="ko-KR" altLang="en-US" sz="1200" b="1" kern="1200" spc="-50">
-                <a:solidFill>
-                  <a:schemeClr val="tx2">
-                    <a:lumMod val="90000"/>
-                    <a:lumOff val="10000"/>
-                  </a:schemeClr>
-                </a:solidFill>
-                <a:latin typeface="나눔고딕"/>
-                <a:ea typeface="나눔고딕"/>
-                <a:cs typeface="+mn-cs"/>
-              </a:rPr>
-              <a:t>쿠폰</a:t>
-            </a:r>
-            <a:r>
-              <a:rPr lang="en-US" altLang="en-US" sz="1200" b="1" kern="1200" spc="-50">
-                <a:solidFill>
-                  <a:schemeClr val="tx2">
-                    <a:lumMod val="90000"/>
-                    <a:lumOff val="10000"/>
-                  </a:schemeClr>
-                </a:solidFill>
-                <a:latin typeface="나눔고딕"/>
-                <a:ea typeface="나눔고딕"/>
-                <a:cs typeface="+mn-cs"/>
-              </a:rPr>
-              <a:t> </a:t>
-            </a:r>
-            <a:r>
-              <a:rPr lang="ko-KR" altLang="en-US" sz="1200" b="1" kern="1200" spc="-50">
-                <a:solidFill>
-                  <a:schemeClr val="tx2">
-                    <a:lumMod val="90000"/>
-                    <a:lumOff val="10000"/>
-                  </a:schemeClr>
-                </a:solidFill>
-                <a:latin typeface="나눔고딕"/>
-                <a:ea typeface="나눔고딕"/>
-                <a:cs typeface="+mn-cs"/>
-              </a:rPr>
-              <a:t>북</a:t>
-            </a:r>
-            <a:r>
-              <a:rPr lang="en-US" altLang="en-US" sz="1200" b="1" kern="1200" spc="-50">
-                <a:solidFill>
-                  <a:schemeClr val="tx2">
-                    <a:lumMod val="90000"/>
-                    <a:lumOff val="10000"/>
-                  </a:schemeClr>
-                </a:solidFill>
-                <a:latin typeface="나눔고딕"/>
-                <a:ea typeface="나눔고딕"/>
-                <a:cs typeface="+mn-cs"/>
-              </a:rPr>
-              <a:t> </a:t>
-            </a:r>
-            <a:r>
-              <a:rPr lang="ko-KR" altLang="en-US" sz="1200" b="1" kern="1200" spc="-50">
-                <a:solidFill>
-                  <a:schemeClr val="tx2">
-                    <a:lumMod val="90000"/>
-                    <a:lumOff val="10000"/>
-                  </a:schemeClr>
-                </a:solidFill>
-                <a:latin typeface="나눔고딕"/>
-                <a:ea typeface="나눔고딕"/>
-                <a:cs typeface="+mn-cs"/>
-              </a:rPr>
-              <a:t>매장</a:t>
-            </a:r>
-            <a:r>
-              <a:rPr lang="en-US" altLang="en-US" sz="1200" b="1" kern="1200" spc="-50">
-                <a:solidFill>
-                  <a:schemeClr val="tx2">
-                    <a:lumMod val="90000"/>
-                    <a:lumOff val="10000"/>
-                  </a:schemeClr>
-                </a:solidFill>
-                <a:latin typeface="나눔고딕"/>
-                <a:ea typeface="나눔고딕"/>
-                <a:cs typeface="+mn-cs"/>
-              </a:rPr>
-              <a:t> </a:t>
-            </a:r>
-            <a:r>
-              <a:rPr lang="ko-KR" altLang="en-US" sz="1200" b="1" kern="1200" spc="-50">
-                <a:solidFill>
-                  <a:schemeClr val="tx2">
-                    <a:lumMod val="90000"/>
-                    <a:lumOff val="10000"/>
-                  </a:schemeClr>
-                </a:solidFill>
-                <a:latin typeface="나눔고딕"/>
-                <a:ea typeface="나눔고딕"/>
-                <a:cs typeface="+mn-cs"/>
-              </a:rPr>
-              <a:t>내</a:t>
-            </a:r>
-            <a:r>
-              <a:rPr lang="en-US" altLang="en-US" sz="1200" b="1" kern="1200" spc="-50">
-                <a:solidFill>
-                  <a:schemeClr val="tx2">
-                    <a:lumMod val="90000"/>
-                    <a:lumOff val="10000"/>
-                  </a:schemeClr>
-                </a:solidFill>
-                <a:latin typeface="나눔고딕"/>
-                <a:ea typeface="나눔고딕"/>
-                <a:cs typeface="+mn-cs"/>
-              </a:rPr>
-              <a:t> </a:t>
-            </a:r>
-            <a:r>
-              <a:rPr lang="ko-KR" altLang="en-US" sz="1200" b="1" kern="1200" spc="-50">
-                <a:solidFill>
-                  <a:schemeClr val="tx2">
-                    <a:lumMod val="90000"/>
-                    <a:lumOff val="10000"/>
-                  </a:schemeClr>
-                </a:solidFill>
-                <a:latin typeface="나눔고딕"/>
-                <a:ea typeface="나눔고딕"/>
-                <a:cs typeface="+mn-cs"/>
-              </a:rPr>
-              <a:t>배치</a:t>
-            </a:r>
-          </a:p>
-        </p:txBody>
-      </p:sp>
-      <p:sp>
-        <p:nvSpPr>
-          <p:cNvPr id="10" name="slide7_shape8"/>
-          <p:cNvSpPr/>
-          <p:nvPr/>
-        </p:nvSpPr>
-        <p:spPr>
-          <a:xfrm>
-            <a:off x="4587045" y="3019426"/>
-            <a:ext cx="1467296" cy="1361400"/>
-          </a:xfrm>
-          <a:prstGeom prst="rect">
-            <a:avLst/>
-          </a:prstGeom>
-          <a:gradFill rotWithShape="1">
-            <a:gsLst>
-              <a:gs pos="0">
-                <a:schemeClr val="accent4">
-                  <a:shade val="51000"/>
-                  <a:satMod val="130000"/>
-                </a:schemeClr>
-              </a:gs>
-              <a:gs pos="80000">
-                <a:schemeClr val="accent4">
-                  <a:shade val="93000"/>
-                  <a:satMod val="130000"/>
-                </a:schemeClr>
-              </a:gs>
-              <a:gs pos="100000">
-                <a:schemeClr val="accent4">
-                  <a:shade val="94000"/>
-                  <a:satMod val="135000"/>
-                </a:schemeClr>
-              </a:gs>
-            </a:gsLst>
-            <a:lin ang="16200000" scaled="1"/>
-            <a:tileRect/>
-          </a:gradFill>
-          <a:ln w="9525" cap="flat">
-            <a:solidFill>
-              <a:schemeClr val="accent4">
-                <a:shade val="95000"/>
-                <a:satMod val="105000"/>
-              </a:schemeClr>
-            </a:solidFill>
-            <a:prstDash val="solid"/>
-          </a:ln>
-        </p:spPr>
-        <p:style>
-          <a:lnRef idx="1">
-            <a:schemeClr val="accent4"/>
-          </a:lnRef>
-          <a:fillRef idx="3">
-            <a:schemeClr val="accent4"/>
-          </a:fillRef>
-          <a:effectRef idx="2">
-            <a:schemeClr val="accent4"/>
-          </a:effectRef>
-          <a:fontRef idx="minor">
-            <a:schemeClr val="lt1"/>
-          </a:fontRef>
-        </p:style>
-        <p:txBody>
-          <a:bodyPr anchor="ctr"/>
-          <a:lstStyle/>
-          <a:p>
-            <a:pPr marL="0" algn="ctr" defTabSz="914400" latinLnBrk="1"/>
-            <a:r>
-              <a:rPr lang="ko-KR" altLang="en-US" sz="1400" b="1" kern="1200" spc="-50">
-                <a:solidFill>
-                  <a:schemeClr val="lt1"/>
-                </a:solidFill>
-                <a:latin typeface="나눔고딕"/>
-                <a:ea typeface="나눔고딕"/>
-                <a:cs typeface="+mn-cs"/>
-              </a:rPr>
-              <a:t>신규고객</a:t>
-            </a:r>
-            <a:r>
-              <a:rPr lang="en-US" altLang="en-US" sz="1400" b="1" kern="1200" spc="-50">
-                <a:solidFill>
-                  <a:schemeClr val="lt1"/>
-                </a:solidFill>
-                <a:latin typeface="나눔고딕"/>
-                <a:ea typeface="나눔고딕"/>
-                <a:cs typeface="+mn-cs"/>
-              </a:rPr>
-              <a:t> </a:t>
-            </a:r>
-            <a:r>
-              <a:rPr lang="ko-KR" altLang="en-US" sz="1400" b="1" kern="1200" spc="-50">
-                <a:solidFill>
-                  <a:schemeClr val="lt1"/>
-                </a:solidFill>
-                <a:latin typeface="나눔고딕"/>
-                <a:ea typeface="나눔고딕"/>
-                <a:cs typeface="+mn-cs"/>
-              </a:rPr>
-              <a:t>유치</a:t>
-            </a:r>
-          </a:p>
-        </p:txBody>
-      </p:sp>
-      <p:sp>
-        <p:nvSpPr>
-          <p:cNvPr id="11" name="slide7_shape9"/>
-          <p:cNvSpPr/>
-          <p:nvPr/>
-        </p:nvSpPr>
-        <p:spPr>
-          <a:xfrm>
-            <a:off x="6111045" y="3019426"/>
-            <a:ext cx="2613855" cy="1361400"/>
-          </a:xfrm>
-          <a:prstGeom prst="rect">
-            <a:avLst/>
-          </a:prstGeom>
-          <a:gradFill>
-            <a:gsLst>
-              <a:gs pos="0">
-                <a:schemeClr val="bg1">
-                  <a:lumMod val="85000"/>
-                </a:schemeClr>
-              </a:gs>
-              <a:gs pos="80000">
-                <a:schemeClr val="tx2">
-                  <a:lumMod val="10000"/>
-                  <a:lumOff val="90000"/>
-                </a:schemeClr>
-              </a:gs>
-            </a:gsLst>
-            <a:lin ang="16200000" scaled="1"/>
-            <a:tileRect/>
-          </a:gradFill>
-          <a:ln w="9525" cap="flat">
-            <a:noFill/>
-            <a:prstDash val="solid"/>
-          </a:ln>
-        </p:spPr>
-        <p:style>
-          <a:lnRef idx="1">
-            <a:schemeClr val="accent5"/>
-          </a:lnRef>
-          <a:fillRef idx="3">
-            <a:schemeClr val="accent5"/>
-          </a:fillRef>
-          <a:effectRef idx="2">
-            <a:schemeClr val="accent5"/>
-          </a:effectRef>
-          <a:fontRef idx="minor">
-            <a:schemeClr val="lt1"/>
-          </a:fontRef>
-        </p:style>
-        <p:txBody>
-          <a:bodyPr anchor="ctr"/>
-          <a:lstStyle/>
-          <a:p>
-            <a:pPr marL="542925" lvl="0" indent="-276225" algn="l" defTabSz="914400" latinLnBrk="1">
-              <a:lnSpc>
-                <a:spcPct val="150000"/>
-              </a:lnSpc>
-              <a:buFont typeface="Wingdings" pitchFamily="2" charset="2"/>
-              <a:buChar char="§"/>
-            </a:pPr>
-            <a:r>
-              <a:rPr lang="ko-KR" altLang="en-US" sz="1200" b="1" kern="1200" spc="-50">
-                <a:solidFill>
-                  <a:schemeClr val="tx2">
-                    <a:lumMod val="90000"/>
-                    <a:lumOff val="10000"/>
-                  </a:schemeClr>
-                </a:solidFill>
-                <a:latin typeface="나눔고딕"/>
-                <a:ea typeface="나눔고딕"/>
-                <a:cs typeface="+mn-cs"/>
-              </a:rPr>
-              <a:t>매장디스플레이</a:t>
-            </a:r>
-            <a:r>
-              <a:rPr lang="en-US" altLang="en-US" sz="1200" b="1" kern="1200" spc="-50">
-                <a:solidFill>
-                  <a:schemeClr val="tx2">
-                    <a:lumMod val="90000"/>
-                    <a:lumOff val="10000"/>
-                  </a:schemeClr>
-                </a:solidFill>
-                <a:latin typeface="나눔고딕"/>
-                <a:ea typeface="나눔고딕"/>
-                <a:cs typeface="+mn-cs"/>
-              </a:rPr>
-              <a:t> </a:t>
-            </a:r>
-            <a:r>
-              <a:rPr lang="ko-KR" altLang="en-US" sz="1200" b="1" kern="1200" spc="-50">
-                <a:solidFill>
-                  <a:schemeClr val="tx2">
-                    <a:lumMod val="90000"/>
-                    <a:lumOff val="10000"/>
-                  </a:schemeClr>
-                </a:solidFill>
-                <a:latin typeface="나눔고딕"/>
-                <a:ea typeface="나눔고딕"/>
-                <a:cs typeface="+mn-cs"/>
-              </a:rPr>
-              <a:t>강화</a:t>
-            </a:r>
-          </a:p>
-          <a:p>
-            <a:pPr marL="542925" lvl="0" indent="-276225" algn="l" defTabSz="914400" latinLnBrk="1">
-              <a:lnSpc>
-                <a:spcPct val="150000"/>
-              </a:lnSpc>
-              <a:buFont typeface="Wingdings" pitchFamily="2" charset="2"/>
-              <a:buChar char="§"/>
-              <a:tabLst>
-                <a:tab pos="1162050" algn="l"/>
-              </a:tabLst>
-            </a:pPr>
-            <a:r>
-              <a:rPr lang="ko-KR" altLang="en-US" sz="1200" b="1" kern="1200" spc="-50">
-                <a:solidFill>
-                  <a:schemeClr val="tx2">
-                    <a:lumMod val="90000"/>
-                    <a:lumOff val="10000"/>
-                  </a:schemeClr>
-                </a:solidFill>
-                <a:latin typeface="나눔고딕"/>
-                <a:ea typeface="나눔고딕"/>
-                <a:cs typeface="+mn-cs"/>
-              </a:rPr>
-              <a:t>할인쿠폰</a:t>
-            </a:r>
-            <a:r>
-              <a:rPr lang="en-US" altLang="en-US" sz="1200" b="1" kern="1200" spc="-50">
-                <a:solidFill>
-                  <a:schemeClr val="tx2">
-                    <a:lumMod val="90000"/>
-                    <a:lumOff val="10000"/>
-                  </a:schemeClr>
-                </a:solidFill>
-                <a:latin typeface="나눔고딕"/>
-                <a:ea typeface="나눔고딕"/>
-                <a:cs typeface="+mn-cs"/>
-              </a:rPr>
-              <a:t> </a:t>
-            </a:r>
-            <a:r>
-              <a:rPr lang="ko-KR" altLang="en-US" sz="1200" b="1" kern="1200" spc="-50">
-                <a:solidFill>
-                  <a:schemeClr val="tx2">
-                    <a:lumMod val="90000"/>
-                    <a:lumOff val="10000"/>
-                  </a:schemeClr>
-                </a:solidFill>
-                <a:latin typeface="나눔고딕"/>
-                <a:ea typeface="나눔고딕"/>
-                <a:cs typeface="+mn-cs"/>
-              </a:rPr>
-              <a:t>발급</a:t>
-            </a:r>
-            <a:r>
-              <a:rPr lang="en-US" altLang="en-US" sz="1200" b="1" kern="1200" spc="-50">
-                <a:solidFill>
-                  <a:schemeClr val="tx2">
-                    <a:lumMod val="90000"/>
-                    <a:lumOff val="10000"/>
-                  </a:schemeClr>
-                </a:solidFill>
-                <a:latin typeface="나눔고딕"/>
-                <a:ea typeface="나눔고딕"/>
-                <a:cs typeface="+mn-cs"/>
-              </a:rPr>
-              <a:t> </a:t>
-            </a:r>
-          </a:p>
-          <a:p>
-            <a:pPr marL="542925" lvl="0" indent="-276225" algn="l" defTabSz="914400" latinLnBrk="1">
-              <a:lnSpc>
-                <a:spcPct val="150000"/>
-              </a:lnSpc>
-              <a:buFont typeface="Wingdings" pitchFamily="2" charset="2"/>
-              <a:buChar char="§"/>
-              <a:tabLst>
-                <a:tab pos="1162050" algn="l"/>
-              </a:tabLst>
-            </a:pPr>
-            <a:r>
-              <a:rPr lang="ko-KR" altLang="en-US" sz="1200" b="1" kern="1200" spc="-50">
-                <a:solidFill>
-                  <a:schemeClr val="tx2">
-                    <a:lumMod val="90000"/>
-                    <a:lumOff val="10000"/>
-                  </a:schemeClr>
-                </a:solidFill>
-                <a:latin typeface="나눔고딕"/>
-                <a:ea typeface="나눔고딕"/>
-                <a:cs typeface="+mn-cs"/>
-              </a:rPr>
-              <a:t>매장</a:t>
-            </a:r>
-            <a:r>
-              <a:rPr lang="en-US" altLang="en-US" sz="1200" b="1" kern="1200" spc="-50">
-                <a:solidFill>
-                  <a:schemeClr val="tx2">
-                    <a:lumMod val="90000"/>
-                    <a:lumOff val="10000"/>
-                  </a:schemeClr>
-                </a:solidFill>
-                <a:latin typeface="나눔고딕"/>
-                <a:ea typeface="나눔고딕"/>
-                <a:cs typeface="+mn-cs"/>
-              </a:rPr>
-              <a:t> </a:t>
-            </a:r>
-            <a:r>
-              <a:rPr lang="ko-KR" altLang="en-US" sz="1200" b="1" kern="1200" spc="-50">
-                <a:solidFill>
-                  <a:schemeClr val="tx2">
-                    <a:lumMod val="90000"/>
-                    <a:lumOff val="10000"/>
-                  </a:schemeClr>
-                </a:solidFill>
-                <a:latin typeface="나눔고딕"/>
-                <a:ea typeface="나눔고딕"/>
-                <a:cs typeface="+mn-cs"/>
-              </a:rPr>
-              <a:t>디스플레이</a:t>
-            </a:r>
-            <a:r>
-              <a:rPr lang="en-US" altLang="en-US" sz="1200" b="1" kern="1200" spc="-50">
-                <a:solidFill>
-                  <a:schemeClr val="tx2">
-                    <a:lumMod val="90000"/>
-                    <a:lumOff val="10000"/>
-                  </a:schemeClr>
-                </a:solidFill>
-                <a:latin typeface="나눔고딕"/>
-                <a:ea typeface="나눔고딕"/>
-                <a:cs typeface="+mn-cs"/>
-              </a:rPr>
-              <a:t> </a:t>
-            </a:r>
-            <a:r>
-              <a:rPr lang="ko-KR" altLang="en-US" sz="1200" b="1" kern="1200" spc="-50">
-                <a:solidFill>
-                  <a:schemeClr val="tx2">
-                    <a:lumMod val="90000"/>
-                    <a:lumOff val="10000"/>
-                  </a:schemeClr>
-                </a:solidFill>
-                <a:latin typeface="나눔고딕"/>
-                <a:ea typeface="나눔고딕"/>
-                <a:cs typeface="+mn-cs"/>
-              </a:rPr>
-              <a:t>강화</a:t>
-            </a:r>
-            <a:r>
-              <a:rPr lang="en-US" altLang="en-US" sz="1200" b="1" kern="1200" spc="-50">
-                <a:solidFill>
-                  <a:schemeClr val="tx2">
-                    <a:lumMod val="90000"/>
-                    <a:lumOff val="10000"/>
-                  </a:schemeClr>
-                </a:solidFill>
-                <a:latin typeface="나눔고딕"/>
-                <a:ea typeface="나눔고딕"/>
-                <a:cs typeface="+mn-cs"/>
-              </a:rPr>
-              <a:t> </a:t>
-            </a:r>
-            <a:r>
-              <a:rPr lang="ko-KR" altLang="en-US" sz="1200" b="1" kern="1200" spc="-50">
-                <a:solidFill>
-                  <a:schemeClr val="tx2">
-                    <a:lumMod val="90000"/>
-                    <a:lumOff val="10000"/>
-                  </a:schemeClr>
-                </a:solidFill>
-                <a:latin typeface="나눔고딕"/>
-                <a:ea typeface="나눔고딕"/>
-                <a:cs typeface="+mn-cs"/>
-              </a:rPr>
-              <a:t>등</a:t>
-            </a:r>
-            <a:r>
-              <a:rPr lang="en-US" altLang="en-US" sz="1200" b="1" kern="1200" spc="-50">
-                <a:solidFill>
-                  <a:schemeClr val="tx2">
-                    <a:lumMod val="90000"/>
-                    <a:lumOff val="10000"/>
-                  </a:schemeClr>
-                </a:solidFill>
-                <a:latin typeface="나눔고딕"/>
-                <a:ea typeface="나눔고딕"/>
-                <a:cs typeface="+mn-cs"/>
-              </a:rPr>
-              <a:t>   </a:t>
-            </a:r>
-          </a:p>
-        </p:txBody>
-      </p:sp>
-      <p:sp>
-        <p:nvSpPr>
-          <p:cNvPr id="12" name="slide7_shape10"/>
-          <p:cNvSpPr/>
-          <p:nvPr/>
-        </p:nvSpPr>
-        <p:spPr>
-          <a:xfrm>
-            <a:off x="4587045" y="4458376"/>
-            <a:ext cx="1467296" cy="1361400"/>
-          </a:xfrm>
-          <a:prstGeom prst="rect">
-            <a:avLst/>
-          </a:prstGeom>
-          <a:gradFill rotWithShape="1">
-            <a:gsLst>
-              <a:gs pos="0">
-                <a:schemeClr val="accent4">
-                  <a:shade val="51000"/>
-                  <a:satMod val="130000"/>
-                </a:schemeClr>
-              </a:gs>
-              <a:gs pos="80000">
-                <a:schemeClr val="accent4">
-                  <a:shade val="93000"/>
-                  <a:satMod val="130000"/>
-                </a:schemeClr>
-              </a:gs>
-              <a:gs pos="100000">
-                <a:schemeClr val="accent4">
-                  <a:shade val="94000"/>
-                  <a:satMod val="135000"/>
-                </a:schemeClr>
-              </a:gs>
-            </a:gsLst>
-            <a:lin ang="16200000" scaled="1"/>
-            <a:tileRect/>
-          </a:gradFill>
-          <a:ln w="9525" cap="flat">
-            <a:solidFill>
-              <a:schemeClr val="accent4">
-                <a:shade val="95000"/>
-                <a:satMod val="105000"/>
-              </a:schemeClr>
-            </a:solidFill>
-            <a:prstDash val="solid"/>
-          </a:ln>
-        </p:spPr>
-        <p:style>
-          <a:lnRef idx="1">
-            <a:schemeClr val="accent4"/>
-          </a:lnRef>
-          <a:fillRef idx="3">
-            <a:schemeClr val="accent4"/>
-          </a:fillRef>
-          <a:effectRef idx="2">
-            <a:schemeClr val="accent4"/>
-          </a:effectRef>
-          <a:fontRef idx="minor">
-            <a:schemeClr val="lt1"/>
-          </a:fontRef>
-        </p:style>
-        <p:txBody>
-          <a:bodyPr anchor="ctr"/>
-          <a:lstStyle/>
-          <a:p>
-            <a:pPr marL="0" lvl="0" algn="ctr" defTabSz="914400" latinLnBrk="1"/>
-            <a:r>
-              <a:rPr lang="ko-KR" altLang="en-US" sz="1400" b="1" kern="1200" spc="-50">
-                <a:solidFill>
-                  <a:schemeClr val="bg1"/>
-                </a:solidFill>
-                <a:latin typeface="나눔고딕"/>
-                <a:ea typeface="나눔고딕"/>
-                <a:cs typeface="+mn-cs"/>
-              </a:rPr>
-              <a:t>기존고객</a:t>
-            </a:r>
-            <a:endParaRPr sz="1400" b="1" kern="1200" spc="-50">
-              <a:solidFill>
-                <a:schemeClr val="bg1"/>
-              </a:solidFill>
-              <a:latin typeface="나눔고딕"/>
-              <a:ea typeface="나눔고딕"/>
-              <a:cs typeface="+mn-cs"/>
-            </a:endParaRPr>
-          </a:p>
-          <a:p>
-            <a:pPr marL="0" lvl="0" algn="ctr" defTabSz="914400" latinLnBrk="1"/>
-            <a:r>
-              <a:rPr lang="ko-KR" altLang="en-US" sz="1400" b="1" kern="1200" spc="-50">
-                <a:solidFill>
-                  <a:schemeClr val="bg1"/>
-                </a:solidFill>
-                <a:latin typeface="나눔고딕"/>
-                <a:ea typeface="나눔고딕"/>
-                <a:cs typeface="+mn-cs"/>
-              </a:rPr>
-              <a:t>로열티강화</a:t>
-            </a:r>
-            <a:endParaRPr sz="1400" b="1" kern="1200" spc="-50">
-              <a:solidFill>
-                <a:schemeClr val="bg1"/>
-              </a:solidFill>
-              <a:latin typeface="나눔고딕"/>
-              <a:ea typeface="나눔고딕"/>
-              <a:cs typeface="+mn-cs"/>
-            </a:endParaRPr>
-          </a:p>
-        </p:txBody>
-      </p:sp>
-      <p:sp>
-        <p:nvSpPr>
-          <p:cNvPr id="13" name="slide7_shape11"/>
-          <p:cNvSpPr/>
-          <p:nvPr/>
-        </p:nvSpPr>
-        <p:spPr>
-          <a:xfrm>
-            <a:off x="6111045" y="4458376"/>
-            <a:ext cx="2613855" cy="1361400"/>
-          </a:xfrm>
-          <a:prstGeom prst="rect">
-            <a:avLst/>
-          </a:prstGeom>
-          <a:gradFill>
-            <a:gsLst>
-              <a:gs pos="0">
-                <a:schemeClr val="bg1">
-                  <a:lumMod val="85000"/>
-                </a:schemeClr>
-              </a:gs>
-              <a:gs pos="80000">
-                <a:schemeClr val="tx2">
-                  <a:lumMod val="10000"/>
-                  <a:lumOff val="90000"/>
-                </a:schemeClr>
-              </a:gs>
-            </a:gsLst>
-            <a:lin ang="16200000" scaled="1"/>
-            <a:tileRect/>
-          </a:gradFill>
-          <a:ln w="9525" cap="flat">
-            <a:noFill/>
-            <a:prstDash val="solid"/>
-          </a:ln>
-        </p:spPr>
-        <p:style>
-          <a:lnRef idx="1">
-            <a:schemeClr val="accent5"/>
-          </a:lnRef>
-          <a:fillRef idx="3">
-            <a:schemeClr val="accent5"/>
-          </a:fillRef>
-          <a:effectRef idx="2">
-            <a:schemeClr val="accent5"/>
-          </a:effectRef>
-          <a:fontRef idx="minor">
-            <a:schemeClr val="lt1"/>
-          </a:fontRef>
-        </p:style>
-        <p:txBody>
-          <a:bodyPr anchor="ctr"/>
-          <a:lstStyle/>
-          <a:p>
-            <a:pPr marL="542925" lvl="0" indent="-276225" algn="l" defTabSz="914400" latinLnBrk="1">
-              <a:lnSpc>
-                <a:spcPct val="150000"/>
-              </a:lnSpc>
-              <a:buFont typeface="Wingdings" pitchFamily="2" charset="2"/>
-              <a:buChar char="§"/>
-            </a:pPr>
-            <a:r>
-              <a:rPr lang="ko-KR" altLang="en-US" sz="1200" b="1" kern="1200" spc="-50">
-                <a:solidFill>
-                  <a:schemeClr val="tx2">
-                    <a:lumMod val="90000"/>
-                    <a:lumOff val="10000"/>
-                  </a:schemeClr>
-                </a:solidFill>
-                <a:latin typeface="나눔고딕"/>
-                <a:ea typeface="나눔고딕"/>
-                <a:cs typeface="+mn-cs"/>
-              </a:rPr>
-              <a:t>쿠폰</a:t>
-            </a:r>
-            <a:r>
-              <a:rPr lang="en-US" altLang="en-US" sz="1200" b="1" kern="1200" spc="-50">
-                <a:solidFill>
-                  <a:schemeClr val="tx2">
-                    <a:lumMod val="90000"/>
-                    <a:lumOff val="10000"/>
-                  </a:schemeClr>
-                </a:solidFill>
-                <a:latin typeface="나눔고딕"/>
-                <a:ea typeface="나눔고딕"/>
-                <a:cs typeface="+mn-cs"/>
-              </a:rPr>
-              <a:t> </a:t>
-            </a:r>
-            <a:r>
-              <a:rPr lang="ko-KR" altLang="en-US" sz="1200" b="1" kern="1200" spc="-50">
-                <a:solidFill>
-                  <a:schemeClr val="tx2">
-                    <a:lumMod val="90000"/>
-                    <a:lumOff val="10000"/>
-                  </a:schemeClr>
-                </a:solidFill>
-                <a:latin typeface="나눔고딕"/>
-                <a:ea typeface="나눔고딕"/>
-                <a:cs typeface="+mn-cs"/>
-              </a:rPr>
-              <a:t>북</a:t>
-            </a:r>
-            <a:r>
-              <a:rPr lang="en-US" altLang="en-US" sz="1200" b="1" kern="1200" spc="-50">
-                <a:solidFill>
-                  <a:schemeClr val="tx2">
-                    <a:lumMod val="90000"/>
-                    <a:lumOff val="10000"/>
-                  </a:schemeClr>
-                </a:solidFill>
-                <a:latin typeface="나눔고딕"/>
-                <a:ea typeface="나눔고딕"/>
-                <a:cs typeface="+mn-cs"/>
-              </a:rPr>
-              <a:t> </a:t>
-            </a:r>
-            <a:r>
-              <a:rPr lang="ko-KR" altLang="en-US" sz="1200" b="1" kern="1200" spc="-50">
-                <a:solidFill>
-                  <a:schemeClr val="tx2">
-                    <a:lumMod val="90000"/>
-                    <a:lumOff val="10000"/>
-                  </a:schemeClr>
-                </a:solidFill>
-                <a:latin typeface="나눔고딕"/>
-                <a:ea typeface="나눔고딕"/>
-                <a:cs typeface="+mn-cs"/>
-              </a:rPr>
-              <a:t>발송</a:t>
-            </a:r>
-            <a:r>
-              <a:rPr lang="en-US" altLang="en-US" sz="1200" b="1" kern="1200" spc="-50">
-                <a:solidFill>
-                  <a:schemeClr val="tx2">
-                    <a:lumMod val="90000"/>
-                    <a:lumOff val="10000"/>
-                  </a:schemeClr>
-                </a:solidFill>
-                <a:latin typeface="나눔고딕"/>
-                <a:ea typeface="나눔고딕"/>
-                <a:cs typeface="+mn-cs"/>
-              </a:rPr>
-              <a:t> </a:t>
-            </a:r>
-          </a:p>
-          <a:p>
-            <a:pPr marL="542925" lvl="0" indent="-276225" algn="l" defTabSz="914400" latinLnBrk="1">
-              <a:lnSpc>
-                <a:spcPct val="150000"/>
-              </a:lnSpc>
-              <a:buFont typeface="Wingdings" pitchFamily="2" charset="2"/>
-              <a:buChar char="§"/>
-            </a:pPr>
-            <a:r>
-              <a:rPr lang="ko-KR" altLang="en-US" sz="1200" b="1" kern="1200" spc="-50">
-                <a:solidFill>
-                  <a:schemeClr val="tx2">
-                    <a:lumMod val="90000"/>
-                    <a:lumOff val="10000"/>
-                  </a:schemeClr>
-                </a:solidFill>
-                <a:latin typeface="나눔고딕"/>
-                <a:ea typeface="나눔고딕"/>
-                <a:cs typeface="+mn-cs"/>
-              </a:rPr>
-              <a:t>분기별</a:t>
-            </a:r>
-            <a:r>
-              <a:rPr lang="en-US" altLang="en-US" sz="1200" b="1" kern="1200" spc="-50">
-                <a:solidFill>
-                  <a:schemeClr val="tx2">
-                    <a:lumMod val="90000"/>
-                    <a:lumOff val="10000"/>
-                  </a:schemeClr>
-                </a:solidFill>
-                <a:latin typeface="나눔고딕"/>
-                <a:ea typeface="나눔고딕"/>
-                <a:cs typeface="+mn-cs"/>
-              </a:rPr>
-              <a:t> </a:t>
-            </a:r>
-            <a:r>
-              <a:rPr lang="ko-KR" altLang="en-US" sz="1200" b="1" kern="1200" spc="-50">
-                <a:solidFill>
-                  <a:schemeClr val="tx2">
-                    <a:lumMod val="90000"/>
-                    <a:lumOff val="10000"/>
-                  </a:schemeClr>
-                </a:solidFill>
-                <a:latin typeface="나눔고딕"/>
-                <a:ea typeface="나눔고딕"/>
-                <a:cs typeface="+mn-cs"/>
-              </a:rPr>
-              <a:t>초청행사</a:t>
-            </a:r>
-            <a:r>
-              <a:rPr lang="en-US" altLang="en-US" sz="1200" b="1" kern="1200" spc="-50">
-                <a:solidFill>
-                  <a:schemeClr val="tx2">
-                    <a:lumMod val="90000"/>
-                    <a:lumOff val="10000"/>
-                  </a:schemeClr>
-                </a:solidFill>
-                <a:latin typeface="나눔고딕"/>
-                <a:ea typeface="나눔고딕"/>
-                <a:cs typeface="+mn-cs"/>
-              </a:rPr>
-              <a:t> </a:t>
-            </a:r>
-            <a:r>
-              <a:rPr lang="ko-KR" altLang="en-US" sz="1200" b="1" kern="1200" spc="-50">
-                <a:solidFill>
-                  <a:schemeClr val="tx2">
-                    <a:lumMod val="90000"/>
-                    <a:lumOff val="10000"/>
-                  </a:schemeClr>
-                </a:solidFill>
-                <a:latin typeface="나눔고딕"/>
-                <a:ea typeface="나눔고딕"/>
-                <a:cs typeface="+mn-cs"/>
-              </a:rPr>
-              <a:t>진행</a:t>
-            </a:r>
-          </a:p>
-        </p:txBody>
-      </p:sp>
-      <p:sp>
-        <p:nvSpPr>
-          <p:cNvPr id="15" name="slide7_shape12"/>
-          <p:cNvSpPr/>
-          <p:nvPr/>
-        </p:nvSpPr>
-        <p:spPr>
-          <a:xfrm>
-            <a:off x="2303749" y="1631109"/>
-            <a:ext cx="6687852" cy="1275443"/>
-          </a:xfrm>
-          <a:prstGeom prst="rect">
-            <a:avLst/>
-          </a:prstGeom>
-        </p:spPr>
-        <p:txBody>
-          <a:bodyPr lIns="91440" tIns="45720" rIns="91440" bIns="45720"/>
-          <a:lstStyle>
-            <a:lvl1pPr marL="342900" indent="-342900" algn="l" defTabSz="914400" latinLnBrk="1">
-              <a:spcBef>
-                <a:spcPct val="20000"/>
-              </a:spcBef>
-              <a:buFont typeface="Arial" pitchFamily="2" charset="2"/>
-              <a:buChar char="•"/>
-              <a:defRPr sz="3200" kern="1200">
-                <a:solidFill>
-                  <a:schemeClr val="tx1"/>
-                </a:solidFill>
-                <a:latin typeface="+mn-lt"/>
-                <a:ea typeface="+mn-ea"/>
-                <a:cs typeface="+mn-cs"/>
-              </a:defRPr>
-            </a:lvl1pPr>
-            <a:lvl2pPr marL="742950" indent="-285750" algn="l" defTabSz="914400" latinLnBrk="1">
-              <a:spcBef>
-                <a:spcPct val="20000"/>
-              </a:spcBef>
-              <a:buFont typeface="Arial" pitchFamily="2" charset="2"/>
-              <a:buChar char="–"/>
-              <a:defRPr sz="2800" kern="1200">
-                <a:solidFill>
-                  <a:schemeClr val="tx1"/>
-                </a:solidFill>
-                <a:latin typeface="+mn-lt"/>
-                <a:ea typeface="+mn-ea"/>
-                <a:cs typeface="+mn-cs"/>
-              </a:defRPr>
-            </a:lvl2pPr>
-            <a:lvl3pPr marL="1143000" indent="-228600" algn="l" defTabSz="914400" latinLnBrk="1">
-              <a:spcBef>
-                <a:spcPct val="20000"/>
-              </a:spcBef>
-              <a:buFont typeface="Arial" pitchFamily="2" charset="2"/>
-              <a:buChar char="•"/>
-              <a:defRPr sz="2400" kern="1200">
-                <a:solidFill>
-                  <a:schemeClr val="tx1"/>
-                </a:solidFill>
-                <a:latin typeface="+mn-lt"/>
-                <a:ea typeface="+mn-ea"/>
-                <a:cs typeface="+mn-cs"/>
-              </a:defRPr>
-            </a:lvl3pPr>
-            <a:lvl4pPr marL="1600200" indent="-228600" algn="l" defTabSz="914400" latinLnBrk="1">
-              <a:spcBef>
-                <a:spcPct val="20000"/>
-              </a:spcBef>
-              <a:buFont typeface="Arial" pitchFamily="2" charset="2"/>
-              <a:buChar char="–"/>
-              <a:defRPr sz="2000" kern="1200">
-                <a:solidFill>
-                  <a:schemeClr val="tx1"/>
-                </a:solidFill>
-                <a:latin typeface="+mn-lt"/>
-                <a:ea typeface="+mn-ea"/>
-                <a:cs typeface="+mn-cs"/>
-              </a:defRPr>
-            </a:lvl4pPr>
-            <a:lvl5pPr marL="2057400" indent="-228600" algn="l" defTabSz="914400" latinLnBrk="1">
-              <a:spcBef>
-                <a:spcPct val="20000"/>
-              </a:spcBef>
-              <a:buFont typeface="Arial" pitchFamily="2" charset="2"/>
-              <a:buChar char="»"/>
-              <a:defRPr sz="2000" kern="1200">
-                <a:solidFill>
-                  <a:schemeClr val="tx1"/>
-                </a:solidFill>
-                <a:latin typeface="+mn-lt"/>
-                <a:ea typeface="+mn-ea"/>
-                <a:cs typeface="+mn-cs"/>
-              </a:defRPr>
-            </a:lvl5pPr>
-            <a:lvl6pPr marL="2514600" indent="-228600" algn="l" defTabSz="914400" latinLnBrk="1">
-              <a:spcBef>
-                <a:spcPct val="20000"/>
-              </a:spcBef>
-              <a:buFont typeface="Arial" pitchFamily="2" charset="2"/>
-              <a:buChar char="•"/>
-              <a:defRPr sz="2000" kern="1200">
-                <a:solidFill>
-                  <a:schemeClr val="tx1"/>
-                </a:solidFill>
-                <a:latin typeface="+mn-lt"/>
-                <a:ea typeface="+mn-ea"/>
-                <a:cs typeface="+mn-cs"/>
-              </a:defRPr>
-            </a:lvl6pPr>
-            <a:lvl7pPr marL="2971800" indent="-228600" algn="l" defTabSz="914400" latinLnBrk="1">
-              <a:spcBef>
-                <a:spcPct val="20000"/>
-              </a:spcBef>
-              <a:buFont typeface="Arial" pitchFamily="2" charset="2"/>
-              <a:buChar char="•"/>
-              <a:defRPr sz="2000" kern="1200">
-                <a:solidFill>
-                  <a:schemeClr val="tx1"/>
-                </a:solidFill>
-                <a:latin typeface="+mn-lt"/>
-                <a:ea typeface="+mn-ea"/>
-                <a:cs typeface="+mn-cs"/>
-              </a:defRPr>
-            </a:lvl7pPr>
-            <a:lvl8pPr marL="3429000" indent="-228600" algn="l" defTabSz="914400" latinLnBrk="1">
-              <a:spcBef>
-                <a:spcPct val="20000"/>
-              </a:spcBef>
-              <a:buFont typeface="Arial" pitchFamily="2" charset="2"/>
-              <a:buChar char="•"/>
-              <a:defRPr sz="2000" kern="1200">
-                <a:solidFill>
-                  <a:schemeClr val="tx1"/>
-                </a:solidFill>
-                <a:latin typeface="+mn-lt"/>
-                <a:ea typeface="+mn-ea"/>
-                <a:cs typeface="+mn-cs"/>
-              </a:defRPr>
-            </a:lvl8pPr>
-            <a:lvl9pPr marL="3886200" indent="-228600" algn="l" defTabSz="914400" latinLnBrk="1">
-              <a:spcBef>
-                <a:spcPct val="20000"/>
-              </a:spcBef>
-              <a:buFont typeface="Arial" pitchFamily="2" charset="2"/>
-              <a:buChar char="•"/>
-              <a:defRPr sz="2000" kern="1200">
-                <a:solidFill>
-                  <a:schemeClr val="tx1"/>
-                </a:solidFill>
-                <a:latin typeface="+mn-lt"/>
-                <a:ea typeface="+mn-ea"/>
-                <a:cs typeface="+mn-cs"/>
-              </a:defRPr>
-            </a:lvl9pPr>
-          </a:lstStyle>
-          <a:p>
-            <a:pPr marL="342900" indent="-342900" algn="l" defTabSz="914400" latinLnBrk="1">
-              <a:spcBef>
-                <a:spcPct val="20000"/>
-              </a:spcBef>
-              <a:buNone/>
-            </a:pPr>
-            <a:r>
-              <a:rPr lang="ko-KR" altLang="en-US" sz="1200" kern="1200">
-                <a:solidFill>
-                  <a:srgbClr val="0070C0"/>
-                </a:solidFill>
-                <a:latin typeface="나눔고딕"/>
-                <a:ea typeface="나눔고딕"/>
-                <a:cs typeface="+mn-cs"/>
-              </a:rPr>
-              <a:t>삽입</a:t>
-            </a:r>
-            <a:r>
-              <a:rPr lang="en-US" altLang="en-US" sz="1200" kern="1200">
-                <a:solidFill>
-                  <a:srgbClr val="0070C0"/>
-                </a:solidFill>
-                <a:latin typeface="나눔고딕"/>
-                <a:ea typeface="나눔고딕"/>
-                <a:cs typeface="+mn-cs"/>
-              </a:rPr>
-              <a:t> </a:t>
-            </a:r>
-            <a:r>
-              <a:rPr lang="en-US" altLang="ko-KR" sz="1200" kern="1200">
-                <a:solidFill>
-                  <a:srgbClr val="0070C0"/>
-                </a:solidFill>
-                <a:latin typeface="나눔고딕"/>
-                <a:ea typeface="나눔고딕"/>
-                <a:cs typeface="+mn-cs"/>
-              </a:rPr>
-              <a:t>&gt; </a:t>
-            </a:r>
-            <a:r>
-              <a:rPr lang="ko-KR" altLang="en-US" sz="1200" kern="1200">
-                <a:solidFill>
-                  <a:srgbClr val="0070C0"/>
-                </a:solidFill>
-                <a:latin typeface="나눔고딕"/>
-                <a:ea typeface="나눔고딕"/>
-                <a:cs typeface="+mn-cs"/>
-              </a:rPr>
-              <a:t>도형</a:t>
-            </a:r>
-            <a:r>
-              <a:rPr lang="en-US" altLang="en-US" sz="1200" kern="1200">
-                <a:solidFill>
-                  <a:srgbClr val="0070C0"/>
-                </a:solidFill>
-                <a:latin typeface="나눔고딕"/>
-                <a:ea typeface="나눔고딕"/>
-                <a:cs typeface="+mn-cs"/>
-              </a:rPr>
-              <a:t> </a:t>
-            </a:r>
-            <a:r>
-              <a:rPr lang="ko-KR" altLang="en-US" sz="1200" kern="1200">
-                <a:solidFill>
-                  <a:srgbClr val="3D3C3E"/>
-                </a:solidFill>
-                <a:latin typeface="나눔고딕"/>
-                <a:ea typeface="나눔고딕"/>
-                <a:cs typeface="+mn-cs"/>
-              </a:rPr>
-              <a:t>또는</a:t>
-            </a:r>
-            <a:r>
-              <a:rPr lang="en-US" altLang="en-US" sz="1200" kern="1200">
-                <a:solidFill>
-                  <a:srgbClr val="3D3C3E"/>
-                </a:solidFill>
-                <a:latin typeface="나눔고딕"/>
-                <a:ea typeface="나눔고딕"/>
-                <a:cs typeface="+mn-cs"/>
-              </a:rPr>
-              <a:t> </a:t>
-            </a:r>
-            <a:r>
-              <a:rPr lang="en-US" altLang="ko-KR" sz="1200" kern="1200">
-                <a:solidFill>
-                  <a:srgbClr val="0070C0"/>
-                </a:solidFill>
-                <a:latin typeface="나눔고딕"/>
-                <a:ea typeface="나눔고딕"/>
-                <a:cs typeface="+mn-cs"/>
-              </a:rPr>
-              <a:t>SmartArt</a:t>
-            </a:r>
-            <a:r>
-              <a:rPr lang="ko-KR" altLang="en-US" sz="1200" kern="1200">
-                <a:solidFill>
-                  <a:srgbClr val="3D3C3E"/>
-                </a:solidFill>
-                <a:latin typeface="나눔고딕"/>
-                <a:ea typeface="나눔고딕"/>
-                <a:cs typeface="+mn-cs"/>
-              </a:rPr>
-              <a:t>를</a:t>
-            </a:r>
-            <a:r>
-              <a:rPr lang="en-US" altLang="en-US" sz="1200" kern="1200">
-                <a:solidFill>
-                  <a:srgbClr val="3D3C3E"/>
-                </a:solidFill>
-                <a:latin typeface="나눔고딕"/>
-                <a:ea typeface="나눔고딕"/>
-                <a:cs typeface="+mn-cs"/>
-              </a:rPr>
-              <a:t> </a:t>
-            </a:r>
-            <a:r>
-              <a:rPr lang="ko-KR" altLang="en-US" sz="1200" kern="1200">
-                <a:solidFill>
-                  <a:srgbClr val="3D3C3E"/>
-                </a:solidFill>
-                <a:latin typeface="나눔고딕"/>
-                <a:ea typeface="나눔고딕"/>
-                <a:cs typeface="+mn-cs"/>
-              </a:rPr>
-              <a:t>이용하여</a:t>
-            </a:r>
-          </a:p>
-          <a:p>
-            <a:pPr marL="342900" indent="-342900" algn="l" defTabSz="914400" latinLnBrk="1">
-              <a:spcBef>
-                <a:spcPct val="20000"/>
-              </a:spcBef>
-              <a:buNone/>
-            </a:pPr>
-            <a:r>
-              <a:rPr lang="ko-KR" altLang="en-US" sz="1200" kern="1200">
-                <a:solidFill>
-                  <a:srgbClr val="3D3C3E"/>
-                </a:solidFill>
-                <a:latin typeface="나눔고딕"/>
-                <a:ea typeface="나눔고딕"/>
-                <a:cs typeface="+mn-cs"/>
-              </a:rPr>
-              <a:t>다양한</a:t>
-            </a:r>
-            <a:r>
-              <a:rPr lang="en-US" altLang="en-US" sz="1200" kern="1200">
-                <a:solidFill>
-                  <a:srgbClr val="3D3C3E"/>
-                </a:solidFill>
-                <a:latin typeface="나눔고딕"/>
-                <a:ea typeface="나눔고딕"/>
-                <a:cs typeface="+mn-cs"/>
-              </a:rPr>
-              <a:t> </a:t>
-            </a:r>
-            <a:r>
-              <a:rPr lang="ko-KR" altLang="en-US" sz="1200" kern="1200">
-                <a:solidFill>
-                  <a:srgbClr val="3D3C3E"/>
-                </a:solidFill>
-                <a:latin typeface="나눔고딕"/>
-                <a:ea typeface="나눔고딕"/>
-                <a:cs typeface="+mn-cs"/>
-              </a:rPr>
-              <a:t>도형</a:t>
-            </a:r>
-            <a:r>
-              <a:rPr lang="en-US" altLang="en-US" sz="1200" kern="1200">
-                <a:solidFill>
-                  <a:srgbClr val="3D3C3E"/>
-                </a:solidFill>
-                <a:latin typeface="나눔고딕"/>
-                <a:ea typeface="나눔고딕"/>
-                <a:cs typeface="+mn-cs"/>
-              </a:rPr>
-              <a:t> </a:t>
-            </a:r>
-            <a:r>
-              <a:rPr lang="ko-KR" altLang="en-US" sz="1200" kern="1200">
-                <a:solidFill>
-                  <a:srgbClr val="3D3C3E"/>
-                </a:solidFill>
-                <a:latin typeface="나눔고딕"/>
-                <a:ea typeface="나눔고딕"/>
-                <a:cs typeface="+mn-cs"/>
-              </a:rPr>
-              <a:t>및</a:t>
-            </a:r>
-            <a:r>
-              <a:rPr lang="en-US" altLang="en-US" sz="1200" kern="1200">
-                <a:solidFill>
-                  <a:srgbClr val="3D3C3E"/>
-                </a:solidFill>
-                <a:latin typeface="나눔고딕"/>
-                <a:ea typeface="나눔고딕"/>
-                <a:cs typeface="+mn-cs"/>
-              </a:rPr>
-              <a:t> </a:t>
-            </a:r>
-            <a:r>
-              <a:rPr lang="ko-KR" altLang="en-US" sz="1200" kern="1200">
-                <a:solidFill>
-                  <a:srgbClr val="3D3C3E"/>
-                </a:solidFill>
-                <a:latin typeface="나눔고딕"/>
-                <a:ea typeface="나눔고딕"/>
-                <a:cs typeface="+mn-cs"/>
-              </a:rPr>
-              <a:t>다이어그램을</a:t>
-            </a:r>
-            <a:r>
-              <a:rPr lang="en-US" altLang="en-US" sz="1200" kern="1200">
-                <a:solidFill>
-                  <a:srgbClr val="3D3C3E"/>
-                </a:solidFill>
-                <a:latin typeface="나눔고딕"/>
-                <a:ea typeface="나눔고딕"/>
-                <a:cs typeface="+mn-cs"/>
-              </a:rPr>
-              <a:t> </a:t>
-            </a:r>
-            <a:r>
-              <a:rPr lang="ko-KR" altLang="en-US" sz="1200" kern="1200">
-                <a:solidFill>
-                  <a:srgbClr val="3D3C3E"/>
-                </a:solidFill>
-                <a:latin typeface="나눔고딕"/>
-                <a:ea typeface="나눔고딕"/>
-                <a:cs typeface="+mn-cs"/>
-              </a:rPr>
-              <a:t>구현할</a:t>
-            </a:r>
-            <a:r>
-              <a:rPr lang="en-US" altLang="en-US" sz="1200" kern="1200">
-                <a:solidFill>
-                  <a:srgbClr val="3D3C3E"/>
-                </a:solidFill>
-                <a:latin typeface="나눔고딕"/>
-                <a:ea typeface="나눔고딕"/>
-                <a:cs typeface="+mn-cs"/>
-              </a:rPr>
-              <a:t> </a:t>
-            </a:r>
-            <a:r>
-              <a:rPr lang="ko-KR" altLang="en-US" sz="1200" kern="1200">
-                <a:solidFill>
-                  <a:srgbClr val="3D3C3E"/>
-                </a:solidFill>
-                <a:latin typeface="나눔고딕"/>
-                <a:ea typeface="나눔고딕"/>
-                <a:cs typeface="+mn-cs"/>
-              </a:rPr>
-              <a:t>수</a:t>
-            </a:r>
-            <a:r>
-              <a:rPr lang="en-US" altLang="en-US" sz="1200" kern="1200">
-                <a:solidFill>
-                  <a:srgbClr val="3D3C3E"/>
-                </a:solidFill>
-                <a:latin typeface="나눔고딕"/>
-                <a:ea typeface="나눔고딕"/>
-                <a:cs typeface="+mn-cs"/>
-              </a:rPr>
-              <a:t> </a:t>
-            </a:r>
-            <a:r>
-              <a:rPr lang="ko-KR" altLang="en-US" sz="1200" kern="1200">
-                <a:solidFill>
-                  <a:srgbClr val="3D3C3E"/>
-                </a:solidFill>
-                <a:latin typeface="나눔고딕"/>
-                <a:ea typeface="나눔고딕"/>
-                <a:cs typeface="+mn-cs"/>
-              </a:rPr>
-              <a:t>있습니다</a:t>
-            </a:r>
-            <a:r>
-              <a:rPr lang="en-US" altLang="ko-KR" sz="1200" kern="1200">
-                <a:solidFill>
-                  <a:srgbClr val="3D3C3E"/>
-                </a:solidFill>
-                <a:latin typeface="나눔고딕"/>
-                <a:ea typeface="나눔고딕"/>
-                <a:cs typeface="+mn-cs"/>
-              </a:rPr>
-              <a:t>.</a:t>
-            </a:r>
-            <a:endParaRPr sz="1200" kern="1200">
-              <a:solidFill>
-                <a:srgbClr val="3D3C3E"/>
-              </a:solidFill>
-              <a:latin typeface="나눔고딕"/>
-              <a:ea typeface="나눔고딕"/>
-              <a:cs typeface="+mn-cs"/>
-            </a:endParaRPr>
-          </a:p>
-        </p:txBody>
-      </p:sp>
-      <p:sp>
-        <p:nvSpPr>
-          <p:cNvPr id="16" name="slide7_shape13"/>
-          <p:cNvSpPr/>
-          <p:nvPr/>
-        </p:nvSpPr>
-        <p:spPr>
-          <a:xfrm>
-            <a:off x="7277411" y="195231"/>
-            <a:ext cx="1584176" cy="215444"/>
-          </a:xfrm>
-          <a:prstGeom prst="rect">
-            <a:avLst/>
-          </a:prstGeom>
-          <a:noFill/>
-        </p:spPr>
-        <p:txBody>
-          <a:bodyPr wrap="square">
-            <a:spAutoFit/>
-          </a:bodyPr>
-          <a:lstStyle/>
-          <a:p>
-            <a:pPr marL="0" algn="r" defTabSz="914400" latinLnBrk="1"/>
-            <a:fld id="{4BEDD84E-25D4-4983-8AA1-2863C96F08D9}" type="slidenum">
-              <a:rPr lang="en-US" sz="800" kern="1200" spc="-30">
-                <a:solidFill>
-                  <a:schemeClr val="tx1">
-                    <a:lumMod val="95000"/>
-                    <a:lumOff val="5000"/>
-                  </a:schemeClr>
-                </a:solidFill>
-                <a:latin typeface="나눔고딕"/>
-                <a:ea typeface="나눔고딕"/>
-                <a:cs typeface="+mn-cs"/>
-              </a:rPr>
-              <a:t>9</a:t>
-            </a:fld>
-            <a:r>
-              <a:rPr lang="en-US" altLang="ko-KR" sz="800" kern="1200" spc="-30">
-                <a:solidFill>
-                  <a:schemeClr val="tx1">
-                    <a:lumMod val="95000"/>
-                    <a:lumOff val="5000"/>
-                  </a:schemeClr>
-                </a:solidFill>
-                <a:latin typeface="나눔고딕"/>
-                <a:ea typeface="나눔고딕"/>
-                <a:cs typeface="+mn-cs"/>
-              </a:rPr>
-              <a:t> / 14</a:t>
-            </a:r>
-            <a:endParaRPr sz="800" kern="1200" spc="-30">
-              <a:solidFill>
-                <a:schemeClr val="tx1">
-                  <a:lumMod val="95000"/>
-                  <a:lumOff val="5000"/>
-                </a:schemeClr>
-              </a:solidFill>
-              <a:latin typeface="나눔고딕"/>
-              <a:ea typeface="나눔고딕"/>
-              <a:cs typeface="+mn-cs"/>
-            </a:endParaRPr>
-          </a:p>
-        </p:txBody>
-      </p:sp>
-      <p:sp>
-        <p:nvSpPr>
-          <p:cNvPr id="17" name="slide7_shape14"/>
-          <p:cNvSpPr>
-            <a:spLocks noGrp="1"/>
-          </p:cNvSpPr>
-          <p:nvPr>
-            <p:ph type="title"/>
-          </p:nvPr>
-        </p:nvSpPr>
-        <p:spPr>
-          <a:xfrm>
-            <a:off x="257174" y="533399"/>
-            <a:ext cx="8372475" cy="912813"/>
-          </a:xfrm>
-          <a:prstGeom prst="rect">
-            <a:avLst/>
-          </a:prstGeom>
-        </p:spPr>
-        <p:txBody>
-          <a:bodyPr lIns="91440" tIns="45720" rIns="91440" bIns="45720" anchor="ctr"/>
-          <a:lstStyle>
-            <a:lvl1pPr>
-              <a:defRPr>
-                <a:latin typeface="나눔고딕"/>
-                <a:ea typeface="나눔고딕"/>
-              </a:defRPr>
-            </a:lvl1pPr>
-          </a:lstStyle>
-          <a:p>
-            <a:pPr algn="l" defTabSz="914400" latinLnBrk="1">
-              <a:spcBef>
-                <a:spcPct val="0"/>
-              </a:spcBef>
-              <a:buNone/>
-            </a:pPr>
-            <a:r>
-              <a:rPr lang="ko-KR" altLang="en-US" sz="4000" b="1" kern="1200" spc="-150">
-                <a:solidFill>
-                  <a:srgbClr val="1D314E"/>
-                </a:solidFill>
-                <a:latin typeface="나눔고딕"/>
-                <a:ea typeface="나눔고딕"/>
-                <a:cs typeface="+mj-cs"/>
-              </a:rPr>
-              <a:t>도형</a:t>
-            </a:r>
-            <a:endParaRPr sz="4000" b="1" kern="1200" spc="-150">
-              <a:solidFill>
-                <a:srgbClr val="1D314E"/>
-              </a:solidFill>
-              <a:latin typeface="나눔고딕"/>
-              <a:ea typeface="나눔고딕"/>
-              <a:cs typeface="+mj-cs"/>
-            </a:endParaRPr>
-          </a:p>
-        </p:txBody>
-      </p:sp>
-    </p:spTree>
   </p:cSld>
   <p:clrMapOvr>
     <a:masterClrMapping/>
